--- a/usecase-1.pptx
+++ b/usecase-1.pptx
@@ -5,15 +5,16 @@
     <p:sldMasterId id="2147483648" r:id="rId1"/>
   </p:sldMasterIdLst>
   <p:notesMasterIdLst>
-    <p:notesMasterId r:id="rId8"/>
+    <p:notesMasterId r:id="rId9"/>
   </p:notesMasterIdLst>
   <p:sldIdLst>
     <p:sldId id="259" r:id="rId2"/>
     <p:sldId id="256" r:id="rId3"/>
     <p:sldId id="257" r:id="rId4"/>
-    <p:sldId id="258" r:id="rId5"/>
-    <p:sldId id="260" r:id="rId6"/>
-    <p:sldId id="261" r:id="rId7"/>
+    <p:sldId id="262" r:id="rId5"/>
+    <p:sldId id="258" r:id="rId6"/>
+    <p:sldId id="260" r:id="rId7"/>
+    <p:sldId id="261" r:id="rId8"/>
   </p:sldIdLst>
   <p:sldSz cx="12192000" cy="6858000"/>
   <p:notesSz cx="6858000" cy="9144000"/>
@@ -623,7 +624,7 @@
     </p:spTree>
     <p:extLst>
       <p:ext uri="{BB962C8B-B14F-4D97-AF65-F5344CB8AC3E}">
-        <p14:creationId xmlns:p14="http://schemas.microsoft.com/office/powerpoint/2010/main" val="936865607"/>
+        <p14:creationId xmlns:p14="http://schemas.microsoft.com/office/powerpoint/2010/main" val="3457620655"/>
       </p:ext>
     </p:extLst>
   </p:cSld>
@@ -707,7 +708,7 @@
     </p:spTree>
     <p:extLst>
       <p:ext uri="{BB962C8B-B14F-4D97-AF65-F5344CB8AC3E}">
-        <p14:creationId xmlns:p14="http://schemas.microsoft.com/office/powerpoint/2010/main" val="1290116909"/>
+        <p14:creationId xmlns:p14="http://schemas.microsoft.com/office/powerpoint/2010/main" val="936865607"/>
       </p:ext>
     </p:extLst>
   </p:cSld>
@@ -783,6 +784,90 @@
             <a:fld id="{BCCB237C-D653-2241-BD82-E5E41D463A41}" type="slidenum">
               <a:rPr lang="en-US" smtClean="0"/>
               <a:t>6</a:t>
+            </a:fld>
+            <a:endParaRPr lang="en-US"/>
+          </a:p>
+        </p:txBody>
+      </p:sp>
+    </p:spTree>
+    <p:extLst>
+      <p:ext uri="{BB962C8B-B14F-4D97-AF65-F5344CB8AC3E}">
+        <p14:creationId xmlns:p14="http://schemas.microsoft.com/office/powerpoint/2010/main" val="1290116909"/>
+      </p:ext>
+    </p:extLst>
+  </p:cSld>
+  <p:clrMapOvr>
+    <a:masterClrMapping/>
+  </p:clrMapOvr>
+</p:notes>
+</file>
+
+<file path=ppt/notesSlides/notesSlide5.xml><?xml version="1.0" encoding="utf-8"?>
+<p:notes xmlns:a="http://schemas.openxmlformats.org/drawingml/2006/main" xmlns:r="http://schemas.openxmlformats.org/officeDocument/2006/relationships" xmlns:p="http://schemas.openxmlformats.org/presentationml/2006/main">
+  <p:cSld>
+    <p:spTree>
+      <p:nvGrpSpPr>
+        <p:cNvPr id="1" name=""/>
+        <p:cNvGrpSpPr/>
+        <p:nvPr/>
+      </p:nvGrpSpPr>
+      <p:grpSpPr>
+        <a:xfrm>
+          <a:off x="0" y="0"/>
+          <a:ext cx="0" cy="0"/>
+          <a:chOff x="0" y="0"/>
+          <a:chExt cx="0" cy="0"/>
+        </a:xfrm>
+      </p:grpSpPr>
+      <p:sp>
+        <p:nvSpPr>
+          <p:cNvPr id="2" name="Slide Image Placeholder 1"/>
+          <p:cNvSpPr>
+            <a:spLocks noGrp="1" noRot="1" noChangeAspect="1"/>
+          </p:cNvSpPr>
+          <p:nvPr>
+            <p:ph type="sldImg"/>
+          </p:nvPr>
+        </p:nvSpPr>
+        <p:spPr/>
+      </p:sp>
+      <p:sp>
+        <p:nvSpPr>
+          <p:cNvPr id="3" name="Notes Placeholder 2"/>
+          <p:cNvSpPr>
+            <a:spLocks noGrp="1"/>
+          </p:cNvSpPr>
+          <p:nvPr>
+            <p:ph type="body" idx="1"/>
+          </p:nvPr>
+        </p:nvSpPr>
+        <p:spPr/>
+        <p:txBody>
+          <a:bodyPr/>
+          <a:lstStyle/>
+          <a:p>
+            <a:endParaRPr lang="en-US" dirty="0"/>
+          </a:p>
+        </p:txBody>
+      </p:sp>
+      <p:sp>
+        <p:nvSpPr>
+          <p:cNvPr id="4" name="Slide Number Placeholder 3"/>
+          <p:cNvSpPr>
+            <a:spLocks noGrp="1"/>
+          </p:cNvSpPr>
+          <p:nvPr>
+            <p:ph type="sldNum" sz="quarter" idx="5"/>
+          </p:nvPr>
+        </p:nvSpPr>
+        <p:spPr/>
+        <p:txBody>
+          <a:bodyPr/>
+          <a:lstStyle/>
+          <a:p>
+            <a:fld id="{BCCB237C-D653-2241-BD82-E5E41D463A41}" type="slidenum">
+              <a:rPr lang="en-US" smtClean="0"/>
+              <a:t>7</a:t>
             </a:fld>
             <a:endParaRPr lang="en-US"/>
           </a:p>
@@ -4038,10 +4123,10 @@
       </p:grpSpPr>
       <p:sp>
         <p:nvSpPr>
-          <p:cNvPr id="2" name="Rectangle 1">
-            <a:extLst>
-              <a:ext uri="{FF2B5EF4-FFF2-40B4-BE49-F238E27FC236}">
-                <a16:creationId xmlns:a16="http://schemas.microsoft.com/office/drawing/2014/main" id="{8738CB94-86E1-014F-AAB2-E42E4A5CAA92}"/>
+          <p:cNvPr id="58" name="Rectangle 57">
+            <a:extLst>
+              <a:ext uri="{FF2B5EF4-FFF2-40B4-BE49-F238E27FC236}">
+                <a16:creationId xmlns:a16="http://schemas.microsoft.com/office/drawing/2014/main" id="{F5B93496-7B21-E54F-9441-3CB0EF1540DE}"/>
               </a:ext>
             </a:extLst>
           </p:cNvPr>
@@ -4050,19 +4135,19 @@
         </p:nvSpPr>
         <p:spPr>
           <a:xfrm>
-            <a:off x="1189167" y="812424"/>
-            <a:ext cx="2980147" cy="2430839"/>
+            <a:off x="478629" y="3428999"/>
+            <a:ext cx="11622327" cy="2886075"/>
           </a:xfrm>
           <a:prstGeom prst="rect">
             <a:avLst/>
           </a:prstGeom>
           <a:solidFill>
-            <a:schemeClr val="bg1"/>
+            <a:srgbClr val="FF665D">
+              <a:alpha val="70000"/>
+            </a:srgbClr>
           </a:solidFill>
-          <a:ln w="12700">
-            <a:solidFill>
-              <a:schemeClr val="tx1"/>
-            </a:solidFill>
+          <a:ln>
+            <a:noFill/>
           </a:ln>
         </p:spPr>
         <p:style>
@@ -4092,45 +4177,10 @@
       </p:sp>
       <p:sp>
         <p:nvSpPr>
-          <p:cNvPr id="3" name="TextBox 2">
-            <a:extLst>
-              <a:ext uri="{FF2B5EF4-FFF2-40B4-BE49-F238E27FC236}">
-                <a16:creationId xmlns:a16="http://schemas.microsoft.com/office/drawing/2014/main" id="{DCBD0EAA-1A44-5F4A-9170-5C161DFA5EB2}"/>
-              </a:ext>
-            </a:extLst>
-          </p:cNvPr>
-          <p:cNvSpPr txBox="1"/>
-          <p:nvPr/>
-        </p:nvSpPr>
-        <p:spPr>
-          <a:xfrm>
-            <a:off x="1819500" y="357188"/>
-            <a:ext cx="1545616" cy="369332"/>
-          </a:xfrm>
-          <a:prstGeom prst="rect">
-            <a:avLst/>
-          </a:prstGeom>
-          <a:noFill/>
-        </p:spPr>
-        <p:txBody>
-          <a:bodyPr wrap="none" rtlCol="0">
-            <a:spAutoFit/>
-          </a:bodyPr>
-          <a:lstStyle/>
-          <a:p>
-            <a:r>
-              <a:rPr lang="en-US" dirty="0"/>
-              <a:t>Business Need</a:t>
-            </a:r>
-          </a:p>
-        </p:txBody>
-      </p:sp>
-      <p:sp>
-        <p:nvSpPr>
-          <p:cNvPr id="39" name="Rectangle 38">
-            <a:extLst>
-              <a:ext uri="{FF2B5EF4-FFF2-40B4-BE49-F238E27FC236}">
-                <a16:creationId xmlns:a16="http://schemas.microsoft.com/office/drawing/2014/main" id="{6087BEEE-8C32-8E44-9CCA-EED4C03519A0}"/>
+          <p:cNvPr id="7" name="Rectangle 6">
+            <a:extLst>
+              <a:ext uri="{FF2B5EF4-FFF2-40B4-BE49-F238E27FC236}">
+                <a16:creationId xmlns:a16="http://schemas.microsoft.com/office/drawing/2014/main" id="{A38F9822-9872-4143-9A3E-B99D8F1419B3}"/>
               </a:ext>
             </a:extLst>
           </p:cNvPr>
@@ -4139,17 +4189,19 @@
         </p:nvSpPr>
         <p:spPr>
           <a:xfrm>
-            <a:off x="1189167" y="3429000"/>
-            <a:ext cx="2980147" cy="2886075"/>
-          </a:xfrm>
-          <a:prstGeom prst="rect">
-            <a:avLst/>
-          </a:prstGeom>
-          <a:noFill/>
-          <a:ln w="22225">
-            <a:solidFill>
-              <a:schemeClr val="tx1"/>
-            </a:solidFill>
+            <a:off x="472064" y="726271"/>
+            <a:ext cx="11628892" cy="2609860"/>
+          </a:xfrm>
+          <a:prstGeom prst="rect">
+            <a:avLst/>
+          </a:prstGeom>
+          <a:solidFill>
+            <a:srgbClr val="E59533">
+              <a:alpha val="50000"/>
+            </a:srgbClr>
+          </a:solidFill>
+          <a:ln>
+            <a:noFill/>
           </a:ln>
         </p:spPr>
         <p:style>
@@ -4179,220 +4231,10 @@
       </p:sp>
       <p:sp>
         <p:nvSpPr>
-          <p:cNvPr id="6" name="TextBox 5">
-            <a:extLst>
-              <a:ext uri="{FF2B5EF4-FFF2-40B4-BE49-F238E27FC236}">
-                <a16:creationId xmlns:a16="http://schemas.microsoft.com/office/drawing/2014/main" id="{7BA7B8AE-C032-5847-BA2A-6427EB28C288}"/>
-              </a:ext>
-            </a:extLst>
-          </p:cNvPr>
-          <p:cNvSpPr txBox="1"/>
-          <p:nvPr/>
-        </p:nvSpPr>
-        <p:spPr>
-          <a:xfrm>
-            <a:off x="1367937" y="3963531"/>
-            <a:ext cx="2154051" cy="369332"/>
-          </a:xfrm>
-          <a:prstGeom prst="rect">
-            <a:avLst/>
-          </a:prstGeom>
-          <a:noFill/>
-        </p:spPr>
-        <p:txBody>
-          <a:bodyPr wrap="none" rtlCol="0">
-            <a:spAutoFit/>
-          </a:bodyPr>
-          <a:lstStyle/>
-          <a:p>
-            <a:r>
-              <a:rPr lang="en-US" dirty="0"/>
-              <a:t>SVOD / TVOD service</a:t>
-            </a:r>
-          </a:p>
-        </p:txBody>
-      </p:sp>
-      <p:sp>
-        <p:nvSpPr>
-          <p:cNvPr id="49" name="TextBox 48">
-            <a:extLst>
-              <a:ext uri="{FF2B5EF4-FFF2-40B4-BE49-F238E27FC236}">
-                <a16:creationId xmlns:a16="http://schemas.microsoft.com/office/drawing/2014/main" id="{6D30D554-CF37-CF4E-B6B9-0A72B1780D67}"/>
-              </a:ext>
-            </a:extLst>
-          </p:cNvPr>
-          <p:cNvSpPr txBox="1"/>
-          <p:nvPr/>
-        </p:nvSpPr>
-        <p:spPr>
-          <a:xfrm>
-            <a:off x="1369380" y="4405550"/>
-            <a:ext cx="2574103" cy="369332"/>
-          </a:xfrm>
-          <a:prstGeom prst="rect">
-            <a:avLst/>
-          </a:prstGeom>
-          <a:noFill/>
-        </p:spPr>
-        <p:txBody>
-          <a:bodyPr wrap="none" rtlCol="0">
-            <a:spAutoFit/>
-          </a:bodyPr>
-          <a:lstStyle/>
-          <a:p>
-            <a:r>
-              <a:rPr lang="en-US" dirty="0"/>
-              <a:t>AVOD – Advertising VODs</a:t>
-            </a:r>
-          </a:p>
-        </p:txBody>
-      </p:sp>
-      <p:sp>
-        <p:nvSpPr>
-          <p:cNvPr id="54" name="TextBox 53">
-            <a:extLst>
-              <a:ext uri="{FF2B5EF4-FFF2-40B4-BE49-F238E27FC236}">
-                <a16:creationId xmlns:a16="http://schemas.microsoft.com/office/drawing/2014/main" id="{2B712512-0BCA-7648-8C25-0C948CA50B8C}"/>
-              </a:ext>
-            </a:extLst>
-          </p:cNvPr>
-          <p:cNvSpPr txBox="1"/>
-          <p:nvPr/>
-        </p:nvSpPr>
-        <p:spPr>
-          <a:xfrm>
-            <a:off x="1369380" y="4867750"/>
-            <a:ext cx="1410130" cy="369332"/>
-          </a:xfrm>
-          <a:prstGeom prst="rect">
-            <a:avLst/>
-          </a:prstGeom>
-          <a:noFill/>
-        </p:spPr>
-        <p:txBody>
-          <a:bodyPr wrap="none" rtlCol="0">
-            <a:spAutoFit/>
-          </a:bodyPr>
-          <a:lstStyle/>
-          <a:p>
-            <a:r>
-              <a:rPr lang="en-US" dirty="0"/>
-              <a:t>Global Reach</a:t>
-            </a:r>
-          </a:p>
-        </p:txBody>
-      </p:sp>
-      <p:sp>
-        <p:nvSpPr>
-          <p:cNvPr id="55" name="TextBox 54">
-            <a:extLst>
-              <a:ext uri="{FF2B5EF4-FFF2-40B4-BE49-F238E27FC236}">
-                <a16:creationId xmlns:a16="http://schemas.microsoft.com/office/drawing/2014/main" id="{848030F1-E41A-D346-9662-74D588412764}"/>
-              </a:ext>
-            </a:extLst>
-          </p:cNvPr>
-          <p:cNvSpPr txBox="1"/>
-          <p:nvPr/>
-        </p:nvSpPr>
-        <p:spPr>
-          <a:xfrm>
-            <a:off x="1369380" y="5406746"/>
-            <a:ext cx="2234714" cy="369332"/>
-          </a:xfrm>
-          <a:prstGeom prst="rect">
-            <a:avLst/>
-          </a:prstGeom>
-          <a:noFill/>
-        </p:spPr>
-        <p:txBody>
-          <a:bodyPr wrap="none" rtlCol="0">
-            <a:spAutoFit/>
-          </a:bodyPr>
-          <a:lstStyle/>
-          <a:p>
-            <a:r>
-              <a:rPr lang="en-US" dirty="0"/>
-              <a:t>Wide device coverage</a:t>
-            </a:r>
-          </a:p>
-        </p:txBody>
-      </p:sp>
-      <p:sp>
-        <p:nvSpPr>
-          <p:cNvPr id="56" name="TextBox 55">
-            <a:extLst>
-              <a:ext uri="{FF2B5EF4-FFF2-40B4-BE49-F238E27FC236}">
-                <a16:creationId xmlns:a16="http://schemas.microsoft.com/office/drawing/2014/main" id="{98A3C901-823F-4043-B647-3DCB9D65E816}"/>
-              </a:ext>
-            </a:extLst>
-          </p:cNvPr>
-          <p:cNvSpPr txBox="1"/>
-          <p:nvPr/>
-        </p:nvSpPr>
-        <p:spPr>
-          <a:xfrm>
-            <a:off x="1369380" y="5860910"/>
-            <a:ext cx="2799934" cy="369332"/>
-          </a:xfrm>
-          <a:prstGeom prst="rect">
-            <a:avLst/>
-          </a:prstGeom>
-          <a:noFill/>
-        </p:spPr>
-        <p:txBody>
-          <a:bodyPr wrap="none" rtlCol="0">
-            <a:spAutoFit/>
-          </a:bodyPr>
-          <a:lstStyle/>
-          <a:p>
-            <a:r>
-              <a:rPr lang="en-US" dirty="0"/>
-              <a:t>Go To Market in 1-2 months</a:t>
-            </a:r>
-          </a:p>
-        </p:txBody>
-      </p:sp>
-      <p:sp>
-        <p:nvSpPr>
-          <p:cNvPr id="57" name="TextBox 56">
-            <a:extLst>
-              <a:ext uri="{FF2B5EF4-FFF2-40B4-BE49-F238E27FC236}">
-                <a16:creationId xmlns:a16="http://schemas.microsoft.com/office/drawing/2014/main" id="{E4E5A198-C453-954E-8F8D-70FF3ABDA96C}"/>
-              </a:ext>
-            </a:extLst>
-          </p:cNvPr>
-          <p:cNvSpPr txBox="1"/>
-          <p:nvPr/>
-        </p:nvSpPr>
-        <p:spPr>
-          <a:xfrm>
-            <a:off x="1367937" y="1532692"/>
-            <a:ext cx="1863715" cy="369332"/>
-          </a:xfrm>
-          <a:prstGeom prst="rect">
-            <a:avLst/>
-          </a:prstGeom>
-          <a:noFill/>
-        </p:spPr>
-        <p:txBody>
-          <a:bodyPr wrap="none" rtlCol="0">
-            <a:spAutoFit/>
-          </a:bodyPr>
-          <a:lstStyle/>
-          <a:p>
-            <a:r>
-              <a:rPr lang="en-US" dirty="0"/>
-              <a:t>Basic VOD Service</a:t>
-            </a:r>
-          </a:p>
-        </p:txBody>
-      </p:sp>
-      <p:sp>
-        <p:nvSpPr>
-          <p:cNvPr id="7" name="Rectangle 6">
-            <a:extLst>
-              <a:ext uri="{FF2B5EF4-FFF2-40B4-BE49-F238E27FC236}">
-                <a16:creationId xmlns:a16="http://schemas.microsoft.com/office/drawing/2014/main" id="{A38F9822-9872-4143-9A3E-B99D8F1419B3}"/>
+          <p:cNvPr id="2" name="Rectangle 1">
+            <a:extLst>
+              <a:ext uri="{FF2B5EF4-FFF2-40B4-BE49-F238E27FC236}">
+                <a16:creationId xmlns:a16="http://schemas.microsoft.com/office/drawing/2014/main" id="{8738CB94-86E1-014F-AAB2-E42E4A5CAA92}"/>
               </a:ext>
             </a:extLst>
           </p:cNvPr>
@@ -4401,19 +4243,19 @@
         </p:nvSpPr>
         <p:spPr>
           <a:xfrm>
-            <a:off x="472065" y="759739"/>
-            <a:ext cx="585788" cy="2483524"/>
+            <a:off x="1116873" y="1496750"/>
+            <a:ext cx="2828174" cy="1021695"/>
           </a:xfrm>
           <a:prstGeom prst="rect">
             <a:avLst/>
           </a:prstGeom>
           <a:solidFill>
-            <a:schemeClr val="bg1"/>
+            <a:srgbClr val="C6C6C5">
+              <a:alpha val="59000"/>
+            </a:srgbClr>
           </a:solidFill>
-          <a:ln>
-            <a:solidFill>
-              <a:schemeClr val="tx1"/>
-            </a:solidFill>
+          <a:ln w="12700">
+            <a:noFill/>
           </a:ln>
         </p:spPr>
         <p:style>
@@ -4443,10 +4285,10 @@
       </p:sp>
       <p:sp>
         <p:nvSpPr>
-          <p:cNvPr id="8" name="TextBox 7">
-            <a:extLst>
-              <a:ext uri="{FF2B5EF4-FFF2-40B4-BE49-F238E27FC236}">
-                <a16:creationId xmlns:a16="http://schemas.microsoft.com/office/drawing/2014/main" id="{9EE3CFF0-A425-CE49-8F51-ACF9BD7F21A1}"/>
+          <p:cNvPr id="3" name="TextBox 2">
+            <a:extLst>
+              <a:ext uri="{FF2B5EF4-FFF2-40B4-BE49-F238E27FC236}">
+                <a16:creationId xmlns:a16="http://schemas.microsoft.com/office/drawing/2014/main" id="{DCBD0EAA-1A44-5F4A-9170-5C161DFA5EB2}"/>
               </a:ext>
             </a:extLst>
           </p:cNvPr>
@@ -4454,9 +4296,9 @@
           <p:nvPr/>
         </p:nvSpPr>
         <p:spPr>
-          <a:xfrm rot="16200000">
-            <a:off x="329026" y="1598949"/>
-            <a:ext cx="899285" cy="369332"/>
+          <a:xfrm>
+            <a:off x="1819500" y="357188"/>
+            <a:ext cx="1608133" cy="369332"/>
           </a:xfrm>
           <a:prstGeom prst="rect">
             <a:avLst/>
@@ -4471,17 +4313,17 @@
           <a:p>
             <a:r>
               <a:rPr lang="en-US" dirty="0"/>
-              <a:t>Current</a:t>
-            </a:r>
-          </a:p>
-        </p:txBody>
-      </p:sp>
-      <p:sp>
-        <p:nvSpPr>
-          <p:cNvPr id="58" name="Rectangle 57">
-            <a:extLst>
-              <a:ext uri="{FF2B5EF4-FFF2-40B4-BE49-F238E27FC236}">
-                <a16:creationId xmlns:a16="http://schemas.microsoft.com/office/drawing/2014/main" id="{F5B93496-7B21-E54F-9441-3CB0EF1540DE}"/>
+              <a:t>Business needs</a:t>
+            </a:r>
+          </a:p>
+        </p:txBody>
+      </p:sp>
+      <p:sp>
+        <p:nvSpPr>
+          <p:cNvPr id="39" name="Rectangle 38">
+            <a:extLst>
+              <a:ext uri="{FF2B5EF4-FFF2-40B4-BE49-F238E27FC236}">
+                <a16:creationId xmlns:a16="http://schemas.microsoft.com/office/drawing/2014/main" id="{6087BEEE-8C32-8E44-9CCA-EED4C03519A0}"/>
               </a:ext>
             </a:extLst>
           </p:cNvPr>
@@ -4490,19 +4332,19 @@
         </p:nvSpPr>
         <p:spPr>
           <a:xfrm>
-            <a:off x="478630" y="3428999"/>
-            <a:ext cx="585788" cy="2886075"/>
+            <a:off x="1078497" y="3524904"/>
+            <a:ext cx="2980147" cy="2685692"/>
           </a:xfrm>
           <a:prstGeom prst="rect">
             <a:avLst/>
           </a:prstGeom>
           <a:solidFill>
-            <a:schemeClr val="bg1"/>
+            <a:srgbClr val="80CFFF">
+              <a:alpha val="34000"/>
+            </a:srgbClr>
           </a:solidFill>
-          <a:ln>
-            <a:solidFill>
-              <a:schemeClr val="tx1"/>
-            </a:solidFill>
+          <a:ln w="22225">
+            <a:noFill/>
           </a:ln>
         </p:spPr>
         <p:style>
@@ -4532,10 +4374,10 @@
       </p:sp>
       <p:sp>
         <p:nvSpPr>
-          <p:cNvPr id="59" name="TextBox 58">
-            <a:extLst>
-              <a:ext uri="{FF2B5EF4-FFF2-40B4-BE49-F238E27FC236}">
-                <a16:creationId xmlns:a16="http://schemas.microsoft.com/office/drawing/2014/main" id="{6E66AEDA-3039-2D43-9F25-399C6ABF3A6C}"/>
+          <p:cNvPr id="6" name="TextBox 5">
+            <a:extLst>
+              <a:ext uri="{FF2B5EF4-FFF2-40B4-BE49-F238E27FC236}">
+                <a16:creationId xmlns:a16="http://schemas.microsoft.com/office/drawing/2014/main" id="{7BA7B8AE-C032-5847-BA2A-6427EB28C288}"/>
               </a:ext>
             </a:extLst>
           </p:cNvPr>
@@ -4543,9 +4385,9 @@
           <p:nvPr/>
         </p:nvSpPr>
         <p:spPr>
-          <a:xfrm rot="16200000">
-            <a:off x="235415" y="4619148"/>
-            <a:ext cx="1072217" cy="369332"/>
+          <a:xfrm>
+            <a:off x="1367937" y="3963531"/>
+            <a:ext cx="2154051" cy="369332"/>
           </a:xfrm>
           <a:prstGeom prst="rect">
             <a:avLst/>
@@ -4560,7 +4402,252 @@
           <a:p>
             <a:r>
               <a:rPr lang="en-US" dirty="0"/>
-              <a:t>Proposed</a:t>
+              <a:t>SVOD / TVOD service</a:t>
+            </a:r>
+          </a:p>
+        </p:txBody>
+      </p:sp>
+      <p:sp>
+        <p:nvSpPr>
+          <p:cNvPr id="49" name="TextBox 48">
+            <a:extLst>
+              <a:ext uri="{FF2B5EF4-FFF2-40B4-BE49-F238E27FC236}">
+                <a16:creationId xmlns:a16="http://schemas.microsoft.com/office/drawing/2014/main" id="{6D30D554-CF37-CF4E-B6B9-0A72B1780D67}"/>
+              </a:ext>
+            </a:extLst>
+          </p:cNvPr>
+          <p:cNvSpPr txBox="1"/>
+          <p:nvPr/>
+        </p:nvSpPr>
+        <p:spPr>
+          <a:xfrm>
+            <a:off x="1369380" y="4405550"/>
+            <a:ext cx="2574103" cy="369332"/>
+          </a:xfrm>
+          <a:prstGeom prst="rect">
+            <a:avLst/>
+          </a:prstGeom>
+          <a:noFill/>
+        </p:spPr>
+        <p:txBody>
+          <a:bodyPr wrap="none" rtlCol="0">
+            <a:spAutoFit/>
+          </a:bodyPr>
+          <a:lstStyle/>
+          <a:p>
+            <a:r>
+              <a:rPr lang="en-US" dirty="0"/>
+              <a:t>AVOD – Advertising VODs</a:t>
+            </a:r>
+          </a:p>
+        </p:txBody>
+      </p:sp>
+      <p:sp>
+        <p:nvSpPr>
+          <p:cNvPr id="54" name="TextBox 53">
+            <a:extLst>
+              <a:ext uri="{FF2B5EF4-FFF2-40B4-BE49-F238E27FC236}">
+                <a16:creationId xmlns:a16="http://schemas.microsoft.com/office/drawing/2014/main" id="{2B712512-0BCA-7648-8C25-0C948CA50B8C}"/>
+              </a:ext>
+            </a:extLst>
+          </p:cNvPr>
+          <p:cNvSpPr txBox="1"/>
+          <p:nvPr/>
+        </p:nvSpPr>
+        <p:spPr>
+          <a:xfrm>
+            <a:off x="1369380" y="4867750"/>
+            <a:ext cx="1410130" cy="369332"/>
+          </a:xfrm>
+          <a:prstGeom prst="rect">
+            <a:avLst/>
+          </a:prstGeom>
+          <a:noFill/>
+        </p:spPr>
+        <p:txBody>
+          <a:bodyPr wrap="none" rtlCol="0">
+            <a:spAutoFit/>
+          </a:bodyPr>
+          <a:lstStyle/>
+          <a:p>
+            <a:r>
+              <a:rPr lang="en-US" dirty="0"/>
+              <a:t>Global Reach</a:t>
+            </a:r>
+          </a:p>
+        </p:txBody>
+      </p:sp>
+      <p:sp>
+        <p:nvSpPr>
+          <p:cNvPr id="55" name="TextBox 54">
+            <a:extLst>
+              <a:ext uri="{FF2B5EF4-FFF2-40B4-BE49-F238E27FC236}">
+                <a16:creationId xmlns:a16="http://schemas.microsoft.com/office/drawing/2014/main" id="{848030F1-E41A-D346-9662-74D588412764}"/>
+              </a:ext>
+            </a:extLst>
+          </p:cNvPr>
+          <p:cNvSpPr txBox="1"/>
+          <p:nvPr/>
+        </p:nvSpPr>
+        <p:spPr>
+          <a:xfrm>
+            <a:off x="1369380" y="5406746"/>
+            <a:ext cx="2234714" cy="369332"/>
+          </a:xfrm>
+          <a:prstGeom prst="rect">
+            <a:avLst/>
+          </a:prstGeom>
+          <a:noFill/>
+        </p:spPr>
+        <p:txBody>
+          <a:bodyPr wrap="none" rtlCol="0">
+            <a:spAutoFit/>
+          </a:bodyPr>
+          <a:lstStyle/>
+          <a:p>
+            <a:r>
+              <a:rPr lang="en-US" dirty="0"/>
+              <a:t>Wide device coverage</a:t>
+            </a:r>
+          </a:p>
+        </p:txBody>
+      </p:sp>
+      <p:sp>
+        <p:nvSpPr>
+          <p:cNvPr id="56" name="TextBox 55">
+            <a:extLst>
+              <a:ext uri="{FF2B5EF4-FFF2-40B4-BE49-F238E27FC236}">
+                <a16:creationId xmlns:a16="http://schemas.microsoft.com/office/drawing/2014/main" id="{98A3C901-823F-4043-B647-3DCB9D65E816}"/>
+              </a:ext>
+            </a:extLst>
+          </p:cNvPr>
+          <p:cNvSpPr txBox="1"/>
+          <p:nvPr/>
+        </p:nvSpPr>
+        <p:spPr>
+          <a:xfrm>
+            <a:off x="1369380" y="5860910"/>
+            <a:ext cx="2799934" cy="369332"/>
+          </a:xfrm>
+          <a:prstGeom prst="rect">
+            <a:avLst/>
+          </a:prstGeom>
+          <a:noFill/>
+        </p:spPr>
+        <p:txBody>
+          <a:bodyPr wrap="none" rtlCol="0">
+            <a:spAutoFit/>
+          </a:bodyPr>
+          <a:lstStyle/>
+          <a:p>
+            <a:r>
+              <a:rPr lang="en-US" dirty="0"/>
+              <a:t>Go To Market in 1-2 months</a:t>
+            </a:r>
+          </a:p>
+        </p:txBody>
+      </p:sp>
+      <p:sp>
+        <p:nvSpPr>
+          <p:cNvPr id="57" name="TextBox 56">
+            <a:extLst>
+              <a:ext uri="{FF2B5EF4-FFF2-40B4-BE49-F238E27FC236}">
+                <a16:creationId xmlns:a16="http://schemas.microsoft.com/office/drawing/2014/main" id="{E4E5A198-C453-954E-8F8D-70FF3ABDA96C}"/>
+              </a:ext>
+            </a:extLst>
+          </p:cNvPr>
+          <p:cNvSpPr txBox="1"/>
+          <p:nvPr/>
+        </p:nvSpPr>
+        <p:spPr>
+          <a:xfrm>
+            <a:off x="1458176" y="1831837"/>
+            <a:ext cx="1863715" cy="369332"/>
+          </a:xfrm>
+          <a:prstGeom prst="rect">
+            <a:avLst/>
+          </a:prstGeom>
+          <a:noFill/>
+        </p:spPr>
+        <p:txBody>
+          <a:bodyPr wrap="none" rtlCol="0">
+            <a:spAutoFit/>
+          </a:bodyPr>
+          <a:lstStyle/>
+          <a:p>
+            <a:r>
+              <a:rPr lang="en-US" dirty="0"/>
+              <a:t>Basic VOD Service</a:t>
+            </a:r>
+          </a:p>
+        </p:txBody>
+      </p:sp>
+      <p:sp>
+        <p:nvSpPr>
+          <p:cNvPr id="8" name="TextBox 7">
+            <a:extLst>
+              <a:ext uri="{FF2B5EF4-FFF2-40B4-BE49-F238E27FC236}">
+                <a16:creationId xmlns:a16="http://schemas.microsoft.com/office/drawing/2014/main" id="{9EE3CFF0-A425-CE49-8F51-ACF9BD7F21A1}"/>
+              </a:ext>
+            </a:extLst>
+          </p:cNvPr>
+          <p:cNvSpPr txBox="1"/>
+          <p:nvPr/>
+        </p:nvSpPr>
+        <p:spPr>
+          <a:xfrm rot="16200000">
+            <a:off x="307516" y="1951083"/>
+            <a:ext cx="899285" cy="369332"/>
+          </a:xfrm>
+          <a:prstGeom prst="rect">
+            <a:avLst/>
+          </a:prstGeom>
+          <a:noFill/>
+        </p:spPr>
+        <p:txBody>
+          <a:bodyPr wrap="none" rtlCol="0">
+            <a:spAutoFit/>
+          </a:bodyPr>
+          <a:lstStyle/>
+          <a:p>
+            <a:r>
+              <a:rPr lang="en-US" dirty="0"/>
+              <a:t>Current</a:t>
+            </a:r>
+          </a:p>
+        </p:txBody>
+      </p:sp>
+      <p:sp>
+        <p:nvSpPr>
+          <p:cNvPr id="59" name="TextBox 58">
+            <a:extLst>
+              <a:ext uri="{FF2B5EF4-FFF2-40B4-BE49-F238E27FC236}">
+                <a16:creationId xmlns:a16="http://schemas.microsoft.com/office/drawing/2014/main" id="{6E66AEDA-3039-2D43-9F25-399C6ABF3A6C}"/>
+              </a:ext>
+            </a:extLst>
+          </p:cNvPr>
+          <p:cNvSpPr txBox="1"/>
+          <p:nvPr/>
+        </p:nvSpPr>
+        <p:spPr>
+          <a:xfrm rot="16200000">
+            <a:off x="3206" y="4619148"/>
+            <a:ext cx="1536639" cy="369332"/>
+          </a:xfrm>
+          <a:prstGeom prst="rect">
+            <a:avLst/>
+          </a:prstGeom>
+          <a:noFill/>
+        </p:spPr>
+        <p:txBody>
+          <a:bodyPr wrap="none" rtlCol="0">
+            <a:spAutoFit/>
+          </a:bodyPr>
+          <a:lstStyle/>
+          <a:p>
+            <a:r>
+              <a:rPr lang="en-US" dirty="0"/>
+              <a:t>Growth Needs</a:t>
             </a:r>
           </a:p>
         </p:txBody>
@@ -4579,17 +4666,21 @@
         </p:nvSpPr>
         <p:spPr>
           <a:xfrm>
-            <a:off x="4300628" y="812424"/>
-            <a:ext cx="2980147" cy="2430839"/>
-          </a:xfrm>
-          <a:prstGeom prst="rect">
-            <a:avLst/>
-          </a:prstGeom>
-          <a:noFill/>
+            <a:off x="4300628" y="1231801"/>
+            <a:ext cx="2980147" cy="1788136"/>
+          </a:xfrm>
+          <a:prstGeom prst="rect">
+            <a:avLst/>
+          </a:prstGeom>
+          <a:solidFill>
+            <a:schemeClr val="accent1">
+              <a:lumMod val="40000"/>
+              <a:lumOff val="60000"/>
+              <a:alpha val="54000"/>
+            </a:schemeClr>
+          </a:solidFill>
           <a:ln w="22225">
-            <a:solidFill>
-              <a:schemeClr val="tx1"/>
-            </a:solidFill>
+            <a:noFill/>
           </a:ln>
         </p:spPr>
         <p:style>
@@ -4705,17 +4796,21 @@
         </p:nvSpPr>
         <p:spPr>
           <a:xfrm>
-            <a:off x="4300628" y="3428999"/>
-            <a:ext cx="2980147" cy="2886075"/>
-          </a:xfrm>
-          <a:prstGeom prst="rect">
-            <a:avLst/>
-          </a:prstGeom>
-          <a:noFill/>
+            <a:off x="4300628" y="3623416"/>
+            <a:ext cx="2980147" cy="2587179"/>
+          </a:xfrm>
+          <a:prstGeom prst="rect">
+            <a:avLst/>
+          </a:prstGeom>
+          <a:solidFill>
+            <a:schemeClr val="accent1">
+              <a:lumMod val="40000"/>
+              <a:lumOff val="60000"/>
+              <a:alpha val="52000"/>
+            </a:schemeClr>
+          </a:solidFill>
           <a:ln w="22225">
-            <a:solidFill>
-              <a:schemeClr val="tx1"/>
-            </a:solidFill>
+            <a:noFill/>
           </a:ln>
         </p:spPr>
         <p:style>
@@ -4792,7 +4887,7 @@
         </p:nvSpPr>
         <p:spPr>
           <a:xfrm>
-            <a:off x="4322761" y="1979713"/>
+            <a:off x="4322761" y="1755674"/>
             <a:ext cx="2176493" cy="369332"/>
           </a:xfrm>
           <a:prstGeom prst="rect">
@@ -4831,7 +4926,7 @@
         </p:nvSpPr>
         <p:spPr>
           <a:xfrm>
-            <a:off x="4321319" y="2585391"/>
+            <a:off x="4302417" y="2162310"/>
             <a:ext cx="2179379" cy="369332"/>
           </a:xfrm>
           <a:prstGeom prst="rect">
@@ -4870,8 +4965,8 @@
         </p:nvSpPr>
         <p:spPr>
           <a:xfrm>
-            <a:off x="4262219" y="3584815"/>
-            <a:ext cx="3057184" cy="3139321"/>
+            <a:off x="4250637" y="3911517"/>
+            <a:ext cx="3057184" cy="2585323"/>
           </a:xfrm>
           <a:prstGeom prst="rect">
             <a:avLst/>
@@ -4924,7 +5019,7 @@
             </a:pPr>
             <a:r>
               <a:rPr lang="en-US" dirty="0"/>
-              <a:t>Capability</a:t>
+              <a:t>iOS / Android &amp; Web player</a:t>
             </a:r>
           </a:p>
           <a:p>
@@ -4941,40 +5036,303 @@
             </a:pPr>
             <a:r>
               <a:rPr lang="en-US" dirty="0"/>
-              <a:t>iOS / Android &amp; Web player</a:t>
-            </a:r>
-          </a:p>
-          <a:p>
-            <a:pPr marL="285750" indent="-285750">
-              <a:buFont typeface="Arial" panose="020B0604020202020204" pitchFamily="34" charset="0"/>
-              <a:buChar char="•"/>
-            </a:pPr>
+              <a:t>Rapid deployment</a:t>
+            </a:r>
+          </a:p>
+          <a:p>
             <a:endParaRPr lang="en-US" dirty="0"/>
           </a:p>
           <a:p>
-            <a:pPr marL="285750" indent="-285750">
-              <a:buFont typeface="Arial" panose="020B0604020202020204" pitchFamily="34" charset="0"/>
-              <a:buChar char="•"/>
-            </a:pPr>
+            <a:endParaRPr lang="en-US" dirty="0"/>
+          </a:p>
+        </p:txBody>
+      </p:sp>
+      <p:sp>
+        <p:nvSpPr>
+          <p:cNvPr id="73" name="TextBox 72">
+            <a:extLst>
+              <a:ext uri="{FF2B5EF4-FFF2-40B4-BE49-F238E27FC236}">
+                <a16:creationId xmlns:a16="http://schemas.microsoft.com/office/drawing/2014/main" id="{D517585A-400F-674C-9892-05756CB5D0AA}"/>
+              </a:ext>
+            </a:extLst>
+          </p:cNvPr>
+          <p:cNvSpPr txBox="1"/>
+          <p:nvPr/>
+        </p:nvSpPr>
+        <p:spPr>
+          <a:xfrm>
+            <a:off x="7649177" y="379382"/>
+            <a:ext cx="1728037" cy="369332"/>
+          </a:xfrm>
+          <a:prstGeom prst="rect">
+            <a:avLst/>
+          </a:prstGeom>
+          <a:noFill/>
+        </p:spPr>
+        <p:txBody>
+          <a:bodyPr wrap="none" rtlCol="0">
+            <a:spAutoFit/>
+          </a:bodyPr>
+          <a:lstStyle/>
+          <a:p>
             <a:r>
               <a:rPr lang="en-US" dirty="0"/>
-              <a:t>Rapid deployment</a:t>
-            </a:r>
-          </a:p>
-          <a:p>
-            <a:endParaRPr lang="en-US" dirty="0"/>
-          </a:p>
-          <a:p>
-            <a:endParaRPr lang="en-US" dirty="0"/>
-          </a:p>
-        </p:txBody>
-      </p:sp>
-      <p:sp>
-        <p:nvSpPr>
-          <p:cNvPr id="72" name="Rectangle 71">
-            <a:extLst>
-              <a:ext uri="{FF2B5EF4-FFF2-40B4-BE49-F238E27FC236}">
-                <a16:creationId xmlns:a16="http://schemas.microsoft.com/office/drawing/2014/main" id="{7B33ACDA-ECB1-0645-96EC-AAFEE4EF71BF}"/>
+              <a:t>Current Solution</a:t>
+            </a:r>
+          </a:p>
+        </p:txBody>
+      </p:sp>
+      <p:sp>
+        <p:nvSpPr>
+          <p:cNvPr id="83" name="TextBox 82">
+            <a:extLst>
+              <a:ext uri="{FF2B5EF4-FFF2-40B4-BE49-F238E27FC236}">
+                <a16:creationId xmlns:a16="http://schemas.microsoft.com/office/drawing/2014/main" id="{899945BD-41F1-3E40-9341-5A7A14F64707}"/>
+              </a:ext>
+            </a:extLst>
+          </p:cNvPr>
+          <p:cNvSpPr txBox="1"/>
+          <p:nvPr/>
+        </p:nvSpPr>
+        <p:spPr>
+          <a:xfrm>
+            <a:off x="10018974" y="383443"/>
+            <a:ext cx="1852367" cy="369332"/>
+          </a:xfrm>
+          <a:prstGeom prst="rect">
+            <a:avLst/>
+          </a:prstGeom>
+          <a:noFill/>
+        </p:spPr>
+        <p:txBody>
+          <a:bodyPr wrap="none" rtlCol="0">
+            <a:spAutoFit/>
+          </a:bodyPr>
+          <a:lstStyle/>
+          <a:p>
+            <a:r>
+              <a:rPr lang="en-US" dirty="0"/>
+              <a:t>Bitmovin Solution</a:t>
+            </a:r>
+          </a:p>
+        </p:txBody>
+      </p:sp>
+      <p:pic>
+        <p:nvPicPr>
+          <p:cNvPr id="17" name="Picture 16">
+            <a:extLst>
+              <a:ext uri="{FF2B5EF4-FFF2-40B4-BE49-F238E27FC236}">
+                <a16:creationId xmlns:a16="http://schemas.microsoft.com/office/drawing/2014/main" id="{EA416E58-5471-0946-9C5B-4AA45D46F301}"/>
+              </a:ext>
+            </a:extLst>
+          </p:cNvPr>
+          <p:cNvPicPr>
+            <a:picLocks noChangeAspect="1"/>
+          </p:cNvPicPr>
+          <p:nvPr/>
+        </p:nvPicPr>
+        <p:blipFill>
+          <a:blip r:embed="rId2"/>
+          <a:stretch>
+            <a:fillRect/>
+          </a:stretch>
+        </p:blipFill>
+        <p:spPr>
+          <a:xfrm>
+            <a:off x="8118863" y="1230056"/>
+            <a:ext cx="601781" cy="601781"/>
+          </a:xfrm>
+          <a:prstGeom prst="rect">
+            <a:avLst/>
+          </a:prstGeom>
+        </p:spPr>
+      </p:pic>
+      <p:pic>
+        <p:nvPicPr>
+          <p:cNvPr id="89" name="Picture 88">
+            <a:extLst>
+              <a:ext uri="{FF2B5EF4-FFF2-40B4-BE49-F238E27FC236}">
+                <a16:creationId xmlns:a16="http://schemas.microsoft.com/office/drawing/2014/main" id="{C7CE1AE2-D1E0-2C47-A35C-1D75F6471F6E}"/>
+              </a:ext>
+            </a:extLst>
+          </p:cNvPr>
+          <p:cNvPicPr>
+            <a:picLocks noChangeAspect="1"/>
+          </p:cNvPicPr>
+          <p:nvPr/>
+        </p:nvPicPr>
+        <p:blipFill>
+          <a:blip r:embed="rId2"/>
+          <a:stretch>
+            <a:fillRect/>
+          </a:stretch>
+        </p:blipFill>
+        <p:spPr>
+          <a:xfrm>
+            <a:off x="8102463" y="2302154"/>
+            <a:ext cx="601781" cy="601781"/>
+          </a:xfrm>
+          <a:prstGeom prst="rect">
+            <a:avLst/>
+          </a:prstGeom>
+        </p:spPr>
+      </p:pic>
+      <p:pic>
+        <p:nvPicPr>
+          <p:cNvPr id="90" name="Picture 89">
+            <a:extLst>
+              <a:ext uri="{FF2B5EF4-FFF2-40B4-BE49-F238E27FC236}">
+                <a16:creationId xmlns:a16="http://schemas.microsoft.com/office/drawing/2014/main" id="{E5BEE634-7540-FB4D-A641-35EFD141E4FC}"/>
+              </a:ext>
+            </a:extLst>
+          </p:cNvPr>
+          <p:cNvPicPr>
+            <a:picLocks noChangeAspect="1"/>
+          </p:cNvPicPr>
+          <p:nvPr/>
+        </p:nvPicPr>
+        <p:blipFill>
+          <a:blip r:embed="rId2"/>
+          <a:stretch>
+            <a:fillRect/>
+          </a:stretch>
+        </p:blipFill>
+        <p:spPr>
+          <a:xfrm>
+            <a:off x="8121825" y="1747044"/>
+            <a:ext cx="601781" cy="601781"/>
+          </a:xfrm>
+          <a:prstGeom prst="rect">
+            <a:avLst/>
+          </a:prstGeom>
+        </p:spPr>
+      </p:pic>
+      <p:pic>
+        <p:nvPicPr>
+          <p:cNvPr id="91" name="Picture 90">
+            <a:extLst>
+              <a:ext uri="{FF2B5EF4-FFF2-40B4-BE49-F238E27FC236}">
+                <a16:creationId xmlns:a16="http://schemas.microsoft.com/office/drawing/2014/main" id="{18D0B826-54B6-3049-86B3-9137BBE6B3E7}"/>
+              </a:ext>
+            </a:extLst>
+          </p:cNvPr>
+          <p:cNvPicPr>
+            <a:picLocks noChangeAspect="1"/>
+          </p:cNvPicPr>
+          <p:nvPr/>
+        </p:nvPicPr>
+        <p:blipFill>
+          <a:blip r:embed="rId2"/>
+          <a:stretch>
+            <a:fillRect/>
+          </a:stretch>
+        </p:blipFill>
+        <p:spPr>
+          <a:xfrm>
+            <a:off x="10644265" y="3546416"/>
+            <a:ext cx="601781" cy="601781"/>
+          </a:xfrm>
+          <a:prstGeom prst="rect">
+            <a:avLst/>
+          </a:prstGeom>
+        </p:spPr>
+      </p:pic>
+      <p:pic>
+        <p:nvPicPr>
+          <p:cNvPr id="92" name="Picture 91">
+            <a:extLst>
+              <a:ext uri="{FF2B5EF4-FFF2-40B4-BE49-F238E27FC236}">
+                <a16:creationId xmlns:a16="http://schemas.microsoft.com/office/drawing/2014/main" id="{CD73EBE6-4EB9-E04B-9099-FA65E61EF9DD}"/>
+              </a:ext>
+            </a:extLst>
+          </p:cNvPr>
+          <p:cNvPicPr>
+            <a:picLocks noChangeAspect="1"/>
+          </p:cNvPicPr>
+          <p:nvPr/>
+        </p:nvPicPr>
+        <p:blipFill>
+          <a:blip r:embed="rId2"/>
+          <a:stretch>
+            <a:fillRect/>
+          </a:stretch>
+        </p:blipFill>
+        <p:spPr>
+          <a:xfrm>
+            <a:off x="10644265" y="4223616"/>
+            <a:ext cx="601781" cy="601781"/>
+          </a:xfrm>
+          <a:prstGeom prst="rect">
+            <a:avLst/>
+          </a:prstGeom>
+        </p:spPr>
+      </p:pic>
+      <p:pic>
+        <p:nvPicPr>
+          <p:cNvPr id="93" name="Picture 92">
+            <a:extLst>
+              <a:ext uri="{FF2B5EF4-FFF2-40B4-BE49-F238E27FC236}">
+                <a16:creationId xmlns:a16="http://schemas.microsoft.com/office/drawing/2014/main" id="{7D133815-29C9-4B45-8EB1-F5BAD27BEFE5}"/>
+              </a:ext>
+            </a:extLst>
+          </p:cNvPr>
+          <p:cNvPicPr>
+            <a:picLocks noChangeAspect="1"/>
+          </p:cNvPicPr>
+          <p:nvPr/>
+        </p:nvPicPr>
+        <p:blipFill>
+          <a:blip r:embed="rId2"/>
+          <a:stretch>
+            <a:fillRect/>
+          </a:stretch>
+        </p:blipFill>
+        <p:spPr>
+          <a:xfrm>
+            <a:off x="10644265" y="4968454"/>
+            <a:ext cx="601781" cy="601781"/>
+          </a:xfrm>
+          <a:prstGeom prst="rect">
+            <a:avLst/>
+          </a:prstGeom>
+        </p:spPr>
+      </p:pic>
+      <p:pic>
+        <p:nvPicPr>
+          <p:cNvPr id="94" name="Picture 93">
+            <a:extLst>
+              <a:ext uri="{FF2B5EF4-FFF2-40B4-BE49-F238E27FC236}">
+                <a16:creationId xmlns:a16="http://schemas.microsoft.com/office/drawing/2014/main" id="{AB906876-2621-4144-B37F-E637559C8624}"/>
+              </a:ext>
+            </a:extLst>
+          </p:cNvPr>
+          <p:cNvPicPr>
+            <a:picLocks noChangeAspect="1"/>
+          </p:cNvPicPr>
+          <p:nvPr/>
+        </p:nvPicPr>
+        <p:blipFill>
+          <a:blip r:embed="rId2"/>
+          <a:stretch>
+            <a:fillRect/>
+          </a:stretch>
+        </p:blipFill>
+        <p:spPr>
+          <a:xfrm>
+            <a:off x="10656088" y="5442759"/>
+            <a:ext cx="601781" cy="601781"/>
+          </a:xfrm>
+          <a:prstGeom prst="rect">
+            <a:avLst/>
+          </a:prstGeom>
+        </p:spPr>
+      </p:pic>
+      <p:sp>
+        <p:nvSpPr>
+          <p:cNvPr id="100" name="Rectangle 99">
+            <a:extLst>
+              <a:ext uri="{FF2B5EF4-FFF2-40B4-BE49-F238E27FC236}">
+                <a16:creationId xmlns:a16="http://schemas.microsoft.com/office/drawing/2014/main" id="{C8ED1739-A744-5F41-B39E-0EEA0B75590A}"/>
               </a:ext>
             </a:extLst>
           </p:cNvPr>
@@ -4983,17 +5341,21 @@
         </p:nvSpPr>
         <p:spPr>
           <a:xfrm>
-            <a:off x="7412089" y="808466"/>
-            <a:ext cx="2346273" cy="2430839"/>
-          </a:xfrm>
-          <a:prstGeom prst="rect">
-            <a:avLst/>
-          </a:prstGeom>
-          <a:noFill/>
+            <a:off x="7716273" y="1260320"/>
+            <a:ext cx="1381136" cy="1759617"/>
+          </a:xfrm>
+          <a:prstGeom prst="rect">
+            <a:avLst/>
+          </a:prstGeom>
+          <a:solidFill>
+            <a:schemeClr val="accent1">
+              <a:lumMod val="60000"/>
+              <a:lumOff val="40000"/>
+              <a:alpha val="54000"/>
+            </a:schemeClr>
+          </a:solidFill>
           <a:ln w="22225">
-            <a:solidFill>
-              <a:schemeClr val="tx1"/>
-            </a:solidFill>
+            <a:noFill/>
           </a:ln>
         </p:spPr>
         <p:style>
@@ -5021,47 +5383,162 @@
           </a:p>
         </p:txBody>
       </p:sp>
-      <p:sp>
-        <p:nvSpPr>
-          <p:cNvPr id="73" name="TextBox 72">
-            <a:extLst>
-              <a:ext uri="{FF2B5EF4-FFF2-40B4-BE49-F238E27FC236}">
-                <a16:creationId xmlns:a16="http://schemas.microsoft.com/office/drawing/2014/main" id="{D517585A-400F-674C-9892-05756CB5D0AA}"/>
-              </a:ext>
-            </a:extLst>
-          </p:cNvPr>
-          <p:cNvSpPr txBox="1"/>
-          <p:nvPr/>
-        </p:nvSpPr>
-        <p:spPr>
-          <a:xfrm>
-            <a:off x="7412089" y="390407"/>
-            <a:ext cx="1728037" cy="369332"/>
-          </a:xfrm>
-          <a:prstGeom prst="rect">
-            <a:avLst/>
-          </a:prstGeom>
-          <a:noFill/>
-        </p:spPr>
-        <p:txBody>
-          <a:bodyPr wrap="none" rtlCol="0">
-            <a:spAutoFit/>
-          </a:bodyPr>
-          <a:lstStyle/>
-          <a:p>
-            <a:r>
-              <a:rPr lang="en-US" dirty="0"/>
-              <a:t>Current Solution</a:t>
-            </a:r>
-          </a:p>
-        </p:txBody>
-      </p:sp>
-      <p:sp>
-        <p:nvSpPr>
-          <p:cNvPr id="75" name="Rectangle 74">
-            <a:extLst>
-              <a:ext uri="{FF2B5EF4-FFF2-40B4-BE49-F238E27FC236}">
-                <a16:creationId xmlns:a16="http://schemas.microsoft.com/office/drawing/2014/main" id="{0C545DBD-BE88-0941-A21E-AE5C0538FBAF}"/>
+      <p:pic>
+        <p:nvPicPr>
+          <p:cNvPr id="95" name="Picture 94">
+            <a:extLst>
+              <a:ext uri="{FF2B5EF4-FFF2-40B4-BE49-F238E27FC236}">
+                <a16:creationId xmlns:a16="http://schemas.microsoft.com/office/drawing/2014/main" id="{55122544-F48C-B34C-8290-A1DAA0F019AC}"/>
+              </a:ext>
+            </a:extLst>
+          </p:cNvPr>
+          <p:cNvPicPr>
+            <a:picLocks noChangeAspect="1"/>
+          </p:cNvPicPr>
+          <p:nvPr/>
+        </p:nvPicPr>
+        <p:blipFill>
+          <a:blip r:embed="rId2"/>
+          <a:stretch>
+            <a:fillRect/>
+          </a:stretch>
+        </p:blipFill>
+        <p:spPr>
+          <a:xfrm>
+            <a:off x="10622380" y="1231801"/>
+            <a:ext cx="601781" cy="601781"/>
+          </a:xfrm>
+          <a:prstGeom prst="rect">
+            <a:avLst/>
+          </a:prstGeom>
+        </p:spPr>
+      </p:pic>
+      <p:pic>
+        <p:nvPicPr>
+          <p:cNvPr id="96" name="Picture 95">
+            <a:extLst>
+              <a:ext uri="{FF2B5EF4-FFF2-40B4-BE49-F238E27FC236}">
+                <a16:creationId xmlns:a16="http://schemas.microsoft.com/office/drawing/2014/main" id="{B6817428-58B6-B749-8BE6-828DB4E79ADA}"/>
+              </a:ext>
+            </a:extLst>
+          </p:cNvPr>
+          <p:cNvPicPr>
+            <a:picLocks noChangeAspect="1"/>
+          </p:cNvPicPr>
+          <p:nvPr/>
+        </p:nvPicPr>
+        <p:blipFill>
+          <a:blip r:embed="rId2"/>
+          <a:stretch>
+            <a:fillRect/>
+          </a:stretch>
+        </p:blipFill>
+        <p:spPr>
+          <a:xfrm>
+            <a:off x="10622379" y="1816835"/>
+            <a:ext cx="601781" cy="601781"/>
+          </a:xfrm>
+          <a:prstGeom prst="rect">
+            <a:avLst/>
+          </a:prstGeom>
+        </p:spPr>
+      </p:pic>
+      <p:pic>
+        <p:nvPicPr>
+          <p:cNvPr id="97" name="Picture 96">
+            <a:extLst>
+              <a:ext uri="{FF2B5EF4-FFF2-40B4-BE49-F238E27FC236}">
+                <a16:creationId xmlns:a16="http://schemas.microsoft.com/office/drawing/2014/main" id="{8311E344-7BFA-8540-B132-EAC206AA547E}"/>
+              </a:ext>
+            </a:extLst>
+          </p:cNvPr>
+          <p:cNvPicPr>
+            <a:picLocks noChangeAspect="1"/>
+          </p:cNvPicPr>
+          <p:nvPr/>
+        </p:nvPicPr>
+        <p:blipFill>
+          <a:blip r:embed="rId2"/>
+          <a:stretch>
+            <a:fillRect/>
+          </a:stretch>
+        </p:blipFill>
+        <p:spPr>
+          <a:xfrm>
+            <a:off x="10639578" y="2346976"/>
+            <a:ext cx="601781" cy="601781"/>
+          </a:xfrm>
+          <a:prstGeom prst="rect">
+            <a:avLst/>
+          </a:prstGeom>
+        </p:spPr>
+      </p:pic>
+      <p:pic>
+        <p:nvPicPr>
+          <p:cNvPr id="19" name="Picture 18">
+            <a:extLst>
+              <a:ext uri="{FF2B5EF4-FFF2-40B4-BE49-F238E27FC236}">
+                <a16:creationId xmlns:a16="http://schemas.microsoft.com/office/drawing/2014/main" id="{2D407908-A5AA-2A49-AE0E-8137609B3F2F}"/>
+              </a:ext>
+            </a:extLst>
+          </p:cNvPr>
+          <p:cNvPicPr>
+            <a:picLocks noChangeAspect="1"/>
+          </p:cNvPicPr>
+          <p:nvPr/>
+        </p:nvPicPr>
+        <p:blipFill>
+          <a:blip r:embed="rId3"/>
+          <a:stretch>
+            <a:fillRect/>
+          </a:stretch>
+        </p:blipFill>
+        <p:spPr>
+          <a:xfrm>
+            <a:off x="8217375" y="4377965"/>
+            <a:ext cx="404756" cy="404756"/>
+          </a:xfrm>
+          <a:prstGeom prst="rect">
+            <a:avLst/>
+          </a:prstGeom>
+        </p:spPr>
+      </p:pic>
+      <p:pic>
+        <p:nvPicPr>
+          <p:cNvPr id="99" name="Picture 98">
+            <a:extLst>
+              <a:ext uri="{FF2B5EF4-FFF2-40B4-BE49-F238E27FC236}">
+                <a16:creationId xmlns:a16="http://schemas.microsoft.com/office/drawing/2014/main" id="{4A2F1D95-3C5B-744C-B32B-ED82589E7B9B}"/>
+              </a:ext>
+            </a:extLst>
+          </p:cNvPr>
+          <p:cNvPicPr>
+            <a:picLocks noChangeAspect="1"/>
+          </p:cNvPicPr>
+          <p:nvPr/>
+        </p:nvPicPr>
+        <p:blipFill>
+          <a:blip r:embed="rId3"/>
+          <a:stretch>
+            <a:fillRect/>
+          </a:stretch>
+        </p:blipFill>
+        <p:spPr>
+          <a:xfrm>
+            <a:off x="8183825" y="5533770"/>
+            <a:ext cx="404756" cy="404756"/>
+          </a:xfrm>
+          <a:prstGeom prst="rect">
+            <a:avLst/>
+          </a:prstGeom>
+        </p:spPr>
+      </p:pic>
+      <p:sp>
+        <p:nvSpPr>
+          <p:cNvPr id="102" name="Rectangle 101">
+            <a:extLst>
+              <a:ext uri="{FF2B5EF4-FFF2-40B4-BE49-F238E27FC236}">
+                <a16:creationId xmlns:a16="http://schemas.microsoft.com/office/drawing/2014/main" id="{E7357345-3B55-E54F-B43A-532CBF076DB9}"/>
               </a:ext>
             </a:extLst>
           </p:cNvPr>
@@ -5070,17 +5547,21 @@
         </p:nvSpPr>
         <p:spPr>
           <a:xfrm>
-            <a:off x="7412089" y="3428999"/>
-            <a:ext cx="2346273" cy="2886076"/>
-          </a:xfrm>
-          <a:prstGeom prst="rect">
-            <a:avLst/>
-          </a:prstGeom>
-          <a:noFill/>
+            <a:off x="7738078" y="3583983"/>
+            <a:ext cx="1381136" cy="2587179"/>
+          </a:xfrm>
+          <a:prstGeom prst="rect">
+            <a:avLst/>
+          </a:prstGeom>
+          <a:solidFill>
+            <a:schemeClr val="accent1">
+              <a:lumMod val="60000"/>
+              <a:lumOff val="40000"/>
+              <a:alpha val="54000"/>
+            </a:schemeClr>
+          </a:solidFill>
           <a:ln w="22225">
-            <a:solidFill>
-              <a:schemeClr val="tx1"/>
-            </a:solidFill>
+            <a:noFill/>
           </a:ln>
         </p:spPr>
         <p:style>
@@ -5110,45 +5591,10 @@
       </p:sp>
       <p:sp>
         <p:nvSpPr>
-          <p:cNvPr id="83" name="TextBox 82">
-            <a:extLst>
-              <a:ext uri="{FF2B5EF4-FFF2-40B4-BE49-F238E27FC236}">
-                <a16:creationId xmlns:a16="http://schemas.microsoft.com/office/drawing/2014/main" id="{899945BD-41F1-3E40-9341-5A7A14F64707}"/>
-              </a:ext>
-            </a:extLst>
-          </p:cNvPr>
-          <p:cNvSpPr txBox="1"/>
-          <p:nvPr/>
-        </p:nvSpPr>
-        <p:spPr>
-          <a:xfrm>
-            <a:off x="10018974" y="383443"/>
-            <a:ext cx="1852367" cy="369332"/>
-          </a:xfrm>
-          <a:prstGeom prst="rect">
-            <a:avLst/>
-          </a:prstGeom>
-          <a:noFill/>
-        </p:spPr>
-        <p:txBody>
-          <a:bodyPr wrap="none" rtlCol="0">
-            <a:spAutoFit/>
-          </a:bodyPr>
-          <a:lstStyle/>
-          <a:p>
-            <a:r>
-              <a:rPr lang="en-US" dirty="0"/>
-              <a:t>Bitmovin Solution</a:t>
-            </a:r>
-          </a:p>
-        </p:txBody>
-      </p:sp>
-      <p:sp>
-        <p:nvSpPr>
-          <p:cNvPr id="84" name="Rectangle 83">
-            <a:extLst>
-              <a:ext uri="{FF2B5EF4-FFF2-40B4-BE49-F238E27FC236}">
-                <a16:creationId xmlns:a16="http://schemas.microsoft.com/office/drawing/2014/main" id="{655FB3AC-927B-0E4A-AD30-6EA7D69656A6}"/>
+          <p:cNvPr id="103" name="Rectangle 102">
+            <a:extLst>
+              <a:ext uri="{FF2B5EF4-FFF2-40B4-BE49-F238E27FC236}">
+                <a16:creationId xmlns:a16="http://schemas.microsoft.com/office/drawing/2014/main" id="{C4554351-C36B-5E45-803C-0A0F94CFCD4B}"/>
               </a:ext>
             </a:extLst>
           </p:cNvPr>
@@ -5157,17 +5603,21 @@
         </p:nvSpPr>
         <p:spPr>
           <a:xfrm>
-            <a:off x="9896388" y="808466"/>
-            <a:ext cx="2097537" cy="2430839"/>
-          </a:xfrm>
-          <a:prstGeom prst="rect">
-            <a:avLst/>
-          </a:prstGeom>
-          <a:noFill/>
+            <a:off x="10096997" y="1217823"/>
+            <a:ext cx="1381136" cy="1799804"/>
+          </a:xfrm>
+          <a:prstGeom prst="rect">
+            <a:avLst/>
+          </a:prstGeom>
+          <a:solidFill>
+            <a:schemeClr val="accent1">
+              <a:lumMod val="60000"/>
+              <a:lumOff val="40000"/>
+              <a:alpha val="54000"/>
+            </a:schemeClr>
+          </a:solidFill>
           <a:ln w="22225">
-            <a:solidFill>
-              <a:schemeClr val="tx1"/>
-            </a:solidFill>
+            <a:noFill/>
           </a:ln>
         </p:spPr>
         <p:style>
@@ -5197,10 +5647,10 @@
       </p:sp>
       <p:sp>
         <p:nvSpPr>
-          <p:cNvPr id="85" name="Rectangle 84">
-            <a:extLst>
-              <a:ext uri="{FF2B5EF4-FFF2-40B4-BE49-F238E27FC236}">
-                <a16:creationId xmlns:a16="http://schemas.microsoft.com/office/drawing/2014/main" id="{A6C50651-488B-C548-A47C-2DF512BB5BC1}"/>
+          <p:cNvPr id="104" name="Rectangle 103">
+            <a:extLst>
+              <a:ext uri="{FF2B5EF4-FFF2-40B4-BE49-F238E27FC236}">
+                <a16:creationId xmlns:a16="http://schemas.microsoft.com/office/drawing/2014/main" id="{419741BF-55DF-C042-84B4-3471F4CC805A}"/>
               </a:ext>
             </a:extLst>
           </p:cNvPr>
@@ -5209,17 +5659,21 @@
         </p:nvSpPr>
         <p:spPr>
           <a:xfrm>
-            <a:off x="9896388" y="3443168"/>
-            <a:ext cx="2097537" cy="2871906"/>
-          </a:xfrm>
-          <a:prstGeom prst="rect">
-            <a:avLst/>
-          </a:prstGeom>
-          <a:noFill/>
+            <a:off x="10094393" y="3583982"/>
+            <a:ext cx="1381136" cy="2587179"/>
+          </a:xfrm>
+          <a:prstGeom prst="rect">
+            <a:avLst/>
+          </a:prstGeom>
+          <a:solidFill>
+            <a:schemeClr val="accent1">
+              <a:lumMod val="60000"/>
+              <a:lumOff val="40000"/>
+              <a:alpha val="54000"/>
+            </a:schemeClr>
+          </a:solidFill>
           <a:ln w="22225">
-            <a:solidFill>
-              <a:schemeClr val="tx1"/>
-            </a:solidFill>
+            <a:noFill/>
           </a:ln>
         </p:spPr>
         <p:style>
@@ -5247,426 +5701,1722 @@
           </a:p>
         </p:txBody>
       </p:sp>
-      <p:pic>
-        <p:nvPicPr>
-          <p:cNvPr id="17" name="Picture 16">
-            <a:extLst>
-              <a:ext uri="{FF2B5EF4-FFF2-40B4-BE49-F238E27FC236}">
-                <a16:creationId xmlns:a16="http://schemas.microsoft.com/office/drawing/2014/main" id="{EA416E58-5471-0946-9C5B-4AA45D46F301}"/>
-              </a:ext>
-            </a:extLst>
-          </p:cNvPr>
-          <p:cNvPicPr>
-            <a:picLocks noChangeAspect="1"/>
-          </p:cNvPicPr>
-          <p:nvPr/>
-        </p:nvPicPr>
-        <p:blipFill>
-          <a:blip r:embed="rId2"/>
-          <a:stretch>
-            <a:fillRect/>
-          </a:stretch>
-        </p:blipFill>
-        <p:spPr>
-          <a:xfrm>
-            <a:off x="8276107" y="1111216"/>
-            <a:ext cx="601781" cy="601781"/>
-          </a:xfrm>
-          <a:prstGeom prst="rect">
-            <a:avLst/>
-          </a:prstGeom>
-        </p:spPr>
-      </p:pic>
-      <p:pic>
-        <p:nvPicPr>
-          <p:cNvPr id="89" name="Picture 88">
-            <a:extLst>
-              <a:ext uri="{FF2B5EF4-FFF2-40B4-BE49-F238E27FC236}">
-                <a16:creationId xmlns:a16="http://schemas.microsoft.com/office/drawing/2014/main" id="{C7CE1AE2-D1E0-2C47-A35C-1D75F6471F6E}"/>
-              </a:ext>
-            </a:extLst>
-          </p:cNvPr>
-          <p:cNvPicPr>
-            <a:picLocks noChangeAspect="1"/>
-          </p:cNvPicPr>
-          <p:nvPr/>
-        </p:nvPicPr>
-        <p:blipFill>
-          <a:blip r:embed="rId2"/>
-          <a:stretch>
-            <a:fillRect/>
-          </a:stretch>
-        </p:blipFill>
-        <p:spPr>
-          <a:xfrm>
-            <a:off x="8289156" y="1711639"/>
-            <a:ext cx="601781" cy="601781"/>
-          </a:xfrm>
-          <a:prstGeom prst="rect">
-            <a:avLst/>
-          </a:prstGeom>
-        </p:spPr>
-      </p:pic>
-      <p:pic>
-        <p:nvPicPr>
-          <p:cNvPr id="90" name="Picture 89">
-            <a:extLst>
-              <a:ext uri="{FF2B5EF4-FFF2-40B4-BE49-F238E27FC236}">
-                <a16:creationId xmlns:a16="http://schemas.microsoft.com/office/drawing/2014/main" id="{E5BEE634-7540-FB4D-A641-35EFD141E4FC}"/>
-              </a:ext>
-            </a:extLst>
-          </p:cNvPr>
-          <p:cNvPicPr>
-            <a:picLocks noChangeAspect="1"/>
-          </p:cNvPicPr>
-          <p:nvPr/>
-        </p:nvPicPr>
-        <p:blipFill>
-          <a:blip r:embed="rId2"/>
-          <a:stretch>
-            <a:fillRect/>
-          </a:stretch>
-        </p:blipFill>
-        <p:spPr>
-          <a:xfrm>
-            <a:off x="8276106" y="2379320"/>
-            <a:ext cx="601781" cy="601781"/>
-          </a:xfrm>
-          <a:prstGeom prst="rect">
-            <a:avLst/>
-          </a:prstGeom>
-        </p:spPr>
-      </p:pic>
-      <p:pic>
-        <p:nvPicPr>
-          <p:cNvPr id="91" name="Picture 90">
-            <a:extLst>
-              <a:ext uri="{FF2B5EF4-FFF2-40B4-BE49-F238E27FC236}">
-                <a16:creationId xmlns:a16="http://schemas.microsoft.com/office/drawing/2014/main" id="{18D0B826-54B6-3049-86B3-9137BBE6B3E7}"/>
-              </a:ext>
-            </a:extLst>
-          </p:cNvPr>
-          <p:cNvPicPr>
-            <a:picLocks noChangeAspect="1"/>
-          </p:cNvPicPr>
-          <p:nvPr/>
-        </p:nvPicPr>
-        <p:blipFill>
-          <a:blip r:embed="rId2"/>
-          <a:stretch>
-            <a:fillRect/>
-          </a:stretch>
-        </p:blipFill>
-        <p:spPr>
-          <a:xfrm>
-            <a:off x="10644265" y="3546416"/>
-            <a:ext cx="601781" cy="601781"/>
-          </a:xfrm>
-          <a:prstGeom prst="rect">
-            <a:avLst/>
-          </a:prstGeom>
-        </p:spPr>
-      </p:pic>
-      <p:pic>
-        <p:nvPicPr>
-          <p:cNvPr id="92" name="Picture 91">
-            <a:extLst>
-              <a:ext uri="{FF2B5EF4-FFF2-40B4-BE49-F238E27FC236}">
-                <a16:creationId xmlns:a16="http://schemas.microsoft.com/office/drawing/2014/main" id="{CD73EBE6-4EB9-E04B-9099-FA65E61EF9DD}"/>
-              </a:ext>
-            </a:extLst>
-          </p:cNvPr>
-          <p:cNvPicPr>
-            <a:picLocks noChangeAspect="1"/>
-          </p:cNvPicPr>
-          <p:nvPr/>
-        </p:nvPicPr>
-        <p:blipFill>
-          <a:blip r:embed="rId2"/>
-          <a:stretch>
-            <a:fillRect/>
-          </a:stretch>
-        </p:blipFill>
-        <p:spPr>
-          <a:xfrm>
-            <a:off x="10644265" y="4223616"/>
-            <a:ext cx="601781" cy="601781"/>
-          </a:xfrm>
-          <a:prstGeom prst="rect">
-            <a:avLst/>
-          </a:prstGeom>
-        </p:spPr>
-      </p:pic>
-      <p:pic>
-        <p:nvPicPr>
-          <p:cNvPr id="93" name="Picture 92">
-            <a:extLst>
-              <a:ext uri="{FF2B5EF4-FFF2-40B4-BE49-F238E27FC236}">
-                <a16:creationId xmlns:a16="http://schemas.microsoft.com/office/drawing/2014/main" id="{7D133815-29C9-4B45-8EB1-F5BAD27BEFE5}"/>
-              </a:ext>
-            </a:extLst>
-          </p:cNvPr>
-          <p:cNvPicPr>
-            <a:picLocks noChangeAspect="1"/>
-          </p:cNvPicPr>
-          <p:nvPr/>
-        </p:nvPicPr>
-        <p:blipFill>
-          <a:blip r:embed="rId2"/>
-          <a:stretch>
-            <a:fillRect/>
-          </a:stretch>
-        </p:blipFill>
-        <p:spPr>
-          <a:xfrm>
-            <a:off x="10644265" y="4968454"/>
-            <a:ext cx="601781" cy="601781"/>
-          </a:xfrm>
-          <a:prstGeom prst="rect">
-            <a:avLst/>
-          </a:prstGeom>
-        </p:spPr>
-      </p:pic>
-      <p:pic>
-        <p:nvPicPr>
-          <p:cNvPr id="94" name="Picture 93">
-            <a:extLst>
-              <a:ext uri="{FF2B5EF4-FFF2-40B4-BE49-F238E27FC236}">
-                <a16:creationId xmlns:a16="http://schemas.microsoft.com/office/drawing/2014/main" id="{AB906876-2621-4144-B37F-E637559C8624}"/>
-              </a:ext>
-            </a:extLst>
-          </p:cNvPr>
-          <p:cNvPicPr>
-            <a:picLocks noChangeAspect="1"/>
-          </p:cNvPicPr>
-          <p:nvPr/>
-        </p:nvPicPr>
-        <p:blipFill>
-          <a:blip r:embed="rId2"/>
-          <a:stretch>
-            <a:fillRect/>
-          </a:stretch>
-        </p:blipFill>
-        <p:spPr>
-          <a:xfrm>
-            <a:off x="10644265" y="5628461"/>
-            <a:ext cx="601781" cy="601781"/>
-          </a:xfrm>
-          <a:prstGeom prst="rect">
-            <a:avLst/>
-          </a:prstGeom>
-        </p:spPr>
-      </p:pic>
-      <p:pic>
-        <p:nvPicPr>
-          <p:cNvPr id="95" name="Picture 94">
-            <a:extLst>
-              <a:ext uri="{FF2B5EF4-FFF2-40B4-BE49-F238E27FC236}">
-                <a16:creationId xmlns:a16="http://schemas.microsoft.com/office/drawing/2014/main" id="{55122544-F48C-B34C-8290-A1DAA0F019AC}"/>
-              </a:ext>
-            </a:extLst>
-          </p:cNvPr>
-          <p:cNvPicPr>
-            <a:picLocks noChangeAspect="1"/>
-          </p:cNvPicPr>
-          <p:nvPr/>
-        </p:nvPicPr>
-        <p:blipFill>
-          <a:blip r:embed="rId2"/>
-          <a:stretch>
-            <a:fillRect/>
-          </a:stretch>
-        </p:blipFill>
-        <p:spPr>
-          <a:xfrm>
-            <a:off x="10622380" y="1231801"/>
-            <a:ext cx="601781" cy="601781"/>
-          </a:xfrm>
-          <a:prstGeom prst="rect">
-            <a:avLst/>
-          </a:prstGeom>
-        </p:spPr>
-      </p:pic>
-      <p:pic>
-        <p:nvPicPr>
-          <p:cNvPr id="96" name="Picture 95">
-            <a:extLst>
-              <a:ext uri="{FF2B5EF4-FFF2-40B4-BE49-F238E27FC236}">
-                <a16:creationId xmlns:a16="http://schemas.microsoft.com/office/drawing/2014/main" id="{B6817428-58B6-B749-8BE6-828DB4E79ADA}"/>
-              </a:ext>
-            </a:extLst>
-          </p:cNvPr>
-          <p:cNvPicPr>
-            <a:picLocks noChangeAspect="1"/>
-          </p:cNvPicPr>
-          <p:nvPr/>
-        </p:nvPicPr>
-        <p:blipFill>
-          <a:blip r:embed="rId2"/>
-          <a:stretch>
-            <a:fillRect/>
-          </a:stretch>
-        </p:blipFill>
-        <p:spPr>
-          <a:xfrm>
-            <a:off x="10622379" y="1816835"/>
-            <a:ext cx="601781" cy="601781"/>
-          </a:xfrm>
-          <a:prstGeom prst="rect">
-            <a:avLst/>
-          </a:prstGeom>
-        </p:spPr>
-      </p:pic>
-      <p:pic>
-        <p:nvPicPr>
-          <p:cNvPr id="97" name="Picture 96">
-            <a:extLst>
-              <a:ext uri="{FF2B5EF4-FFF2-40B4-BE49-F238E27FC236}">
-                <a16:creationId xmlns:a16="http://schemas.microsoft.com/office/drawing/2014/main" id="{8311E344-7BFA-8540-B132-EAC206AA547E}"/>
-              </a:ext>
-            </a:extLst>
-          </p:cNvPr>
-          <p:cNvPicPr>
-            <a:picLocks noChangeAspect="1"/>
-          </p:cNvPicPr>
-          <p:nvPr/>
-        </p:nvPicPr>
-        <p:blipFill>
-          <a:blip r:embed="rId2"/>
-          <a:stretch>
-            <a:fillRect/>
-          </a:stretch>
-        </p:blipFill>
-        <p:spPr>
-          <a:xfrm>
-            <a:off x="10637553" y="2494035"/>
-            <a:ext cx="601781" cy="601781"/>
-          </a:xfrm>
-          <a:prstGeom prst="rect">
-            <a:avLst/>
-          </a:prstGeom>
-        </p:spPr>
-      </p:pic>
-      <p:pic>
-        <p:nvPicPr>
-          <p:cNvPr id="18" name="Picture 17">
-            <a:extLst>
-              <a:ext uri="{FF2B5EF4-FFF2-40B4-BE49-F238E27FC236}">
-                <a16:creationId xmlns:a16="http://schemas.microsoft.com/office/drawing/2014/main" id="{66BF57DF-170F-4542-9293-41F0CD772071}"/>
-              </a:ext>
-            </a:extLst>
-          </p:cNvPr>
-          <p:cNvPicPr>
-            <a:picLocks noChangeAspect="1"/>
-          </p:cNvPicPr>
-          <p:nvPr/>
-        </p:nvPicPr>
-        <p:blipFill>
-          <a:blip r:embed="rId3"/>
-          <a:stretch>
-            <a:fillRect/>
-          </a:stretch>
-        </p:blipFill>
-        <p:spPr>
-          <a:xfrm>
-            <a:off x="8334879" y="3644719"/>
-            <a:ext cx="404756" cy="404756"/>
-          </a:xfrm>
-          <a:prstGeom prst="rect">
-            <a:avLst/>
-          </a:prstGeom>
-        </p:spPr>
-      </p:pic>
-      <p:pic>
-        <p:nvPicPr>
-          <p:cNvPr id="98" name="Picture 97">
-            <a:extLst>
-              <a:ext uri="{FF2B5EF4-FFF2-40B4-BE49-F238E27FC236}">
-                <a16:creationId xmlns:a16="http://schemas.microsoft.com/office/drawing/2014/main" id="{930E5EA1-AFEB-EF43-8BAE-66411E8F4F29}"/>
-              </a:ext>
-            </a:extLst>
-          </p:cNvPr>
-          <p:cNvPicPr>
-            <a:picLocks noChangeAspect="1"/>
-          </p:cNvPicPr>
-          <p:nvPr/>
-        </p:nvPicPr>
-        <p:blipFill>
-          <a:blip r:embed="rId3"/>
-          <a:stretch>
-            <a:fillRect/>
-          </a:stretch>
-        </p:blipFill>
-        <p:spPr>
-          <a:xfrm>
-            <a:off x="8374618" y="5726973"/>
-            <a:ext cx="404756" cy="404756"/>
-          </a:xfrm>
-          <a:prstGeom prst="rect">
-            <a:avLst/>
-          </a:prstGeom>
-        </p:spPr>
-      </p:pic>
-      <p:pic>
-        <p:nvPicPr>
-          <p:cNvPr id="19" name="Picture 18">
-            <a:extLst>
-              <a:ext uri="{FF2B5EF4-FFF2-40B4-BE49-F238E27FC236}">
-                <a16:creationId xmlns:a16="http://schemas.microsoft.com/office/drawing/2014/main" id="{2D407908-A5AA-2A49-AE0E-8137609B3F2F}"/>
-              </a:ext>
-            </a:extLst>
-          </p:cNvPr>
-          <p:cNvPicPr>
-            <a:picLocks noChangeAspect="1"/>
-          </p:cNvPicPr>
-          <p:nvPr/>
-        </p:nvPicPr>
-        <p:blipFill>
-          <a:blip r:embed="rId4"/>
-          <a:stretch>
-            <a:fillRect/>
-          </a:stretch>
-        </p:blipFill>
-        <p:spPr>
-          <a:xfrm>
-            <a:off x="8334879" y="4288987"/>
-            <a:ext cx="404756" cy="404756"/>
-          </a:xfrm>
-          <a:prstGeom prst="rect">
-            <a:avLst/>
-          </a:prstGeom>
-        </p:spPr>
-      </p:pic>
-      <p:pic>
-        <p:nvPicPr>
-          <p:cNvPr id="99" name="Picture 98">
-            <a:extLst>
-              <a:ext uri="{FF2B5EF4-FFF2-40B4-BE49-F238E27FC236}">
-                <a16:creationId xmlns:a16="http://schemas.microsoft.com/office/drawing/2014/main" id="{4A2F1D95-3C5B-744C-B32B-ED82589E7B9B}"/>
-              </a:ext>
-            </a:extLst>
-          </p:cNvPr>
-          <p:cNvPicPr>
-            <a:picLocks noChangeAspect="1"/>
-          </p:cNvPicPr>
-          <p:nvPr/>
-        </p:nvPicPr>
-        <p:blipFill>
-          <a:blip r:embed="rId4"/>
-          <a:stretch>
-            <a:fillRect/>
-          </a:stretch>
-        </p:blipFill>
-        <p:spPr>
-          <a:xfrm>
-            <a:off x="8353063" y="5014163"/>
-            <a:ext cx="404756" cy="404756"/>
-          </a:xfrm>
-          <a:prstGeom prst="rect">
-            <a:avLst/>
-          </a:prstGeom>
-        </p:spPr>
-      </p:pic>
+      <p:sp>
+        <p:nvSpPr>
+          <p:cNvPr id="20" name="Rectangle 19">
+            <a:extLst>
+              <a:ext uri="{FF2B5EF4-FFF2-40B4-BE49-F238E27FC236}">
+                <a16:creationId xmlns:a16="http://schemas.microsoft.com/office/drawing/2014/main" id="{04E02C2E-6849-1146-A86F-990F39268A48}"/>
+              </a:ext>
+            </a:extLst>
+          </p:cNvPr>
+          <p:cNvSpPr/>
+          <p:nvPr/>
+        </p:nvSpPr>
+        <p:spPr>
+          <a:xfrm>
+            <a:off x="956190" y="357095"/>
+            <a:ext cx="3190468" cy="6329549"/>
+          </a:xfrm>
+          <a:custGeom>
+            <a:avLst/>
+            <a:gdLst>
+              <a:gd name="connsiteX0" fmla="*/ 0 w 3190468"/>
+              <a:gd name="connsiteY0" fmla="*/ 0 h 6329549"/>
+              <a:gd name="connsiteX1" fmla="*/ 606189 w 3190468"/>
+              <a:gd name="connsiteY1" fmla="*/ 0 h 6329549"/>
+              <a:gd name="connsiteX2" fmla="*/ 1148568 w 3190468"/>
+              <a:gd name="connsiteY2" fmla="*/ 0 h 6329549"/>
+              <a:gd name="connsiteX3" fmla="*/ 1850471 w 3190468"/>
+              <a:gd name="connsiteY3" fmla="*/ 0 h 6329549"/>
+              <a:gd name="connsiteX4" fmla="*/ 2456660 w 3190468"/>
+              <a:gd name="connsiteY4" fmla="*/ 0 h 6329549"/>
+              <a:gd name="connsiteX5" fmla="*/ 3190468 w 3190468"/>
+              <a:gd name="connsiteY5" fmla="*/ 0 h 6329549"/>
+              <a:gd name="connsiteX6" fmla="*/ 3190468 w 3190468"/>
+              <a:gd name="connsiteY6" fmla="*/ 759546 h 6329549"/>
+              <a:gd name="connsiteX7" fmla="*/ 3190468 w 3190468"/>
+              <a:gd name="connsiteY7" fmla="*/ 1392501 h 6329549"/>
+              <a:gd name="connsiteX8" fmla="*/ 3190468 w 3190468"/>
+              <a:gd name="connsiteY8" fmla="*/ 2025456 h 6329549"/>
+              <a:gd name="connsiteX9" fmla="*/ 3190468 w 3190468"/>
+              <a:gd name="connsiteY9" fmla="*/ 2531820 h 6329549"/>
+              <a:gd name="connsiteX10" fmla="*/ 3190468 w 3190468"/>
+              <a:gd name="connsiteY10" fmla="*/ 3038184 h 6329549"/>
+              <a:gd name="connsiteX11" fmla="*/ 3190468 w 3190468"/>
+              <a:gd name="connsiteY11" fmla="*/ 3671138 h 6329549"/>
+              <a:gd name="connsiteX12" fmla="*/ 3190468 w 3190468"/>
+              <a:gd name="connsiteY12" fmla="*/ 4367389 h 6329549"/>
+              <a:gd name="connsiteX13" fmla="*/ 3190468 w 3190468"/>
+              <a:gd name="connsiteY13" fmla="*/ 4810457 h 6329549"/>
+              <a:gd name="connsiteX14" fmla="*/ 3190468 w 3190468"/>
+              <a:gd name="connsiteY14" fmla="*/ 5443412 h 6329549"/>
+              <a:gd name="connsiteX15" fmla="*/ 3190468 w 3190468"/>
+              <a:gd name="connsiteY15" fmla="*/ 6329549 h 6329549"/>
+              <a:gd name="connsiteX16" fmla="*/ 2552374 w 3190468"/>
+              <a:gd name="connsiteY16" fmla="*/ 6329549 h 6329549"/>
+              <a:gd name="connsiteX17" fmla="*/ 1850471 w 3190468"/>
+              <a:gd name="connsiteY17" fmla="*/ 6329549 h 6329549"/>
+              <a:gd name="connsiteX18" fmla="*/ 1212378 w 3190468"/>
+              <a:gd name="connsiteY18" fmla="*/ 6329549 h 6329549"/>
+              <a:gd name="connsiteX19" fmla="*/ 669998 w 3190468"/>
+              <a:gd name="connsiteY19" fmla="*/ 6329549 h 6329549"/>
+              <a:gd name="connsiteX20" fmla="*/ 0 w 3190468"/>
+              <a:gd name="connsiteY20" fmla="*/ 6329549 h 6329549"/>
+              <a:gd name="connsiteX21" fmla="*/ 0 w 3190468"/>
+              <a:gd name="connsiteY21" fmla="*/ 5570003 h 6329549"/>
+              <a:gd name="connsiteX22" fmla="*/ 0 w 3190468"/>
+              <a:gd name="connsiteY22" fmla="*/ 4810457 h 6329549"/>
+              <a:gd name="connsiteX23" fmla="*/ 0 w 3190468"/>
+              <a:gd name="connsiteY23" fmla="*/ 4177502 h 6329549"/>
+              <a:gd name="connsiteX24" fmla="*/ 0 w 3190468"/>
+              <a:gd name="connsiteY24" fmla="*/ 3607843 h 6329549"/>
+              <a:gd name="connsiteX25" fmla="*/ 0 w 3190468"/>
+              <a:gd name="connsiteY25" fmla="*/ 3164775 h 6329549"/>
+              <a:gd name="connsiteX26" fmla="*/ 0 w 3190468"/>
+              <a:gd name="connsiteY26" fmla="*/ 2721706 h 6329549"/>
+              <a:gd name="connsiteX27" fmla="*/ 0 w 3190468"/>
+              <a:gd name="connsiteY27" fmla="*/ 2025456 h 6329549"/>
+              <a:gd name="connsiteX28" fmla="*/ 0 w 3190468"/>
+              <a:gd name="connsiteY28" fmla="*/ 1519092 h 6329549"/>
+              <a:gd name="connsiteX29" fmla="*/ 0 w 3190468"/>
+              <a:gd name="connsiteY29" fmla="*/ 759546 h 6329549"/>
+              <a:gd name="connsiteX30" fmla="*/ 0 w 3190468"/>
+              <a:gd name="connsiteY30" fmla="*/ 0 h 6329549"/>
+            </a:gdLst>
+            <a:ahLst/>
+            <a:cxnLst>
+              <a:cxn ang="0">
+                <a:pos x="connsiteX0" y="connsiteY0"/>
+              </a:cxn>
+              <a:cxn ang="0">
+                <a:pos x="connsiteX1" y="connsiteY1"/>
+              </a:cxn>
+              <a:cxn ang="0">
+                <a:pos x="connsiteX2" y="connsiteY2"/>
+              </a:cxn>
+              <a:cxn ang="0">
+                <a:pos x="connsiteX3" y="connsiteY3"/>
+              </a:cxn>
+              <a:cxn ang="0">
+                <a:pos x="connsiteX4" y="connsiteY4"/>
+              </a:cxn>
+              <a:cxn ang="0">
+                <a:pos x="connsiteX5" y="connsiteY5"/>
+              </a:cxn>
+              <a:cxn ang="0">
+                <a:pos x="connsiteX6" y="connsiteY6"/>
+              </a:cxn>
+              <a:cxn ang="0">
+                <a:pos x="connsiteX7" y="connsiteY7"/>
+              </a:cxn>
+              <a:cxn ang="0">
+                <a:pos x="connsiteX8" y="connsiteY8"/>
+              </a:cxn>
+              <a:cxn ang="0">
+                <a:pos x="connsiteX9" y="connsiteY9"/>
+              </a:cxn>
+              <a:cxn ang="0">
+                <a:pos x="connsiteX10" y="connsiteY10"/>
+              </a:cxn>
+              <a:cxn ang="0">
+                <a:pos x="connsiteX11" y="connsiteY11"/>
+              </a:cxn>
+              <a:cxn ang="0">
+                <a:pos x="connsiteX12" y="connsiteY12"/>
+              </a:cxn>
+              <a:cxn ang="0">
+                <a:pos x="connsiteX13" y="connsiteY13"/>
+              </a:cxn>
+              <a:cxn ang="0">
+                <a:pos x="connsiteX14" y="connsiteY14"/>
+              </a:cxn>
+              <a:cxn ang="0">
+                <a:pos x="connsiteX15" y="connsiteY15"/>
+              </a:cxn>
+              <a:cxn ang="0">
+                <a:pos x="connsiteX16" y="connsiteY16"/>
+              </a:cxn>
+              <a:cxn ang="0">
+                <a:pos x="connsiteX17" y="connsiteY17"/>
+              </a:cxn>
+              <a:cxn ang="0">
+                <a:pos x="connsiteX18" y="connsiteY18"/>
+              </a:cxn>
+              <a:cxn ang="0">
+                <a:pos x="connsiteX19" y="connsiteY19"/>
+              </a:cxn>
+              <a:cxn ang="0">
+                <a:pos x="connsiteX20" y="connsiteY20"/>
+              </a:cxn>
+              <a:cxn ang="0">
+                <a:pos x="connsiteX21" y="connsiteY21"/>
+              </a:cxn>
+              <a:cxn ang="0">
+                <a:pos x="connsiteX22" y="connsiteY22"/>
+              </a:cxn>
+              <a:cxn ang="0">
+                <a:pos x="connsiteX23" y="connsiteY23"/>
+              </a:cxn>
+              <a:cxn ang="0">
+                <a:pos x="connsiteX24" y="connsiteY24"/>
+              </a:cxn>
+              <a:cxn ang="0">
+                <a:pos x="connsiteX25" y="connsiteY25"/>
+              </a:cxn>
+              <a:cxn ang="0">
+                <a:pos x="connsiteX26" y="connsiteY26"/>
+              </a:cxn>
+              <a:cxn ang="0">
+                <a:pos x="connsiteX27" y="connsiteY27"/>
+              </a:cxn>
+              <a:cxn ang="0">
+                <a:pos x="connsiteX28" y="connsiteY28"/>
+              </a:cxn>
+              <a:cxn ang="0">
+                <a:pos x="connsiteX29" y="connsiteY29"/>
+              </a:cxn>
+              <a:cxn ang="0">
+                <a:pos x="connsiteX30" y="connsiteY30"/>
+              </a:cxn>
+            </a:cxnLst>
+            <a:rect l="l" t="t" r="r" b="b"/>
+            <a:pathLst>
+              <a:path w="3190468" h="6329549" extrusionOk="0">
+                <a:moveTo>
+                  <a:pt x="0" y="0"/>
+                </a:moveTo>
+                <a:cubicBezTo>
+                  <a:pt x="144203" y="-19807"/>
+                  <a:pt x="479292" y="-24689"/>
+                  <a:pt x="606189" y="0"/>
+                </a:cubicBezTo>
+                <a:cubicBezTo>
+                  <a:pt x="733086" y="24689"/>
+                  <a:pt x="980058" y="25486"/>
+                  <a:pt x="1148568" y="0"/>
+                </a:cubicBezTo>
+                <a:cubicBezTo>
+                  <a:pt x="1317078" y="-25486"/>
+                  <a:pt x="1567778" y="31086"/>
+                  <a:pt x="1850471" y="0"/>
+                </a:cubicBezTo>
+                <a:cubicBezTo>
+                  <a:pt x="2133164" y="-31086"/>
+                  <a:pt x="2251883" y="-9423"/>
+                  <a:pt x="2456660" y="0"/>
+                </a:cubicBezTo>
+                <a:cubicBezTo>
+                  <a:pt x="2661437" y="9423"/>
+                  <a:pt x="2955851" y="32711"/>
+                  <a:pt x="3190468" y="0"/>
+                </a:cubicBezTo>
+                <a:cubicBezTo>
+                  <a:pt x="3191402" y="344318"/>
+                  <a:pt x="3184180" y="524593"/>
+                  <a:pt x="3190468" y="759546"/>
+                </a:cubicBezTo>
+                <a:cubicBezTo>
+                  <a:pt x="3196756" y="994499"/>
+                  <a:pt x="3219037" y="1198640"/>
+                  <a:pt x="3190468" y="1392501"/>
+                </a:cubicBezTo>
+                <a:cubicBezTo>
+                  <a:pt x="3161899" y="1586362"/>
+                  <a:pt x="3210243" y="1799649"/>
+                  <a:pt x="3190468" y="2025456"/>
+                </a:cubicBezTo>
+                <a:cubicBezTo>
+                  <a:pt x="3170693" y="2251264"/>
+                  <a:pt x="3201195" y="2322210"/>
+                  <a:pt x="3190468" y="2531820"/>
+                </a:cubicBezTo>
+                <a:cubicBezTo>
+                  <a:pt x="3179741" y="2741430"/>
+                  <a:pt x="3176828" y="2906997"/>
+                  <a:pt x="3190468" y="3038184"/>
+                </a:cubicBezTo>
+                <a:cubicBezTo>
+                  <a:pt x="3204108" y="3169371"/>
+                  <a:pt x="3181895" y="3460261"/>
+                  <a:pt x="3190468" y="3671138"/>
+                </a:cubicBezTo>
+                <a:cubicBezTo>
+                  <a:pt x="3199041" y="3882015"/>
+                  <a:pt x="3172948" y="4189707"/>
+                  <a:pt x="3190468" y="4367389"/>
+                </a:cubicBezTo>
+                <a:cubicBezTo>
+                  <a:pt x="3207988" y="4545071"/>
+                  <a:pt x="3209112" y="4669577"/>
+                  <a:pt x="3190468" y="4810457"/>
+                </a:cubicBezTo>
+                <a:cubicBezTo>
+                  <a:pt x="3171824" y="4951337"/>
+                  <a:pt x="3201073" y="5256499"/>
+                  <a:pt x="3190468" y="5443412"/>
+                </a:cubicBezTo>
+                <a:cubicBezTo>
+                  <a:pt x="3179863" y="5630326"/>
+                  <a:pt x="3148096" y="6134824"/>
+                  <a:pt x="3190468" y="6329549"/>
+                </a:cubicBezTo>
+                <a:cubicBezTo>
+                  <a:pt x="2943448" y="6320001"/>
+                  <a:pt x="2791998" y="6360046"/>
+                  <a:pt x="2552374" y="6329549"/>
+                </a:cubicBezTo>
+                <a:cubicBezTo>
+                  <a:pt x="2312750" y="6299052"/>
+                  <a:pt x="2163079" y="6344443"/>
+                  <a:pt x="1850471" y="6329549"/>
+                </a:cubicBezTo>
+                <a:cubicBezTo>
+                  <a:pt x="1537863" y="6314655"/>
+                  <a:pt x="1483425" y="6359197"/>
+                  <a:pt x="1212378" y="6329549"/>
+                </a:cubicBezTo>
+                <a:cubicBezTo>
+                  <a:pt x="941331" y="6299901"/>
+                  <a:pt x="876692" y="6327607"/>
+                  <a:pt x="669998" y="6329549"/>
+                </a:cubicBezTo>
+                <a:cubicBezTo>
+                  <a:pt x="463304" y="6331491"/>
+                  <a:pt x="325007" y="6327112"/>
+                  <a:pt x="0" y="6329549"/>
+                </a:cubicBezTo>
+                <a:cubicBezTo>
+                  <a:pt x="-3822" y="6122199"/>
+                  <a:pt x="5680" y="5727447"/>
+                  <a:pt x="0" y="5570003"/>
+                </a:cubicBezTo>
+                <a:cubicBezTo>
+                  <a:pt x="-5680" y="5412559"/>
+                  <a:pt x="-19623" y="4972231"/>
+                  <a:pt x="0" y="4810457"/>
+                </a:cubicBezTo>
+                <a:cubicBezTo>
+                  <a:pt x="19623" y="4648683"/>
+                  <a:pt x="-5848" y="4346310"/>
+                  <a:pt x="0" y="4177502"/>
+                </a:cubicBezTo>
+                <a:cubicBezTo>
+                  <a:pt x="5848" y="4008695"/>
+                  <a:pt x="-3037" y="3837305"/>
+                  <a:pt x="0" y="3607843"/>
+                </a:cubicBezTo>
+                <a:cubicBezTo>
+                  <a:pt x="3037" y="3378381"/>
+                  <a:pt x="10510" y="3341344"/>
+                  <a:pt x="0" y="3164775"/>
+                </a:cubicBezTo>
+                <a:cubicBezTo>
+                  <a:pt x="-10510" y="2988206"/>
+                  <a:pt x="-20520" y="2882461"/>
+                  <a:pt x="0" y="2721706"/>
+                </a:cubicBezTo>
+                <a:cubicBezTo>
+                  <a:pt x="20520" y="2560951"/>
+                  <a:pt x="-24699" y="2299252"/>
+                  <a:pt x="0" y="2025456"/>
+                </a:cubicBezTo>
+                <a:cubicBezTo>
+                  <a:pt x="24699" y="1751660"/>
+                  <a:pt x="23812" y="1693264"/>
+                  <a:pt x="0" y="1519092"/>
+                </a:cubicBezTo>
+                <a:cubicBezTo>
+                  <a:pt x="-23812" y="1344920"/>
+                  <a:pt x="-18304" y="1039539"/>
+                  <a:pt x="0" y="759546"/>
+                </a:cubicBezTo>
+                <a:cubicBezTo>
+                  <a:pt x="18304" y="479553"/>
+                  <a:pt x="12539" y="291974"/>
+                  <a:pt x="0" y="0"/>
+                </a:cubicBezTo>
+                <a:close/>
+              </a:path>
+            </a:pathLst>
+          </a:custGeom>
+          <a:noFill/>
+          <a:ln w="22225">
+            <a:solidFill>
+              <a:schemeClr val="tx1"/>
+            </a:solidFill>
+            <a:extLst>
+              <a:ext uri="{C807C97D-BFC1-408E-A445-0C87EB9F89A2}">
+                <ask:lineSketchStyleProps xmlns:ask="http://schemas.microsoft.com/office/drawing/2018/sketchyshapes" sd="1219033472">
+                  <a:prstGeom prst="rect">
+                    <a:avLst/>
+                  </a:prstGeom>
+                  <ask:type>
+                    <ask:lineSketchFreehand/>
+                  </ask:type>
+                </ask:lineSketchStyleProps>
+              </a:ext>
+            </a:extLst>
+          </a:ln>
+        </p:spPr>
+        <p:style>
+          <a:lnRef idx="2">
+            <a:schemeClr val="accent1">
+              <a:shade val="50000"/>
+            </a:schemeClr>
+          </a:lnRef>
+          <a:fillRef idx="1">
+            <a:schemeClr val="accent1"/>
+          </a:fillRef>
+          <a:effectRef idx="0">
+            <a:schemeClr val="accent1"/>
+          </a:effectRef>
+          <a:fontRef idx="minor">
+            <a:schemeClr val="lt1"/>
+          </a:fontRef>
+        </p:style>
+        <p:txBody>
+          <a:bodyPr rtlCol="0" anchor="ctr"/>
+          <a:lstStyle/>
+          <a:p>
+            <a:pPr algn="ctr"/>
+            <a:endParaRPr lang="en-US"/>
+          </a:p>
+        </p:txBody>
+      </p:sp>
+      <p:sp>
+        <p:nvSpPr>
+          <p:cNvPr id="105" name="Rectangle 104">
+            <a:extLst>
+              <a:ext uri="{FF2B5EF4-FFF2-40B4-BE49-F238E27FC236}">
+                <a16:creationId xmlns:a16="http://schemas.microsoft.com/office/drawing/2014/main" id="{7F924755-B22F-8544-BBEA-207D1A346873}"/>
+              </a:ext>
+            </a:extLst>
+          </p:cNvPr>
+          <p:cNvSpPr/>
+          <p:nvPr/>
+        </p:nvSpPr>
+        <p:spPr>
+          <a:xfrm>
+            <a:off x="4277565" y="369806"/>
+            <a:ext cx="3083748" cy="6329549"/>
+          </a:xfrm>
+          <a:custGeom>
+            <a:avLst/>
+            <a:gdLst>
+              <a:gd name="connsiteX0" fmla="*/ 0 w 3083748"/>
+              <a:gd name="connsiteY0" fmla="*/ 0 h 6329549"/>
+              <a:gd name="connsiteX1" fmla="*/ 585912 w 3083748"/>
+              <a:gd name="connsiteY1" fmla="*/ 0 h 6329549"/>
+              <a:gd name="connsiteX2" fmla="*/ 1110149 w 3083748"/>
+              <a:gd name="connsiteY2" fmla="*/ 0 h 6329549"/>
+              <a:gd name="connsiteX3" fmla="*/ 1788574 w 3083748"/>
+              <a:gd name="connsiteY3" fmla="*/ 0 h 6329549"/>
+              <a:gd name="connsiteX4" fmla="*/ 2374486 w 3083748"/>
+              <a:gd name="connsiteY4" fmla="*/ 0 h 6329549"/>
+              <a:gd name="connsiteX5" fmla="*/ 3083748 w 3083748"/>
+              <a:gd name="connsiteY5" fmla="*/ 0 h 6329549"/>
+              <a:gd name="connsiteX6" fmla="*/ 3083748 w 3083748"/>
+              <a:gd name="connsiteY6" fmla="*/ 759546 h 6329549"/>
+              <a:gd name="connsiteX7" fmla="*/ 3083748 w 3083748"/>
+              <a:gd name="connsiteY7" fmla="*/ 1392501 h 6329549"/>
+              <a:gd name="connsiteX8" fmla="*/ 3083748 w 3083748"/>
+              <a:gd name="connsiteY8" fmla="*/ 2025456 h 6329549"/>
+              <a:gd name="connsiteX9" fmla="*/ 3083748 w 3083748"/>
+              <a:gd name="connsiteY9" fmla="*/ 2531820 h 6329549"/>
+              <a:gd name="connsiteX10" fmla="*/ 3083748 w 3083748"/>
+              <a:gd name="connsiteY10" fmla="*/ 3038184 h 6329549"/>
+              <a:gd name="connsiteX11" fmla="*/ 3083748 w 3083748"/>
+              <a:gd name="connsiteY11" fmla="*/ 3671138 h 6329549"/>
+              <a:gd name="connsiteX12" fmla="*/ 3083748 w 3083748"/>
+              <a:gd name="connsiteY12" fmla="*/ 4367389 h 6329549"/>
+              <a:gd name="connsiteX13" fmla="*/ 3083748 w 3083748"/>
+              <a:gd name="connsiteY13" fmla="*/ 4810457 h 6329549"/>
+              <a:gd name="connsiteX14" fmla="*/ 3083748 w 3083748"/>
+              <a:gd name="connsiteY14" fmla="*/ 5443412 h 6329549"/>
+              <a:gd name="connsiteX15" fmla="*/ 3083748 w 3083748"/>
+              <a:gd name="connsiteY15" fmla="*/ 6329549 h 6329549"/>
+              <a:gd name="connsiteX16" fmla="*/ 2466998 w 3083748"/>
+              <a:gd name="connsiteY16" fmla="*/ 6329549 h 6329549"/>
+              <a:gd name="connsiteX17" fmla="*/ 1788574 w 3083748"/>
+              <a:gd name="connsiteY17" fmla="*/ 6329549 h 6329549"/>
+              <a:gd name="connsiteX18" fmla="*/ 1171824 w 3083748"/>
+              <a:gd name="connsiteY18" fmla="*/ 6329549 h 6329549"/>
+              <a:gd name="connsiteX19" fmla="*/ 647587 w 3083748"/>
+              <a:gd name="connsiteY19" fmla="*/ 6329549 h 6329549"/>
+              <a:gd name="connsiteX20" fmla="*/ 0 w 3083748"/>
+              <a:gd name="connsiteY20" fmla="*/ 6329549 h 6329549"/>
+              <a:gd name="connsiteX21" fmla="*/ 0 w 3083748"/>
+              <a:gd name="connsiteY21" fmla="*/ 5570003 h 6329549"/>
+              <a:gd name="connsiteX22" fmla="*/ 0 w 3083748"/>
+              <a:gd name="connsiteY22" fmla="*/ 4810457 h 6329549"/>
+              <a:gd name="connsiteX23" fmla="*/ 0 w 3083748"/>
+              <a:gd name="connsiteY23" fmla="*/ 4177502 h 6329549"/>
+              <a:gd name="connsiteX24" fmla="*/ 0 w 3083748"/>
+              <a:gd name="connsiteY24" fmla="*/ 3607843 h 6329549"/>
+              <a:gd name="connsiteX25" fmla="*/ 0 w 3083748"/>
+              <a:gd name="connsiteY25" fmla="*/ 3164775 h 6329549"/>
+              <a:gd name="connsiteX26" fmla="*/ 0 w 3083748"/>
+              <a:gd name="connsiteY26" fmla="*/ 2721706 h 6329549"/>
+              <a:gd name="connsiteX27" fmla="*/ 0 w 3083748"/>
+              <a:gd name="connsiteY27" fmla="*/ 2025456 h 6329549"/>
+              <a:gd name="connsiteX28" fmla="*/ 0 w 3083748"/>
+              <a:gd name="connsiteY28" fmla="*/ 1519092 h 6329549"/>
+              <a:gd name="connsiteX29" fmla="*/ 0 w 3083748"/>
+              <a:gd name="connsiteY29" fmla="*/ 759546 h 6329549"/>
+              <a:gd name="connsiteX30" fmla="*/ 0 w 3083748"/>
+              <a:gd name="connsiteY30" fmla="*/ 0 h 6329549"/>
+            </a:gdLst>
+            <a:ahLst/>
+            <a:cxnLst>
+              <a:cxn ang="0">
+                <a:pos x="connsiteX0" y="connsiteY0"/>
+              </a:cxn>
+              <a:cxn ang="0">
+                <a:pos x="connsiteX1" y="connsiteY1"/>
+              </a:cxn>
+              <a:cxn ang="0">
+                <a:pos x="connsiteX2" y="connsiteY2"/>
+              </a:cxn>
+              <a:cxn ang="0">
+                <a:pos x="connsiteX3" y="connsiteY3"/>
+              </a:cxn>
+              <a:cxn ang="0">
+                <a:pos x="connsiteX4" y="connsiteY4"/>
+              </a:cxn>
+              <a:cxn ang="0">
+                <a:pos x="connsiteX5" y="connsiteY5"/>
+              </a:cxn>
+              <a:cxn ang="0">
+                <a:pos x="connsiteX6" y="connsiteY6"/>
+              </a:cxn>
+              <a:cxn ang="0">
+                <a:pos x="connsiteX7" y="connsiteY7"/>
+              </a:cxn>
+              <a:cxn ang="0">
+                <a:pos x="connsiteX8" y="connsiteY8"/>
+              </a:cxn>
+              <a:cxn ang="0">
+                <a:pos x="connsiteX9" y="connsiteY9"/>
+              </a:cxn>
+              <a:cxn ang="0">
+                <a:pos x="connsiteX10" y="connsiteY10"/>
+              </a:cxn>
+              <a:cxn ang="0">
+                <a:pos x="connsiteX11" y="connsiteY11"/>
+              </a:cxn>
+              <a:cxn ang="0">
+                <a:pos x="connsiteX12" y="connsiteY12"/>
+              </a:cxn>
+              <a:cxn ang="0">
+                <a:pos x="connsiteX13" y="connsiteY13"/>
+              </a:cxn>
+              <a:cxn ang="0">
+                <a:pos x="connsiteX14" y="connsiteY14"/>
+              </a:cxn>
+              <a:cxn ang="0">
+                <a:pos x="connsiteX15" y="connsiteY15"/>
+              </a:cxn>
+              <a:cxn ang="0">
+                <a:pos x="connsiteX16" y="connsiteY16"/>
+              </a:cxn>
+              <a:cxn ang="0">
+                <a:pos x="connsiteX17" y="connsiteY17"/>
+              </a:cxn>
+              <a:cxn ang="0">
+                <a:pos x="connsiteX18" y="connsiteY18"/>
+              </a:cxn>
+              <a:cxn ang="0">
+                <a:pos x="connsiteX19" y="connsiteY19"/>
+              </a:cxn>
+              <a:cxn ang="0">
+                <a:pos x="connsiteX20" y="connsiteY20"/>
+              </a:cxn>
+              <a:cxn ang="0">
+                <a:pos x="connsiteX21" y="connsiteY21"/>
+              </a:cxn>
+              <a:cxn ang="0">
+                <a:pos x="connsiteX22" y="connsiteY22"/>
+              </a:cxn>
+              <a:cxn ang="0">
+                <a:pos x="connsiteX23" y="connsiteY23"/>
+              </a:cxn>
+              <a:cxn ang="0">
+                <a:pos x="connsiteX24" y="connsiteY24"/>
+              </a:cxn>
+              <a:cxn ang="0">
+                <a:pos x="connsiteX25" y="connsiteY25"/>
+              </a:cxn>
+              <a:cxn ang="0">
+                <a:pos x="connsiteX26" y="connsiteY26"/>
+              </a:cxn>
+              <a:cxn ang="0">
+                <a:pos x="connsiteX27" y="connsiteY27"/>
+              </a:cxn>
+              <a:cxn ang="0">
+                <a:pos x="connsiteX28" y="connsiteY28"/>
+              </a:cxn>
+              <a:cxn ang="0">
+                <a:pos x="connsiteX29" y="connsiteY29"/>
+              </a:cxn>
+              <a:cxn ang="0">
+                <a:pos x="connsiteX30" y="connsiteY30"/>
+              </a:cxn>
+            </a:cxnLst>
+            <a:rect l="l" t="t" r="r" b="b"/>
+            <a:pathLst>
+              <a:path w="3083748" h="6329549" extrusionOk="0">
+                <a:moveTo>
+                  <a:pt x="0" y="0"/>
+                </a:moveTo>
+                <a:cubicBezTo>
+                  <a:pt x="217717" y="-1997"/>
+                  <a:pt x="458000" y="7152"/>
+                  <a:pt x="585912" y="0"/>
+                </a:cubicBezTo>
+                <a:cubicBezTo>
+                  <a:pt x="713824" y="-7152"/>
+                  <a:pt x="909794" y="-16549"/>
+                  <a:pt x="1110149" y="0"/>
+                </a:cubicBezTo>
+                <a:cubicBezTo>
+                  <a:pt x="1310504" y="16549"/>
+                  <a:pt x="1630442" y="19957"/>
+                  <a:pt x="1788574" y="0"/>
+                </a:cubicBezTo>
+                <a:cubicBezTo>
+                  <a:pt x="1946707" y="-19957"/>
+                  <a:pt x="2213373" y="-3081"/>
+                  <a:pt x="2374486" y="0"/>
+                </a:cubicBezTo>
+                <a:cubicBezTo>
+                  <a:pt x="2535599" y="3081"/>
+                  <a:pt x="2764557" y="24067"/>
+                  <a:pt x="3083748" y="0"/>
+                </a:cubicBezTo>
+                <a:cubicBezTo>
+                  <a:pt x="3084682" y="344318"/>
+                  <a:pt x="3077460" y="524593"/>
+                  <a:pt x="3083748" y="759546"/>
+                </a:cubicBezTo>
+                <a:cubicBezTo>
+                  <a:pt x="3090036" y="994499"/>
+                  <a:pt x="3112317" y="1198640"/>
+                  <a:pt x="3083748" y="1392501"/>
+                </a:cubicBezTo>
+                <a:cubicBezTo>
+                  <a:pt x="3055179" y="1586362"/>
+                  <a:pt x="3103523" y="1799649"/>
+                  <a:pt x="3083748" y="2025456"/>
+                </a:cubicBezTo>
+                <a:cubicBezTo>
+                  <a:pt x="3063973" y="2251264"/>
+                  <a:pt x="3094475" y="2322210"/>
+                  <a:pt x="3083748" y="2531820"/>
+                </a:cubicBezTo>
+                <a:cubicBezTo>
+                  <a:pt x="3073021" y="2741430"/>
+                  <a:pt x="3070108" y="2906997"/>
+                  <a:pt x="3083748" y="3038184"/>
+                </a:cubicBezTo>
+                <a:cubicBezTo>
+                  <a:pt x="3097388" y="3169371"/>
+                  <a:pt x="3075175" y="3460261"/>
+                  <a:pt x="3083748" y="3671138"/>
+                </a:cubicBezTo>
+                <a:cubicBezTo>
+                  <a:pt x="3092321" y="3882015"/>
+                  <a:pt x="3066228" y="4189707"/>
+                  <a:pt x="3083748" y="4367389"/>
+                </a:cubicBezTo>
+                <a:cubicBezTo>
+                  <a:pt x="3101268" y="4545071"/>
+                  <a:pt x="3102392" y="4669577"/>
+                  <a:pt x="3083748" y="4810457"/>
+                </a:cubicBezTo>
+                <a:cubicBezTo>
+                  <a:pt x="3065104" y="4951337"/>
+                  <a:pt x="3094353" y="5256499"/>
+                  <a:pt x="3083748" y="5443412"/>
+                </a:cubicBezTo>
+                <a:cubicBezTo>
+                  <a:pt x="3073143" y="5630326"/>
+                  <a:pt x="3041376" y="6134824"/>
+                  <a:pt x="3083748" y="6329549"/>
+                </a:cubicBezTo>
+                <a:cubicBezTo>
+                  <a:pt x="2792987" y="6317778"/>
+                  <a:pt x="2735837" y="6328534"/>
+                  <a:pt x="2466998" y="6329549"/>
+                </a:cubicBezTo>
+                <a:cubicBezTo>
+                  <a:pt x="2198159" y="6330565"/>
+                  <a:pt x="1974971" y="6311317"/>
+                  <a:pt x="1788574" y="6329549"/>
+                </a:cubicBezTo>
+                <a:cubicBezTo>
+                  <a:pt x="1602177" y="6347781"/>
+                  <a:pt x="1451895" y="6353992"/>
+                  <a:pt x="1171824" y="6329549"/>
+                </a:cubicBezTo>
+                <a:cubicBezTo>
+                  <a:pt x="891753" y="6305107"/>
+                  <a:pt x="831400" y="6341471"/>
+                  <a:pt x="647587" y="6329549"/>
+                </a:cubicBezTo>
+                <a:cubicBezTo>
+                  <a:pt x="463774" y="6317627"/>
+                  <a:pt x="151296" y="6310282"/>
+                  <a:pt x="0" y="6329549"/>
+                </a:cubicBezTo>
+                <a:cubicBezTo>
+                  <a:pt x="-3822" y="6122199"/>
+                  <a:pt x="5680" y="5727447"/>
+                  <a:pt x="0" y="5570003"/>
+                </a:cubicBezTo>
+                <a:cubicBezTo>
+                  <a:pt x="-5680" y="5412559"/>
+                  <a:pt x="-19623" y="4972231"/>
+                  <a:pt x="0" y="4810457"/>
+                </a:cubicBezTo>
+                <a:cubicBezTo>
+                  <a:pt x="19623" y="4648683"/>
+                  <a:pt x="-5848" y="4346310"/>
+                  <a:pt x="0" y="4177502"/>
+                </a:cubicBezTo>
+                <a:cubicBezTo>
+                  <a:pt x="5848" y="4008695"/>
+                  <a:pt x="-3037" y="3837305"/>
+                  <a:pt x="0" y="3607843"/>
+                </a:cubicBezTo>
+                <a:cubicBezTo>
+                  <a:pt x="3037" y="3378381"/>
+                  <a:pt x="10510" y="3341344"/>
+                  <a:pt x="0" y="3164775"/>
+                </a:cubicBezTo>
+                <a:cubicBezTo>
+                  <a:pt x="-10510" y="2988206"/>
+                  <a:pt x="-20520" y="2882461"/>
+                  <a:pt x="0" y="2721706"/>
+                </a:cubicBezTo>
+                <a:cubicBezTo>
+                  <a:pt x="20520" y="2560951"/>
+                  <a:pt x="-24699" y="2299252"/>
+                  <a:pt x="0" y="2025456"/>
+                </a:cubicBezTo>
+                <a:cubicBezTo>
+                  <a:pt x="24699" y="1751660"/>
+                  <a:pt x="23812" y="1693264"/>
+                  <a:pt x="0" y="1519092"/>
+                </a:cubicBezTo>
+                <a:cubicBezTo>
+                  <a:pt x="-23812" y="1344920"/>
+                  <a:pt x="-18304" y="1039539"/>
+                  <a:pt x="0" y="759546"/>
+                </a:cubicBezTo>
+                <a:cubicBezTo>
+                  <a:pt x="18304" y="479553"/>
+                  <a:pt x="12539" y="291974"/>
+                  <a:pt x="0" y="0"/>
+                </a:cubicBezTo>
+                <a:close/>
+              </a:path>
+            </a:pathLst>
+          </a:custGeom>
+          <a:noFill/>
+          <a:ln w="22225">
+            <a:solidFill>
+              <a:schemeClr val="tx1"/>
+            </a:solidFill>
+            <a:extLst>
+              <a:ext uri="{C807C97D-BFC1-408E-A445-0C87EB9F89A2}">
+                <ask:lineSketchStyleProps xmlns:ask="http://schemas.microsoft.com/office/drawing/2018/sketchyshapes" sd="1219033472">
+                  <a:prstGeom prst="rect">
+                    <a:avLst/>
+                  </a:prstGeom>
+                  <ask:type>
+                    <ask:lineSketchFreehand/>
+                  </ask:type>
+                </ask:lineSketchStyleProps>
+              </a:ext>
+            </a:extLst>
+          </a:ln>
+        </p:spPr>
+        <p:style>
+          <a:lnRef idx="2">
+            <a:schemeClr val="accent1">
+              <a:shade val="50000"/>
+            </a:schemeClr>
+          </a:lnRef>
+          <a:fillRef idx="1">
+            <a:schemeClr val="accent1"/>
+          </a:fillRef>
+          <a:effectRef idx="0">
+            <a:schemeClr val="accent1"/>
+          </a:effectRef>
+          <a:fontRef idx="minor">
+            <a:schemeClr val="lt1"/>
+          </a:fontRef>
+        </p:style>
+        <p:txBody>
+          <a:bodyPr rtlCol="0" anchor="ctr"/>
+          <a:lstStyle/>
+          <a:p>
+            <a:pPr algn="ctr"/>
+            <a:endParaRPr lang="en-US"/>
+          </a:p>
+        </p:txBody>
+      </p:sp>
+      <p:sp>
+        <p:nvSpPr>
+          <p:cNvPr id="106" name="Rectangle 105">
+            <a:extLst>
+              <a:ext uri="{FF2B5EF4-FFF2-40B4-BE49-F238E27FC236}">
+                <a16:creationId xmlns:a16="http://schemas.microsoft.com/office/drawing/2014/main" id="{B7EC9301-65D8-6D46-81D4-B6204DA5276C}"/>
+              </a:ext>
+            </a:extLst>
+          </p:cNvPr>
+          <p:cNvSpPr/>
+          <p:nvPr/>
+        </p:nvSpPr>
+        <p:spPr>
+          <a:xfrm>
+            <a:off x="7466376" y="379775"/>
+            <a:ext cx="2043592" cy="6329549"/>
+          </a:xfrm>
+          <a:custGeom>
+            <a:avLst/>
+            <a:gdLst>
+              <a:gd name="connsiteX0" fmla="*/ 0 w 2043592"/>
+              <a:gd name="connsiteY0" fmla="*/ 0 h 6329549"/>
+              <a:gd name="connsiteX1" fmla="*/ 660761 w 2043592"/>
+              <a:gd name="connsiteY1" fmla="*/ 0 h 6329549"/>
+              <a:gd name="connsiteX2" fmla="*/ 1280651 w 2043592"/>
+              <a:gd name="connsiteY2" fmla="*/ 0 h 6329549"/>
+              <a:gd name="connsiteX3" fmla="*/ 2043592 w 2043592"/>
+              <a:gd name="connsiteY3" fmla="*/ 0 h 6329549"/>
+              <a:gd name="connsiteX4" fmla="*/ 2043592 w 2043592"/>
+              <a:gd name="connsiteY4" fmla="*/ 569659 h 6329549"/>
+              <a:gd name="connsiteX5" fmla="*/ 2043592 w 2043592"/>
+              <a:gd name="connsiteY5" fmla="*/ 1076023 h 6329549"/>
+              <a:gd name="connsiteX6" fmla="*/ 2043592 w 2043592"/>
+              <a:gd name="connsiteY6" fmla="*/ 1582387 h 6329549"/>
+              <a:gd name="connsiteX7" fmla="*/ 2043592 w 2043592"/>
+              <a:gd name="connsiteY7" fmla="*/ 2215342 h 6329549"/>
+              <a:gd name="connsiteX8" fmla="*/ 2043592 w 2043592"/>
+              <a:gd name="connsiteY8" fmla="*/ 2848297 h 6329549"/>
+              <a:gd name="connsiteX9" fmla="*/ 2043592 w 2043592"/>
+              <a:gd name="connsiteY9" fmla="*/ 3354661 h 6329549"/>
+              <a:gd name="connsiteX10" fmla="*/ 2043592 w 2043592"/>
+              <a:gd name="connsiteY10" fmla="*/ 3861025 h 6329549"/>
+              <a:gd name="connsiteX11" fmla="*/ 2043592 w 2043592"/>
+              <a:gd name="connsiteY11" fmla="*/ 4493980 h 6329549"/>
+              <a:gd name="connsiteX12" fmla="*/ 2043592 w 2043592"/>
+              <a:gd name="connsiteY12" fmla="*/ 5190230 h 6329549"/>
+              <a:gd name="connsiteX13" fmla="*/ 2043592 w 2043592"/>
+              <a:gd name="connsiteY13" fmla="*/ 5633299 h 6329549"/>
+              <a:gd name="connsiteX14" fmla="*/ 2043592 w 2043592"/>
+              <a:gd name="connsiteY14" fmla="*/ 6329549 h 6329549"/>
+              <a:gd name="connsiteX15" fmla="*/ 1362395 w 2043592"/>
+              <a:gd name="connsiteY15" fmla="*/ 6329549 h 6329549"/>
+              <a:gd name="connsiteX16" fmla="*/ 681197 w 2043592"/>
+              <a:gd name="connsiteY16" fmla="*/ 6329549 h 6329549"/>
+              <a:gd name="connsiteX17" fmla="*/ 0 w 2043592"/>
+              <a:gd name="connsiteY17" fmla="*/ 6329549 h 6329549"/>
+              <a:gd name="connsiteX18" fmla="*/ 0 w 2043592"/>
+              <a:gd name="connsiteY18" fmla="*/ 5696594 h 6329549"/>
+              <a:gd name="connsiteX19" fmla="*/ 0 w 2043592"/>
+              <a:gd name="connsiteY19" fmla="*/ 5190230 h 6329549"/>
+              <a:gd name="connsiteX20" fmla="*/ 0 w 2043592"/>
+              <a:gd name="connsiteY20" fmla="*/ 4683866 h 6329549"/>
+              <a:gd name="connsiteX21" fmla="*/ 0 w 2043592"/>
+              <a:gd name="connsiteY21" fmla="*/ 4114207 h 6329549"/>
+              <a:gd name="connsiteX22" fmla="*/ 0 w 2043592"/>
+              <a:gd name="connsiteY22" fmla="*/ 3354661 h 6329549"/>
+              <a:gd name="connsiteX23" fmla="*/ 0 w 2043592"/>
+              <a:gd name="connsiteY23" fmla="*/ 2721706 h 6329549"/>
+              <a:gd name="connsiteX24" fmla="*/ 0 w 2043592"/>
+              <a:gd name="connsiteY24" fmla="*/ 2152047 h 6329549"/>
+              <a:gd name="connsiteX25" fmla="*/ 0 w 2043592"/>
+              <a:gd name="connsiteY25" fmla="*/ 1708978 h 6329549"/>
+              <a:gd name="connsiteX26" fmla="*/ 0 w 2043592"/>
+              <a:gd name="connsiteY26" fmla="*/ 1265910 h 6329549"/>
+              <a:gd name="connsiteX27" fmla="*/ 0 w 2043592"/>
+              <a:gd name="connsiteY27" fmla="*/ 569659 h 6329549"/>
+              <a:gd name="connsiteX28" fmla="*/ 0 w 2043592"/>
+              <a:gd name="connsiteY28" fmla="*/ 0 h 6329549"/>
+            </a:gdLst>
+            <a:ahLst/>
+            <a:cxnLst>
+              <a:cxn ang="0">
+                <a:pos x="connsiteX0" y="connsiteY0"/>
+              </a:cxn>
+              <a:cxn ang="0">
+                <a:pos x="connsiteX1" y="connsiteY1"/>
+              </a:cxn>
+              <a:cxn ang="0">
+                <a:pos x="connsiteX2" y="connsiteY2"/>
+              </a:cxn>
+              <a:cxn ang="0">
+                <a:pos x="connsiteX3" y="connsiteY3"/>
+              </a:cxn>
+              <a:cxn ang="0">
+                <a:pos x="connsiteX4" y="connsiteY4"/>
+              </a:cxn>
+              <a:cxn ang="0">
+                <a:pos x="connsiteX5" y="connsiteY5"/>
+              </a:cxn>
+              <a:cxn ang="0">
+                <a:pos x="connsiteX6" y="connsiteY6"/>
+              </a:cxn>
+              <a:cxn ang="0">
+                <a:pos x="connsiteX7" y="connsiteY7"/>
+              </a:cxn>
+              <a:cxn ang="0">
+                <a:pos x="connsiteX8" y="connsiteY8"/>
+              </a:cxn>
+              <a:cxn ang="0">
+                <a:pos x="connsiteX9" y="connsiteY9"/>
+              </a:cxn>
+              <a:cxn ang="0">
+                <a:pos x="connsiteX10" y="connsiteY10"/>
+              </a:cxn>
+              <a:cxn ang="0">
+                <a:pos x="connsiteX11" y="connsiteY11"/>
+              </a:cxn>
+              <a:cxn ang="0">
+                <a:pos x="connsiteX12" y="connsiteY12"/>
+              </a:cxn>
+              <a:cxn ang="0">
+                <a:pos x="connsiteX13" y="connsiteY13"/>
+              </a:cxn>
+              <a:cxn ang="0">
+                <a:pos x="connsiteX14" y="connsiteY14"/>
+              </a:cxn>
+              <a:cxn ang="0">
+                <a:pos x="connsiteX15" y="connsiteY15"/>
+              </a:cxn>
+              <a:cxn ang="0">
+                <a:pos x="connsiteX16" y="connsiteY16"/>
+              </a:cxn>
+              <a:cxn ang="0">
+                <a:pos x="connsiteX17" y="connsiteY17"/>
+              </a:cxn>
+              <a:cxn ang="0">
+                <a:pos x="connsiteX18" y="connsiteY18"/>
+              </a:cxn>
+              <a:cxn ang="0">
+                <a:pos x="connsiteX19" y="connsiteY19"/>
+              </a:cxn>
+              <a:cxn ang="0">
+                <a:pos x="connsiteX20" y="connsiteY20"/>
+              </a:cxn>
+              <a:cxn ang="0">
+                <a:pos x="connsiteX21" y="connsiteY21"/>
+              </a:cxn>
+              <a:cxn ang="0">
+                <a:pos x="connsiteX22" y="connsiteY22"/>
+              </a:cxn>
+              <a:cxn ang="0">
+                <a:pos x="connsiteX23" y="connsiteY23"/>
+              </a:cxn>
+              <a:cxn ang="0">
+                <a:pos x="connsiteX24" y="connsiteY24"/>
+              </a:cxn>
+              <a:cxn ang="0">
+                <a:pos x="connsiteX25" y="connsiteY25"/>
+              </a:cxn>
+              <a:cxn ang="0">
+                <a:pos x="connsiteX26" y="connsiteY26"/>
+              </a:cxn>
+              <a:cxn ang="0">
+                <a:pos x="connsiteX27" y="connsiteY27"/>
+              </a:cxn>
+              <a:cxn ang="0">
+                <a:pos x="connsiteX28" y="connsiteY28"/>
+              </a:cxn>
+            </a:cxnLst>
+            <a:rect l="l" t="t" r="r" b="b"/>
+            <a:pathLst>
+              <a:path w="2043592" h="6329549" extrusionOk="0">
+                <a:moveTo>
+                  <a:pt x="0" y="0"/>
+                </a:moveTo>
+                <a:cubicBezTo>
+                  <a:pt x="225583" y="-13045"/>
+                  <a:pt x="332387" y="9073"/>
+                  <a:pt x="660761" y="0"/>
+                </a:cubicBezTo>
+                <a:cubicBezTo>
+                  <a:pt x="989135" y="-9073"/>
+                  <a:pt x="1139001" y="-10266"/>
+                  <a:pt x="1280651" y="0"/>
+                </a:cubicBezTo>
+                <a:cubicBezTo>
+                  <a:pt x="1422301" y="10266"/>
+                  <a:pt x="1834894" y="-12588"/>
+                  <a:pt x="2043592" y="0"/>
+                </a:cubicBezTo>
+                <a:cubicBezTo>
+                  <a:pt x="2034885" y="247853"/>
+                  <a:pt x="2036176" y="412135"/>
+                  <a:pt x="2043592" y="569659"/>
+                </a:cubicBezTo>
+                <a:cubicBezTo>
+                  <a:pt x="2051008" y="727183"/>
+                  <a:pt x="2039200" y="955484"/>
+                  <a:pt x="2043592" y="1076023"/>
+                </a:cubicBezTo>
+                <a:cubicBezTo>
+                  <a:pt x="2047984" y="1196562"/>
+                  <a:pt x="2049963" y="1468333"/>
+                  <a:pt x="2043592" y="1582387"/>
+                </a:cubicBezTo>
+                <a:cubicBezTo>
+                  <a:pt x="2037221" y="1696441"/>
+                  <a:pt x="2072161" y="2021481"/>
+                  <a:pt x="2043592" y="2215342"/>
+                </a:cubicBezTo>
+                <a:cubicBezTo>
+                  <a:pt x="2015023" y="2409203"/>
+                  <a:pt x="2063367" y="2622490"/>
+                  <a:pt x="2043592" y="2848297"/>
+                </a:cubicBezTo>
+                <a:cubicBezTo>
+                  <a:pt x="2023817" y="3074105"/>
+                  <a:pt x="2054319" y="3145051"/>
+                  <a:pt x="2043592" y="3354661"/>
+                </a:cubicBezTo>
+                <a:cubicBezTo>
+                  <a:pt x="2032865" y="3564271"/>
+                  <a:pt x="2029952" y="3729838"/>
+                  <a:pt x="2043592" y="3861025"/>
+                </a:cubicBezTo>
+                <a:cubicBezTo>
+                  <a:pt x="2057232" y="3992212"/>
+                  <a:pt x="2037075" y="4278428"/>
+                  <a:pt x="2043592" y="4493980"/>
+                </a:cubicBezTo>
+                <a:cubicBezTo>
+                  <a:pt x="2050109" y="4709532"/>
+                  <a:pt x="2021456" y="5014871"/>
+                  <a:pt x="2043592" y="5190230"/>
+                </a:cubicBezTo>
+                <a:cubicBezTo>
+                  <a:pt x="2065729" y="5365589"/>
+                  <a:pt x="2021679" y="5486264"/>
+                  <a:pt x="2043592" y="5633299"/>
+                </a:cubicBezTo>
+                <a:cubicBezTo>
+                  <a:pt x="2065505" y="5780334"/>
+                  <a:pt x="2036591" y="6055480"/>
+                  <a:pt x="2043592" y="6329549"/>
+                </a:cubicBezTo>
+                <a:cubicBezTo>
+                  <a:pt x="1892835" y="6337751"/>
+                  <a:pt x="1548933" y="6334557"/>
+                  <a:pt x="1362395" y="6329549"/>
+                </a:cubicBezTo>
+                <a:cubicBezTo>
+                  <a:pt x="1175857" y="6324541"/>
+                  <a:pt x="871328" y="6330850"/>
+                  <a:pt x="681197" y="6329549"/>
+                </a:cubicBezTo>
+                <a:cubicBezTo>
+                  <a:pt x="491066" y="6328248"/>
+                  <a:pt x="300875" y="6300203"/>
+                  <a:pt x="0" y="6329549"/>
+                </a:cubicBezTo>
+                <a:cubicBezTo>
+                  <a:pt x="26434" y="6035139"/>
+                  <a:pt x="16165" y="6012328"/>
+                  <a:pt x="0" y="5696594"/>
+                </a:cubicBezTo>
+                <a:cubicBezTo>
+                  <a:pt x="-16165" y="5380861"/>
+                  <a:pt x="11122" y="5421025"/>
+                  <a:pt x="0" y="5190230"/>
+                </a:cubicBezTo>
+                <a:cubicBezTo>
+                  <a:pt x="-11122" y="4959435"/>
+                  <a:pt x="-7537" y="4907591"/>
+                  <a:pt x="0" y="4683866"/>
+                </a:cubicBezTo>
+                <a:cubicBezTo>
+                  <a:pt x="7537" y="4460141"/>
+                  <a:pt x="-3607" y="4349947"/>
+                  <a:pt x="0" y="4114207"/>
+                </a:cubicBezTo>
+                <a:cubicBezTo>
+                  <a:pt x="3607" y="3878467"/>
+                  <a:pt x="-19623" y="3516435"/>
+                  <a:pt x="0" y="3354661"/>
+                </a:cubicBezTo>
+                <a:cubicBezTo>
+                  <a:pt x="19623" y="3192887"/>
+                  <a:pt x="-5848" y="2890514"/>
+                  <a:pt x="0" y="2721706"/>
+                </a:cubicBezTo>
+                <a:cubicBezTo>
+                  <a:pt x="5848" y="2552899"/>
+                  <a:pt x="-3037" y="2381509"/>
+                  <a:pt x="0" y="2152047"/>
+                </a:cubicBezTo>
+                <a:cubicBezTo>
+                  <a:pt x="3037" y="1922585"/>
+                  <a:pt x="6511" y="1890510"/>
+                  <a:pt x="0" y="1708978"/>
+                </a:cubicBezTo>
+                <a:cubicBezTo>
+                  <a:pt x="-6511" y="1527446"/>
+                  <a:pt x="-18154" y="1418720"/>
+                  <a:pt x="0" y="1265910"/>
+                </a:cubicBezTo>
+                <a:cubicBezTo>
+                  <a:pt x="18154" y="1113100"/>
+                  <a:pt x="-27832" y="847853"/>
+                  <a:pt x="0" y="569659"/>
+                </a:cubicBezTo>
+                <a:cubicBezTo>
+                  <a:pt x="27832" y="291465"/>
+                  <a:pt x="-4239" y="242252"/>
+                  <a:pt x="0" y="0"/>
+                </a:cubicBezTo>
+                <a:close/>
+              </a:path>
+            </a:pathLst>
+          </a:custGeom>
+          <a:noFill/>
+          <a:ln w="22225">
+            <a:solidFill>
+              <a:schemeClr val="tx1"/>
+            </a:solidFill>
+            <a:extLst>
+              <a:ext uri="{C807C97D-BFC1-408E-A445-0C87EB9F89A2}">
+                <ask:lineSketchStyleProps xmlns:ask="http://schemas.microsoft.com/office/drawing/2018/sketchyshapes" sd="1219033472">
+                  <a:prstGeom prst="rect">
+                    <a:avLst/>
+                  </a:prstGeom>
+                  <ask:type>
+                    <ask:lineSketchFreehand/>
+                  </ask:type>
+                </ask:lineSketchStyleProps>
+              </a:ext>
+            </a:extLst>
+          </a:ln>
+        </p:spPr>
+        <p:style>
+          <a:lnRef idx="2">
+            <a:schemeClr val="accent1">
+              <a:shade val="50000"/>
+            </a:schemeClr>
+          </a:lnRef>
+          <a:fillRef idx="1">
+            <a:schemeClr val="accent1"/>
+          </a:fillRef>
+          <a:effectRef idx="0">
+            <a:schemeClr val="accent1"/>
+          </a:effectRef>
+          <a:fontRef idx="minor">
+            <a:schemeClr val="lt1"/>
+          </a:fontRef>
+        </p:style>
+        <p:txBody>
+          <a:bodyPr rtlCol="0" anchor="ctr"/>
+          <a:lstStyle/>
+          <a:p>
+            <a:pPr algn="ctr"/>
+            <a:endParaRPr lang="en-US"/>
+          </a:p>
+        </p:txBody>
+      </p:sp>
+      <p:sp>
+        <p:nvSpPr>
+          <p:cNvPr id="107" name="Rectangle 106">
+            <a:extLst>
+              <a:ext uri="{FF2B5EF4-FFF2-40B4-BE49-F238E27FC236}">
+                <a16:creationId xmlns:a16="http://schemas.microsoft.com/office/drawing/2014/main" id="{5BEA2A03-9F88-3845-B38F-E27D7B0F0751}"/>
+              </a:ext>
+            </a:extLst>
+          </p:cNvPr>
+          <p:cNvSpPr/>
+          <p:nvPr/>
+        </p:nvSpPr>
+        <p:spPr>
+          <a:xfrm>
+            <a:off x="9712227" y="353756"/>
+            <a:ext cx="2159114" cy="6329549"/>
+          </a:xfrm>
+          <a:custGeom>
+            <a:avLst/>
+            <a:gdLst>
+              <a:gd name="connsiteX0" fmla="*/ 0 w 2159114"/>
+              <a:gd name="connsiteY0" fmla="*/ 0 h 6329549"/>
+              <a:gd name="connsiteX1" fmla="*/ 518187 w 2159114"/>
+              <a:gd name="connsiteY1" fmla="*/ 0 h 6329549"/>
+              <a:gd name="connsiteX2" fmla="*/ 993192 w 2159114"/>
+              <a:gd name="connsiteY2" fmla="*/ 0 h 6329549"/>
+              <a:gd name="connsiteX3" fmla="*/ 1576153 w 2159114"/>
+              <a:gd name="connsiteY3" fmla="*/ 0 h 6329549"/>
+              <a:gd name="connsiteX4" fmla="*/ 2159114 w 2159114"/>
+              <a:gd name="connsiteY4" fmla="*/ 0 h 6329549"/>
+              <a:gd name="connsiteX5" fmla="*/ 2159114 w 2159114"/>
+              <a:gd name="connsiteY5" fmla="*/ 569659 h 6329549"/>
+              <a:gd name="connsiteX6" fmla="*/ 2159114 w 2159114"/>
+              <a:gd name="connsiteY6" fmla="*/ 1076023 h 6329549"/>
+              <a:gd name="connsiteX7" fmla="*/ 2159114 w 2159114"/>
+              <a:gd name="connsiteY7" fmla="*/ 1708978 h 6329549"/>
+              <a:gd name="connsiteX8" fmla="*/ 2159114 w 2159114"/>
+              <a:gd name="connsiteY8" fmla="*/ 2341933 h 6329549"/>
+              <a:gd name="connsiteX9" fmla="*/ 2159114 w 2159114"/>
+              <a:gd name="connsiteY9" fmla="*/ 2848297 h 6329549"/>
+              <a:gd name="connsiteX10" fmla="*/ 2159114 w 2159114"/>
+              <a:gd name="connsiteY10" fmla="*/ 3354661 h 6329549"/>
+              <a:gd name="connsiteX11" fmla="*/ 2159114 w 2159114"/>
+              <a:gd name="connsiteY11" fmla="*/ 3987616 h 6329549"/>
+              <a:gd name="connsiteX12" fmla="*/ 2159114 w 2159114"/>
+              <a:gd name="connsiteY12" fmla="*/ 4683866 h 6329549"/>
+              <a:gd name="connsiteX13" fmla="*/ 2159114 w 2159114"/>
+              <a:gd name="connsiteY13" fmla="*/ 5126935 h 6329549"/>
+              <a:gd name="connsiteX14" fmla="*/ 2159114 w 2159114"/>
+              <a:gd name="connsiteY14" fmla="*/ 5759890 h 6329549"/>
+              <a:gd name="connsiteX15" fmla="*/ 2159114 w 2159114"/>
+              <a:gd name="connsiteY15" fmla="*/ 6329549 h 6329549"/>
+              <a:gd name="connsiteX16" fmla="*/ 1619336 w 2159114"/>
+              <a:gd name="connsiteY16" fmla="*/ 6329549 h 6329549"/>
+              <a:gd name="connsiteX17" fmla="*/ 1036375 w 2159114"/>
+              <a:gd name="connsiteY17" fmla="*/ 6329549 h 6329549"/>
+              <a:gd name="connsiteX18" fmla="*/ 496596 w 2159114"/>
+              <a:gd name="connsiteY18" fmla="*/ 6329549 h 6329549"/>
+              <a:gd name="connsiteX19" fmla="*/ 0 w 2159114"/>
+              <a:gd name="connsiteY19" fmla="*/ 6329549 h 6329549"/>
+              <a:gd name="connsiteX20" fmla="*/ 0 w 2159114"/>
+              <a:gd name="connsiteY20" fmla="*/ 5823185 h 6329549"/>
+              <a:gd name="connsiteX21" fmla="*/ 0 w 2159114"/>
+              <a:gd name="connsiteY21" fmla="*/ 5253526 h 6329549"/>
+              <a:gd name="connsiteX22" fmla="*/ 0 w 2159114"/>
+              <a:gd name="connsiteY22" fmla="*/ 4493980 h 6329549"/>
+              <a:gd name="connsiteX23" fmla="*/ 0 w 2159114"/>
+              <a:gd name="connsiteY23" fmla="*/ 3861025 h 6329549"/>
+              <a:gd name="connsiteX24" fmla="*/ 0 w 2159114"/>
+              <a:gd name="connsiteY24" fmla="*/ 3291365 h 6329549"/>
+              <a:gd name="connsiteX25" fmla="*/ 0 w 2159114"/>
+              <a:gd name="connsiteY25" fmla="*/ 2848297 h 6329549"/>
+              <a:gd name="connsiteX26" fmla="*/ 0 w 2159114"/>
+              <a:gd name="connsiteY26" fmla="*/ 2405229 h 6329549"/>
+              <a:gd name="connsiteX27" fmla="*/ 0 w 2159114"/>
+              <a:gd name="connsiteY27" fmla="*/ 1708978 h 6329549"/>
+              <a:gd name="connsiteX28" fmla="*/ 0 w 2159114"/>
+              <a:gd name="connsiteY28" fmla="*/ 1202614 h 6329549"/>
+              <a:gd name="connsiteX29" fmla="*/ 0 w 2159114"/>
+              <a:gd name="connsiteY29" fmla="*/ 0 h 6329549"/>
+            </a:gdLst>
+            <a:ahLst/>
+            <a:cxnLst>
+              <a:cxn ang="0">
+                <a:pos x="connsiteX0" y="connsiteY0"/>
+              </a:cxn>
+              <a:cxn ang="0">
+                <a:pos x="connsiteX1" y="connsiteY1"/>
+              </a:cxn>
+              <a:cxn ang="0">
+                <a:pos x="connsiteX2" y="connsiteY2"/>
+              </a:cxn>
+              <a:cxn ang="0">
+                <a:pos x="connsiteX3" y="connsiteY3"/>
+              </a:cxn>
+              <a:cxn ang="0">
+                <a:pos x="connsiteX4" y="connsiteY4"/>
+              </a:cxn>
+              <a:cxn ang="0">
+                <a:pos x="connsiteX5" y="connsiteY5"/>
+              </a:cxn>
+              <a:cxn ang="0">
+                <a:pos x="connsiteX6" y="connsiteY6"/>
+              </a:cxn>
+              <a:cxn ang="0">
+                <a:pos x="connsiteX7" y="connsiteY7"/>
+              </a:cxn>
+              <a:cxn ang="0">
+                <a:pos x="connsiteX8" y="connsiteY8"/>
+              </a:cxn>
+              <a:cxn ang="0">
+                <a:pos x="connsiteX9" y="connsiteY9"/>
+              </a:cxn>
+              <a:cxn ang="0">
+                <a:pos x="connsiteX10" y="connsiteY10"/>
+              </a:cxn>
+              <a:cxn ang="0">
+                <a:pos x="connsiteX11" y="connsiteY11"/>
+              </a:cxn>
+              <a:cxn ang="0">
+                <a:pos x="connsiteX12" y="connsiteY12"/>
+              </a:cxn>
+              <a:cxn ang="0">
+                <a:pos x="connsiteX13" y="connsiteY13"/>
+              </a:cxn>
+              <a:cxn ang="0">
+                <a:pos x="connsiteX14" y="connsiteY14"/>
+              </a:cxn>
+              <a:cxn ang="0">
+                <a:pos x="connsiteX15" y="connsiteY15"/>
+              </a:cxn>
+              <a:cxn ang="0">
+                <a:pos x="connsiteX16" y="connsiteY16"/>
+              </a:cxn>
+              <a:cxn ang="0">
+                <a:pos x="connsiteX17" y="connsiteY17"/>
+              </a:cxn>
+              <a:cxn ang="0">
+                <a:pos x="connsiteX18" y="connsiteY18"/>
+              </a:cxn>
+              <a:cxn ang="0">
+                <a:pos x="connsiteX19" y="connsiteY19"/>
+              </a:cxn>
+              <a:cxn ang="0">
+                <a:pos x="connsiteX20" y="connsiteY20"/>
+              </a:cxn>
+              <a:cxn ang="0">
+                <a:pos x="connsiteX21" y="connsiteY21"/>
+              </a:cxn>
+              <a:cxn ang="0">
+                <a:pos x="connsiteX22" y="connsiteY22"/>
+              </a:cxn>
+              <a:cxn ang="0">
+                <a:pos x="connsiteX23" y="connsiteY23"/>
+              </a:cxn>
+              <a:cxn ang="0">
+                <a:pos x="connsiteX24" y="connsiteY24"/>
+              </a:cxn>
+              <a:cxn ang="0">
+                <a:pos x="connsiteX25" y="connsiteY25"/>
+              </a:cxn>
+              <a:cxn ang="0">
+                <a:pos x="connsiteX26" y="connsiteY26"/>
+              </a:cxn>
+              <a:cxn ang="0">
+                <a:pos x="connsiteX27" y="connsiteY27"/>
+              </a:cxn>
+              <a:cxn ang="0">
+                <a:pos x="connsiteX28" y="connsiteY28"/>
+              </a:cxn>
+              <a:cxn ang="0">
+                <a:pos x="connsiteX29" y="connsiteY29"/>
+              </a:cxn>
+            </a:cxnLst>
+            <a:rect l="l" t="t" r="r" b="b"/>
+            <a:pathLst>
+              <a:path w="2159114" h="6329549" extrusionOk="0">
+                <a:moveTo>
+                  <a:pt x="0" y="0"/>
+                </a:moveTo>
+                <a:cubicBezTo>
+                  <a:pt x="153598" y="-10602"/>
+                  <a:pt x="296695" y="-1798"/>
+                  <a:pt x="518187" y="0"/>
+                </a:cubicBezTo>
+                <a:cubicBezTo>
+                  <a:pt x="739679" y="1798"/>
+                  <a:pt x="870580" y="8209"/>
+                  <a:pt x="993192" y="0"/>
+                </a:cubicBezTo>
+                <a:cubicBezTo>
+                  <a:pt x="1115804" y="-8209"/>
+                  <a:pt x="1368919" y="-407"/>
+                  <a:pt x="1576153" y="0"/>
+                </a:cubicBezTo>
+                <a:cubicBezTo>
+                  <a:pt x="1783387" y="407"/>
+                  <a:pt x="1884371" y="-7521"/>
+                  <a:pt x="2159114" y="0"/>
+                </a:cubicBezTo>
+                <a:cubicBezTo>
+                  <a:pt x="2138204" y="200821"/>
+                  <a:pt x="2148651" y="419237"/>
+                  <a:pt x="2159114" y="569659"/>
+                </a:cubicBezTo>
+                <a:cubicBezTo>
+                  <a:pt x="2169577" y="720081"/>
+                  <a:pt x="2165485" y="961969"/>
+                  <a:pt x="2159114" y="1076023"/>
+                </a:cubicBezTo>
+                <a:cubicBezTo>
+                  <a:pt x="2152743" y="1190077"/>
+                  <a:pt x="2187683" y="1515117"/>
+                  <a:pt x="2159114" y="1708978"/>
+                </a:cubicBezTo>
+                <a:cubicBezTo>
+                  <a:pt x="2130545" y="1902839"/>
+                  <a:pt x="2178889" y="2116126"/>
+                  <a:pt x="2159114" y="2341933"/>
+                </a:cubicBezTo>
+                <a:cubicBezTo>
+                  <a:pt x="2139339" y="2567741"/>
+                  <a:pt x="2169841" y="2638687"/>
+                  <a:pt x="2159114" y="2848297"/>
+                </a:cubicBezTo>
+                <a:cubicBezTo>
+                  <a:pt x="2148387" y="3057907"/>
+                  <a:pt x="2145474" y="3223474"/>
+                  <a:pt x="2159114" y="3354661"/>
+                </a:cubicBezTo>
+                <a:cubicBezTo>
+                  <a:pt x="2172754" y="3485848"/>
+                  <a:pt x="2152597" y="3772064"/>
+                  <a:pt x="2159114" y="3987616"/>
+                </a:cubicBezTo>
+                <a:cubicBezTo>
+                  <a:pt x="2165631" y="4203168"/>
+                  <a:pt x="2136978" y="4508507"/>
+                  <a:pt x="2159114" y="4683866"/>
+                </a:cubicBezTo>
+                <a:cubicBezTo>
+                  <a:pt x="2181251" y="4859225"/>
+                  <a:pt x="2137201" y="4979900"/>
+                  <a:pt x="2159114" y="5126935"/>
+                </a:cubicBezTo>
+                <a:cubicBezTo>
+                  <a:pt x="2181027" y="5273970"/>
+                  <a:pt x="2169719" y="5572977"/>
+                  <a:pt x="2159114" y="5759890"/>
+                </a:cubicBezTo>
+                <a:cubicBezTo>
+                  <a:pt x="2148509" y="5946804"/>
+                  <a:pt x="2149611" y="6140450"/>
+                  <a:pt x="2159114" y="6329549"/>
+                </a:cubicBezTo>
+                <a:cubicBezTo>
+                  <a:pt x="2043621" y="6313718"/>
+                  <a:pt x="1786203" y="6339783"/>
+                  <a:pt x="1619336" y="6329549"/>
+                </a:cubicBezTo>
+                <a:cubicBezTo>
+                  <a:pt x="1452469" y="6319315"/>
+                  <a:pt x="1265422" y="6308037"/>
+                  <a:pt x="1036375" y="6329549"/>
+                </a:cubicBezTo>
+                <a:cubicBezTo>
+                  <a:pt x="807328" y="6351061"/>
+                  <a:pt x="760671" y="6343995"/>
+                  <a:pt x="496596" y="6329549"/>
+                </a:cubicBezTo>
+                <a:cubicBezTo>
+                  <a:pt x="232521" y="6315103"/>
+                  <a:pt x="246668" y="6320310"/>
+                  <a:pt x="0" y="6329549"/>
+                </a:cubicBezTo>
+                <a:cubicBezTo>
+                  <a:pt x="16136" y="6197450"/>
+                  <a:pt x="-7537" y="6046910"/>
+                  <a:pt x="0" y="5823185"/>
+                </a:cubicBezTo>
+                <a:cubicBezTo>
+                  <a:pt x="7537" y="5599460"/>
+                  <a:pt x="-3607" y="5489266"/>
+                  <a:pt x="0" y="5253526"/>
+                </a:cubicBezTo>
+                <a:cubicBezTo>
+                  <a:pt x="3607" y="5017786"/>
+                  <a:pt x="-19623" y="4655754"/>
+                  <a:pt x="0" y="4493980"/>
+                </a:cubicBezTo>
+                <a:cubicBezTo>
+                  <a:pt x="19623" y="4332206"/>
+                  <a:pt x="-5848" y="4029833"/>
+                  <a:pt x="0" y="3861025"/>
+                </a:cubicBezTo>
+                <a:cubicBezTo>
+                  <a:pt x="5848" y="3692218"/>
+                  <a:pt x="-7646" y="3525598"/>
+                  <a:pt x="0" y="3291365"/>
+                </a:cubicBezTo>
+                <a:cubicBezTo>
+                  <a:pt x="7646" y="3057132"/>
+                  <a:pt x="10510" y="3024866"/>
+                  <a:pt x="0" y="2848297"/>
+                </a:cubicBezTo>
+                <a:cubicBezTo>
+                  <a:pt x="-10510" y="2671728"/>
+                  <a:pt x="-18154" y="2558039"/>
+                  <a:pt x="0" y="2405229"/>
+                </a:cubicBezTo>
+                <a:cubicBezTo>
+                  <a:pt x="18154" y="2252419"/>
+                  <a:pt x="-27832" y="1987172"/>
+                  <a:pt x="0" y="1708978"/>
+                </a:cubicBezTo>
+                <a:cubicBezTo>
+                  <a:pt x="27832" y="1430784"/>
+                  <a:pt x="23812" y="1376786"/>
+                  <a:pt x="0" y="1202614"/>
+                </a:cubicBezTo>
+                <a:cubicBezTo>
+                  <a:pt x="-23812" y="1028442"/>
+                  <a:pt x="-1577" y="588094"/>
+                  <a:pt x="0" y="0"/>
+                </a:cubicBezTo>
+                <a:close/>
+              </a:path>
+            </a:pathLst>
+          </a:custGeom>
+          <a:noFill/>
+          <a:ln w="22225">
+            <a:solidFill>
+              <a:schemeClr val="tx1"/>
+            </a:solidFill>
+            <a:extLst>
+              <a:ext uri="{C807C97D-BFC1-408E-A445-0C87EB9F89A2}">
+                <ask:lineSketchStyleProps xmlns:ask="http://schemas.microsoft.com/office/drawing/2018/sketchyshapes" sd="1219033472">
+                  <a:prstGeom prst="rect">
+                    <a:avLst/>
+                  </a:prstGeom>
+                  <ask:type>
+                    <ask:lineSketchFreehand/>
+                  </ask:type>
+                </ask:lineSketchStyleProps>
+              </a:ext>
+            </a:extLst>
+          </a:ln>
+        </p:spPr>
+        <p:style>
+          <a:lnRef idx="2">
+            <a:schemeClr val="accent1">
+              <a:shade val="50000"/>
+            </a:schemeClr>
+          </a:lnRef>
+          <a:fillRef idx="1">
+            <a:schemeClr val="accent1"/>
+          </a:fillRef>
+          <a:effectRef idx="0">
+            <a:schemeClr val="accent1"/>
+          </a:effectRef>
+          <a:fontRef idx="minor">
+            <a:schemeClr val="lt1"/>
+          </a:fontRef>
+        </p:style>
+        <p:txBody>
+          <a:bodyPr rtlCol="0" anchor="ctr"/>
+          <a:lstStyle/>
+          <a:p>
+            <a:pPr algn="ctr"/>
+            <a:endParaRPr lang="en-US"/>
+          </a:p>
+        </p:txBody>
+      </p:sp>
+      <p:grpSp>
+        <p:nvGrpSpPr>
+          <p:cNvPr id="109" name="Group 108">
+            <a:extLst>
+              <a:ext uri="{FF2B5EF4-FFF2-40B4-BE49-F238E27FC236}">
+                <a16:creationId xmlns:a16="http://schemas.microsoft.com/office/drawing/2014/main" id="{840081B9-6B91-CC4D-863D-E63DF85780B8}"/>
+              </a:ext>
+            </a:extLst>
+          </p:cNvPr>
+          <p:cNvGrpSpPr/>
+          <p:nvPr/>
+        </p:nvGrpSpPr>
+        <p:grpSpPr>
+          <a:xfrm>
+            <a:off x="8239859" y="3802261"/>
+            <a:ext cx="347809" cy="296599"/>
+            <a:chOff x="8239859" y="3802261"/>
+            <a:chExt cx="347809" cy="296599"/>
+          </a:xfrm>
+        </p:grpSpPr>
+        <p:cxnSp>
+          <p:nvCxnSpPr>
+            <p:cNvPr id="22" name="Straight Connector 21">
+              <a:extLst>
+                <a:ext uri="{FF2B5EF4-FFF2-40B4-BE49-F238E27FC236}">
+                  <a16:creationId xmlns:a16="http://schemas.microsoft.com/office/drawing/2014/main" id="{FB270535-E885-7447-A5C0-B09524003DCA}"/>
+                </a:ext>
+              </a:extLst>
+            </p:cNvPr>
+            <p:cNvCxnSpPr>
+              <a:cxnSpLocks/>
+            </p:cNvCxnSpPr>
+            <p:nvPr/>
+          </p:nvCxnSpPr>
+          <p:spPr>
+            <a:xfrm>
+              <a:off x="8239859" y="3813919"/>
+              <a:ext cx="347809" cy="273261"/>
+            </a:xfrm>
+            <a:prstGeom prst="line">
+              <a:avLst/>
+            </a:prstGeom>
+            <a:ln w="38100">
+              <a:solidFill>
+                <a:schemeClr val="tx1"/>
+              </a:solidFill>
+            </a:ln>
+          </p:spPr>
+          <p:style>
+            <a:lnRef idx="1">
+              <a:schemeClr val="accent1"/>
+            </a:lnRef>
+            <a:fillRef idx="0">
+              <a:schemeClr val="accent1"/>
+            </a:fillRef>
+            <a:effectRef idx="0">
+              <a:schemeClr val="accent1"/>
+            </a:effectRef>
+            <a:fontRef idx="minor">
+              <a:schemeClr val="tx1"/>
+            </a:fontRef>
+          </p:style>
+        </p:cxnSp>
+        <p:cxnSp>
+          <p:nvCxnSpPr>
+            <p:cNvPr id="108" name="Straight Connector 107">
+              <a:extLst>
+                <a:ext uri="{FF2B5EF4-FFF2-40B4-BE49-F238E27FC236}">
+                  <a16:creationId xmlns:a16="http://schemas.microsoft.com/office/drawing/2014/main" id="{891E2391-67B6-6548-9714-1C0355C85914}"/>
+                </a:ext>
+              </a:extLst>
+            </p:cNvPr>
+            <p:cNvCxnSpPr>
+              <a:cxnSpLocks/>
+            </p:cNvCxnSpPr>
+            <p:nvPr/>
+          </p:nvCxnSpPr>
+          <p:spPr>
+            <a:xfrm flipV="1">
+              <a:off x="8293351" y="3802261"/>
+              <a:ext cx="294317" cy="296599"/>
+            </a:xfrm>
+            <a:prstGeom prst="line">
+              <a:avLst/>
+            </a:prstGeom>
+            <a:ln w="38100">
+              <a:solidFill>
+                <a:schemeClr val="tx1"/>
+              </a:solidFill>
+            </a:ln>
+          </p:spPr>
+          <p:style>
+            <a:lnRef idx="1">
+              <a:schemeClr val="accent1"/>
+            </a:lnRef>
+            <a:fillRef idx="0">
+              <a:schemeClr val="accent1"/>
+            </a:fillRef>
+            <a:effectRef idx="0">
+              <a:schemeClr val="accent1"/>
+            </a:effectRef>
+            <a:fontRef idx="minor">
+              <a:schemeClr val="tx1"/>
+            </a:fontRef>
+          </p:style>
+        </p:cxnSp>
+      </p:grpSp>
+      <p:grpSp>
+        <p:nvGrpSpPr>
+          <p:cNvPr id="110" name="Group 109">
+            <a:extLst>
+              <a:ext uri="{FF2B5EF4-FFF2-40B4-BE49-F238E27FC236}">
+                <a16:creationId xmlns:a16="http://schemas.microsoft.com/office/drawing/2014/main" id="{BE86930B-5CC1-5249-A9DA-F655BA0890EB}"/>
+              </a:ext>
+            </a:extLst>
+          </p:cNvPr>
+          <p:cNvGrpSpPr/>
+          <p:nvPr/>
+        </p:nvGrpSpPr>
+        <p:grpSpPr>
+          <a:xfrm>
+            <a:off x="8229448" y="5022918"/>
+            <a:ext cx="347809" cy="296599"/>
+            <a:chOff x="8239859" y="3802261"/>
+            <a:chExt cx="347809" cy="296599"/>
+          </a:xfrm>
+        </p:grpSpPr>
+        <p:cxnSp>
+          <p:nvCxnSpPr>
+            <p:cNvPr id="111" name="Straight Connector 110">
+              <a:extLst>
+                <a:ext uri="{FF2B5EF4-FFF2-40B4-BE49-F238E27FC236}">
+                  <a16:creationId xmlns:a16="http://schemas.microsoft.com/office/drawing/2014/main" id="{D750E0A8-0B7C-E943-9178-72FA56931D0B}"/>
+                </a:ext>
+              </a:extLst>
+            </p:cNvPr>
+            <p:cNvCxnSpPr>
+              <a:cxnSpLocks/>
+            </p:cNvCxnSpPr>
+            <p:nvPr/>
+          </p:nvCxnSpPr>
+          <p:spPr>
+            <a:xfrm>
+              <a:off x="8239859" y="3813919"/>
+              <a:ext cx="347809" cy="273261"/>
+            </a:xfrm>
+            <a:prstGeom prst="line">
+              <a:avLst/>
+            </a:prstGeom>
+            <a:ln w="38100">
+              <a:solidFill>
+                <a:schemeClr val="tx1"/>
+              </a:solidFill>
+            </a:ln>
+          </p:spPr>
+          <p:style>
+            <a:lnRef idx="1">
+              <a:schemeClr val="accent1"/>
+            </a:lnRef>
+            <a:fillRef idx="0">
+              <a:schemeClr val="accent1"/>
+            </a:fillRef>
+            <a:effectRef idx="0">
+              <a:schemeClr val="accent1"/>
+            </a:effectRef>
+            <a:fontRef idx="minor">
+              <a:schemeClr val="tx1"/>
+            </a:fontRef>
+          </p:style>
+        </p:cxnSp>
+        <p:cxnSp>
+          <p:nvCxnSpPr>
+            <p:cNvPr id="112" name="Straight Connector 111">
+              <a:extLst>
+                <a:ext uri="{FF2B5EF4-FFF2-40B4-BE49-F238E27FC236}">
+                  <a16:creationId xmlns:a16="http://schemas.microsoft.com/office/drawing/2014/main" id="{F0D876AF-3D78-5744-84DF-01442A834268}"/>
+                </a:ext>
+              </a:extLst>
+            </p:cNvPr>
+            <p:cNvCxnSpPr>
+              <a:cxnSpLocks/>
+            </p:cNvCxnSpPr>
+            <p:nvPr/>
+          </p:nvCxnSpPr>
+          <p:spPr>
+            <a:xfrm flipV="1">
+              <a:off x="8293351" y="3802261"/>
+              <a:ext cx="294317" cy="296599"/>
+            </a:xfrm>
+            <a:prstGeom prst="line">
+              <a:avLst/>
+            </a:prstGeom>
+            <a:ln w="38100">
+              <a:solidFill>
+                <a:schemeClr val="tx1"/>
+              </a:solidFill>
+            </a:ln>
+          </p:spPr>
+          <p:style>
+            <a:lnRef idx="1">
+              <a:schemeClr val="accent1"/>
+            </a:lnRef>
+            <a:fillRef idx="0">
+              <a:schemeClr val="accent1"/>
+            </a:fillRef>
+            <a:effectRef idx="0">
+              <a:schemeClr val="accent1"/>
+            </a:effectRef>
+            <a:fontRef idx="minor">
+              <a:schemeClr val="tx1"/>
+            </a:fontRef>
+          </p:style>
+        </p:cxnSp>
+      </p:grpSp>
     </p:spTree>
     <p:extLst>
       <p:ext uri="{BB962C8B-B14F-4D97-AF65-F5344CB8AC3E}">
@@ -9976,47 +11726,119 @@
           <a:chExt cx="0" cy="0"/>
         </a:xfrm>
       </p:grpSpPr>
-      <p:sp>
-        <p:nvSpPr>
-          <p:cNvPr id="117" name="TextBox 116">
-            <a:extLst>
-              <a:ext uri="{FF2B5EF4-FFF2-40B4-BE49-F238E27FC236}">
-                <a16:creationId xmlns:a16="http://schemas.microsoft.com/office/drawing/2014/main" id="{0602350F-0B3C-2144-A8F2-C0AE388483C9}"/>
-              </a:ext>
-            </a:extLst>
-          </p:cNvPr>
-          <p:cNvSpPr txBox="1"/>
-          <p:nvPr/>
-        </p:nvSpPr>
-        <p:spPr>
-          <a:xfrm>
-            <a:off x="342819" y="388830"/>
-            <a:ext cx="4380558" cy="523220"/>
+      <p:pic>
+        <p:nvPicPr>
+          <p:cNvPr id="66" name="Picture 6" descr="Image result for apple">
+            <a:extLst>
+              <a:ext uri="{FF2B5EF4-FFF2-40B4-BE49-F238E27FC236}">
+                <a16:creationId xmlns:a16="http://schemas.microsoft.com/office/drawing/2014/main" id="{CB87F788-703D-1048-8D77-ABD398EE0BF7}"/>
+              </a:ext>
+            </a:extLst>
+          </p:cNvPr>
+          <p:cNvPicPr>
+            <a:picLocks noChangeAspect="1" noChangeArrowheads="1"/>
+          </p:cNvPicPr>
+          <p:nvPr/>
+        </p:nvPicPr>
+        <p:blipFill>
+          <a:blip r:embed="rId3">
+            <a:extLst>
+              <a:ext uri="{28A0092B-C50C-407E-A947-70E740481C1C}">
+                <a14:useLocalDpi xmlns:a14="http://schemas.microsoft.com/office/drawing/2010/main" val="0"/>
+              </a:ext>
+            </a:extLst>
+          </a:blip>
+          <a:srcRect/>
+          <a:stretch>
+            <a:fillRect/>
+          </a:stretch>
+        </p:blipFill>
+        <p:spPr bwMode="auto">
+          <a:xfrm>
+            <a:off x="716218" y="1446253"/>
+            <a:ext cx="282135" cy="335036"/>
           </a:xfrm>
           <a:prstGeom prst="rect">
             <a:avLst/>
           </a:prstGeom>
           <a:noFill/>
-        </p:spPr>
-        <p:txBody>
-          <a:bodyPr wrap="none" rtlCol="0">
-            <a:spAutoFit/>
-          </a:bodyPr>
-          <a:lstStyle/>
-          <a:p>
-            <a:r>
-              <a:rPr lang="en-US" sz="2800" dirty="0"/>
-              <a:t>Solution Architecture - Flows</a:t>
-            </a:r>
-          </a:p>
-        </p:txBody>
-      </p:sp>
-      <p:sp>
-        <p:nvSpPr>
-          <p:cNvPr id="66" name="Oval 65">
-            <a:extLst>
-              <a:ext uri="{FF2B5EF4-FFF2-40B4-BE49-F238E27FC236}">
-                <a16:creationId xmlns:a16="http://schemas.microsoft.com/office/drawing/2014/main" id="{891752E2-DEE6-2443-9C0C-53EB24C7FE81}"/>
+          <a:extLst>
+            <a:ext uri="{909E8E84-426E-40DD-AFC4-6F175D3DCCD1}">
+              <a14:hiddenFill xmlns:a14="http://schemas.microsoft.com/office/drawing/2010/main">
+                <a:solidFill>
+                  <a:srgbClr val="FFFFFF"/>
+                </a:solidFill>
+              </a14:hiddenFill>
+            </a:ext>
+          </a:extLst>
+        </p:spPr>
+      </p:pic>
+      <p:pic>
+        <p:nvPicPr>
+          <p:cNvPr id="67" name="Picture 66">
+            <a:extLst>
+              <a:ext uri="{FF2B5EF4-FFF2-40B4-BE49-F238E27FC236}">
+                <a16:creationId xmlns:a16="http://schemas.microsoft.com/office/drawing/2014/main" id="{45A35994-D591-BC49-8B76-E17D78C7E287}"/>
+              </a:ext>
+            </a:extLst>
+          </p:cNvPr>
+          <p:cNvPicPr>
+            <a:picLocks noChangeAspect="1"/>
+          </p:cNvPicPr>
+          <p:nvPr/>
+        </p:nvPicPr>
+        <p:blipFill>
+          <a:blip r:embed="rId4"/>
+          <a:stretch>
+            <a:fillRect/>
+          </a:stretch>
+        </p:blipFill>
+        <p:spPr>
+          <a:xfrm>
+            <a:off x="657766" y="2310003"/>
+            <a:ext cx="340587" cy="340587"/>
+          </a:xfrm>
+          <a:prstGeom prst="rect">
+            <a:avLst/>
+          </a:prstGeom>
+        </p:spPr>
+      </p:pic>
+      <p:pic>
+        <p:nvPicPr>
+          <p:cNvPr id="68" name="Picture 67">
+            <a:extLst>
+              <a:ext uri="{FF2B5EF4-FFF2-40B4-BE49-F238E27FC236}">
+                <a16:creationId xmlns:a16="http://schemas.microsoft.com/office/drawing/2014/main" id="{AC4180C7-90C8-644E-958B-0D435AE3B489}"/>
+              </a:ext>
+            </a:extLst>
+          </p:cNvPr>
+          <p:cNvPicPr>
+            <a:picLocks noChangeAspect="1"/>
+          </p:cNvPicPr>
+          <p:nvPr/>
+        </p:nvPicPr>
+        <p:blipFill>
+          <a:blip r:embed="rId5"/>
+          <a:stretch>
+            <a:fillRect/>
+          </a:stretch>
+        </p:blipFill>
+        <p:spPr>
+          <a:xfrm>
+            <a:off x="657767" y="3178398"/>
+            <a:ext cx="340586" cy="340586"/>
+          </a:xfrm>
+          <a:prstGeom prst="rect">
+            <a:avLst/>
+          </a:prstGeom>
+        </p:spPr>
+      </p:pic>
+      <p:sp>
+        <p:nvSpPr>
+          <p:cNvPr id="2" name="Rectangle 1">
+            <a:extLst>
+              <a:ext uri="{FF2B5EF4-FFF2-40B4-BE49-F238E27FC236}">
+                <a16:creationId xmlns:a16="http://schemas.microsoft.com/office/drawing/2014/main" id="{A4040B7A-920C-514E-808A-500E3B7BCA82}"/>
               </a:ext>
             </a:extLst>
           </p:cNvPr>
@@ -10025,14 +11847,14 @@
         </p:nvSpPr>
         <p:spPr>
           <a:xfrm>
-            <a:off x="629846" y="1523681"/>
-            <a:ext cx="473822" cy="440985"/>
-          </a:xfrm>
-          <a:prstGeom prst="ellipse">
+            <a:off x="486884" y="1306619"/>
+            <a:ext cx="9518649" cy="593766"/>
+          </a:xfrm>
+          <a:prstGeom prst="rect">
             <a:avLst/>
           </a:prstGeom>
           <a:noFill/>
-          <a:ln w="25400">
+          <a:ln w="28575">
             <a:solidFill>
               <a:schemeClr val="tx1"/>
             </a:solidFill>
@@ -10065,61 +11887,26 @@
       </p:sp>
       <p:sp>
         <p:nvSpPr>
-          <p:cNvPr id="67" name="TextBox 66">
-            <a:extLst>
-              <a:ext uri="{FF2B5EF4-FFF2-40B4-BE49-F238E27FC236}">
-                <a16:creationId xmlns:a16="http://schemas.microsoft.com/office/drawing/2014/main" id="{56FD92C8-8C39-B948-A186-FC4332F9179C}"/>
-              </a:ext>
-            </a:extLst>
-          </p:cNvPr>
-          <p:cNvSpPr txBox="1"/>
-          <p:nvPr/>
-        </p:nvSpPr>
-        <p:spPr>
-          <a:xfrm>
-            <a:off x="715914" y="1578182"/>
-            <a:ext cx="301686" cy="369332"/>
+          <p:cNvPr id="70" name="Rectangle 69">
+            <a:extLst>
+              <a:ext uri="{FF2B5EF4-FFF2-40B4-BE49-F238E27FC236}">
+                <a16:creationId xmlns:a16="http://schemas.microsoft.com/office/drawing/2014/main" id="{0CB733EA-1989-1F4D-83FB-A67EFDFD52E0}"/>
+              </a:ext>
+            </a:extLst>
+          </p:cNvPr>
+          <p:cNvSpPr/>
+          <p:nvPr/>
+        </p:nvSpPr>
+        <p:spPr>
+          <a:xfrm>
+            <a:off x="486885" y="2183414"/>
+            <a:ext cx="9518648" cy="593766"/>
           </a:xfrm>
           <a:prstGeom prst="rect">
             <a:avLst/>
           </a:prstGeom>
           <a:noFill/>
-        </p:spPr>
-        <p:txBody>
-          <a:bodyPr wrap="none" rtlCol="0">
-            <a:spAutoFit/>
-          </a:bodyPr>
-          <a:lstStyle/>
-          <a:p>
-            <a:r>
-              <a:rPr lang="en-US" dirty="0"/>
-              <a:t>1</a:t>
-            </a:r>
-          </a:p>
-        </p:txBody>
-      </p:sp>
-      <p:sp>
-        <p:nvSpPr>
-          <p:cNvPr id="68" name="Oval 67">
-            <a:extLst>
-              <a:ext uri="{FF2B5EF4-FFF2-40B4-BE49-F238E27FC236}">
-                <a16:creationId xmlns:a16="http://schemas.microsoft.com/office/drawing/2014/main" id="{E063A5CA-DA70-6B48-B9AA-E9114EBFBE8E}"/>
-              </a:ext>
-            </a:extLst>
-          </p:cNvPr>
-          <p:cNvSpPr/>
-          <p:nvPr/>
-        </p:nvSpPr>
-        <p:spPr>
-          <a:xfrm>
-            <a:off x="633374" y="2294266"/>
-            <a:ext cx="473822" cy="440985"/>
-          </a:xfrm>
-          <a:prstGeom prst="ellipse">
-            <a:avLst/>
-          </a:prstGeom>
-          <a:noFill/>
-          <a:ln w="25400">
+          <a:ln w="28575">
             <a:solidFill>
               <a:schemeClr val="tx1"/>
             </a:solidFill>
@@ -10152,61 +11939,26 @@
       </p:sp>
       <p:sp>
         <p:nvSpPr>
-          <p:cNvPr id="69" name="TextBox 68">
-            <a:extLst>
-              <a:ext uri="{FF2B5EF4-FFF2-40B4-BE49-F238E27FC236}">
-                <a16:creationId xmlns:a16="http://schemas.microsoft.com/office/drawing/2014/main" id="{17471B9A-DC75-2B47-8B27-7DE03A9B92EE}"/>
-              </a:ext>
-            </a:extLst>
-          </p:cNvPr>
-          <p:cNvSpPr txBox="1"/>
-          <p:nvPr/>
-        </p:nvSpPr>
-        <p:spPr>
-          <a:xfrm>
-            <a:off x="719442" y="2348767"/>
-            <a:ext cx="301686" cy="369332"/>
+          <p:cNvPr id="72" name="Rectangle 71">
+            <a:extLst>
+              <a:ext uri="{FF2B5EF4-FFF2-40B4-BE49-F238E27FC236}">
+                <a16:creationId xmlns:a16="http://schemas.microsoft.com/office/drawing/2014/main" id="{8D1E83B4-C69B-E147-91E3-3FC0C6A23F25}"/>
+              </a:ext>
+            </a:extLst>
+          </p:cNvPr>
+          <p:cNvSpPr/>
+          <p:nvPr/>
+        </p:nvSpPr>
+        <p:spPr>
+          <a:xfrm>
+            <a:off x="486883" y="3051808"/>
+            <a:ext cx="9518649" cy="593766"/>
           </a:xfrm>
           <a:prstGeom prst="rect">
             <a:avLst/>
           </a:prstGeom>
           <a:noFill/>
-        </p:spPr>
-        <p:txBody>
-          <a:bodyPr wrap="none" rtlCol="0">
-            <a:spAutoFit/>
-          </a:bodyPr>
-          <a:lstStyle/>
-          <a:p>
-            <a:r>
-              <a:rPr lang="en-US" dirty="0"/>
-              <a:t>2</a:t>
-            </a:r>
-          </a:p>
-        </p:txBody>
-      </p:sp>
-      <p:sp>
-        <p:nvSpPr>
-          <p:cNvPr id="70" name="Oval 69">
-            <a:extLst>
-              <a:ext uri="{FF2B5EF4-FFF2-40B4-BE49-F238E27FC236}">
-                <a16:creationId xmlns:a16="http://schemas.microsoft.com/office/drawing/2014/main" id="{62F183B9-FB72-EC4B-9910-E5D637947795}"/>
-              </a:ext>
-            </a:extLst>
-          </p:cNvPr>
-          <p:cNvSpPr/>
-          <p:nvPr/>
-        </p:nvSpPr>
-        <p:spPr>
-          <a:xfrm>
-            <a:off x="629846" y="3064851"/>
-            <a:ext cx="473822" cy="440985"/>
-          </a:xfrm>
-          <a:prstGeom prst="ellipse">
-            <a:avLst/>
-          </a:prstGeom>
-          <a:noFill/>
-          <a:ln w="25400">
+          <a:ln w="28575">
             <a:solidFill>
               <a:schemeClr val="tx1"/>
             </a:solidFill>
@@ -10239,45 +11991,10 @@
       </p:sp>
       <p:sp>
         <p:nvSpPr>
-          <p:cNvPr id="72" name="TextBox 71">
-            <a:extLst>
-              <a:ext uri="{FF2B5EF4-FFF2-40B4-BE49-F238E27FC236}">
-                <a16:creationId xmlns:a16="http://schemas.microsoft.com/office/drawing/2014/main" id="{CDA3C7BC-960C-304E-8823-26204C4B3F0D}"/>
-              </a:ext>
-            </a:extLst>
-          </p:cNvPr>
-          <p:cNvSpPr txBox="1"/>
-          <p:nvPr/>
-        </p:nvSpPr>
-        <p:spPr>
-          <a:xfrm>
-            <a:off x="715914" y="3119352"/>
-            <a:ext cx="301686" cy="369332"/>
-          </a:xfrm>
-          <a:prstGeom prst="rect">
-            <a:avLst/>
-          </a:prstGeom>
-          <a:noFill/>
-        </p:spPr>
-        <p:txBody>
-          <a:bodyPr wrap="none" rtlCol="0">
-            <a:spAutoFit/>
-          </a:bodyPr>
-          <a:lstStyle/>
-          <a:p>
-            <a:r>
-              <a:rPr lang="en-US" dirty="0"/>
-              <a:t>3</a:t>
-            </a:r>
-          </a:p>
-        </p:txBody>
-      </p:sp>
-      <p:sp>
-        <p:nvSpPr>
-          <p:cNvPr id="73" name="Oval 72">
-            <a:extLst>
-              <a:ext uri="{FF2B5EF4-FFF2-40B4-BE49-F238E27FC236}">
-                <a16:creationId xmlns:a16="http://schemas.microsoft.com/office/drawing/2014/main" id="{C53C5A40-CC73-FE40-B139-0206EB9B3A49}"/>
+          <p:cNvPr id="73" name="Rectangle 72">
+            <a:extLst>
+              <a:ext uri="{FF2B5EF4-FFF2-40B4-BE49-F238E27FC236}">
+                <a16:creationId xmlns:a16="http://schemas.microsoft.com/office/drawing/2014/main" id="{2BDFBED4-3031-2148-8045-4EBA8068C449}"/>
               </a:ext>
             </a:extLst>
           </p:cNvPr>
@@ -10286,14 +12003,19 @@
         </p:nvSpPr>
         <p:spPr>
           <a:xfrm>
-            <a:off x="634225" y="3756520"/>
-            <a:ext cx="473822" cy="440985"/>
-          </a:xfrm>
-          <a:prstGeom prst="ellipse">
-            <a:avLst/>
-          </a:prstGeom>
-          <a:noFill/>
-          <a:ln w="25400">
+            <a:off x="2495217" y="771887"/>
+            <a:ext cx="1542389" cy="5105060"/>
+          </a:xfrm>
+          <a:prstGeom prst="rect">
+            <a:avLst/>
+          </a:prstGeom>
+          <a:solidFill>
+            <a:schemeClr val="bg2">
+              <a:lumMod val="75000"/>
+              <a:alpha val="73000"/>
+            </a:schemeClr>
+          </a:solidFill>
+          <a:ln w="28575">
             <a:solidFill>
               <a:schemeClr val="tx1"/>
             </a:solidFill>
@@ -10320,16 +12042,16 @@
           <a:lstStyle/>
           <a:p>
             <a:pPr algn="ctr"/>
-            <a:endParaRPr lang="en-US"/>
-          </a:p>
-        </p:txBody>
-      </p:sp>
-      <p:sp>
-        <p:nvSpPr>
-          <p:cNvPr id="75" name="TextBox 74">
-            <a:extLst>
-              <a:ext uri="{FF2B5EF4-FFF2-40B4-BE49-F238E27FC236}">
-                <a16:creationId xmlns:a16="http://schemas.microsoft.com/office/drawing/2014/main" id="{4487912E-54E8-0F40-AF39-805473797043}"/>
+            <a:endParaRPr lang="en-US" dirty="0"/>
+          </a:p>
+        </p:txBody>
+      </p:sp>
+      <p:sp>
+        <p:nvSpPr>
+          <p:cNvPr id="4" name="TextBox 3">
+            <a:extLst>
+              <a:ext uri="{FF2B5EF4-FFF2-40B4-BE49-F238E27FC236}">
+                <a16:creationId xmlns:a16="http://schemas.microsoft.com/office/drawing/2014/main" id="{4DE6F40F-DCC6-5A4E-84DA-8C3D189266E8}"/>
               </a:ext>
             </a:extLst>
           </p:cNvPr>
@@ -10338,8 +12060,8 @@
         </p:nvSpPr>
         <p:spPr>
           <a:xfrm>
-            <a:off x="720293" y="3811021"/>
-            <a:ext cx="301686" cy="369332"/>
+            <a:off x="2690453" y="795773"/>
+            <a:ext cx="1041952" cy="369332"/>
           </a:xfrm>
           <a:prstGeom prst="rect">
             <a:avLst/>
@@ -10347,24 +12069,24 @@
           <a:noFill/>
         </p:spPr>
         <p:txBody>
-          <a:bodyPr wrap="square" rtlCol="0">
+          <a:bodyPr wrap="none" rtlCol="0">
             <a:spAutoFit/>
           </a:bodyPr>
           <a:lstStyle/>
           <a:p>
             <a:r>
               <a:rPr lang="en-US" dirty="0"/>
-              <a:t>4</a:t>
-            </a:r>
-          </a:p>
-        </p:txBody>
-      </p:sp>
-      <p:sp>
-        <p:nvSpPr>
-          <p:cNvPr id="76" name="Oval 75">
-            <a:extLst>
-              <a:ext uri="{FF2B5EF4-FFF2-40B4-BE49-F238E27FC236}">
-                <a16:creationId xmlns:a16="http://schemas.microsoft.com/office/drawing/2014/main" id="{3DC35D3F-82CF-0341-87C9-60A02ABCC1BA}"/>
+              <a:t>Encoding</a:t>
+            </a:r>
+          </a:p>
+        </p:txBody>
+      </p:sp>
+      <p:sp>
+        <p:nvSpPr>
+          <p:cNvPr id="75" name="Rectangle 74">
+            <a:extLst>
+              <a:ext uri="{FF2B5EF4-FFF2-40B4-BE49-F238E27FC236}">
+                <a16:creationId xmlns:a16="http://schemas.microsoft.com/office/drawing/2014/main" id="{E2CDA246-2268-E647-AA54-F6B0C3851577}"/>
               </a:ext>
             </a:extLst>
           </p:cNvPr>
@@ -10373,14 +12095,19 @@
         </p:nvSpPr>
         <p:spPr>
           <a:xfrm>
-            <a:off x="629846" y="4509953"/>
-            <a:ext cx="473822" cy="440985"/>
-          </a:xfrm>
-          <a:prstGeom prst="ellipse">
-            <a:avLst/>
-          </a:prstGeom>
-          <a:noFill/>
-          <a:ln w="25400">
+            <a:off x="4273213" y="795774"/>
+            <a:ext cx="1542389" cy="5081172"/>
+          </a:xfrm>
+          <a:prstGeom prst="rect">
+            <a:avLst/>
+          </a:prstGeom>
+          <a:solidFill>
+            <a:schemeClr val="bg2">
+              <a:lumMod val="75000"/>
+              <a:alpha val="73000"/>
+            </a:schemeClr>
+          </a:solidFill>
+          <a:ln w="28575">
             <a:solidFill>
               <a:schemeClr val="tx1"/>
             </a:solidFill>
@@ -10403,7 +12130,12 @@
           </a:fontRef>
         </p:style>
         <p:txBody>
-          <a:bodyPr rtlCol="0" anchor="ctr"/>
+          <a:bodyPr rot="0" spcFirstLastPara="0" vertOverflow="overflow" horzOverflow="overflow" vert="horz" wrap="square" lIns="91440" tIns="45720" rIns="91440" bIns="45720" numCol="1" spcCol="0" rtlCol="0" fromWordArt="0" anchor="ctr" anchorCtr="0" forceAA="0" compatLnSpc="1">
+            <a:prstTxWarp prst="textNoShape">
+              <a:avLst/>
+            </a:prstTxWarp>
+            <a:noAutofit/>
+          </a:bodyPr>
           <a:lstStyle/>
           <a:p>
             <a:pPr algn="ctr"/>
@@ -10413,10 +12145,10 @@
       </p:sp>
       <p:sp>
         <p:nvSpPr>
-          <p:cNvPr id="78" name="TextBox 77">
-            <a:extLst>
-              <a:ext uri="{FF2B5EF4-FFF2-40B4-BE49-F238E27FC236}">
-                <a16:creationId xmlns:a16="http://schemas.microsoft.com/office/drawing/2014/main" id="{4666F282-2E5B-914E-908C-ABCC6B38D3E8}"/>
+          <p:cNvPr id="76" name="TextBox 75">
+            <a:extLst>
+              <a:ext uri="{FF2B5EF4-FFF2-40B4-BE49-F238E27FC236}">
+                <a16:creationId xmlns:a16="http://schemas.microsoft.com/office/drawing/2014/main" id="{79B691A8-57F1-7747-9F7A-66FC43FDBEDF}"/>
               </a:ext>
             </a:extLst>
           </p:cNvPr>
@@ -10425,43 +12157,8 @@
         </p:nvSpPr>
         <p:spPr>
           <a:xfrm>
-            <a:off x="715914" y="4564454"/>
-            <a:ext cx="301686" cy="369332"/>
-          </a:xfrm>
-          <a:prstGeom prst="rect">
-            <a:avLst/>
-          </a:prstGeom>
-          <a:noFill/>
-        </p:spPr>
-        <p:txBody>
-          <a:bodyPr wrap="square" rtlCol="0">
-            <a:spAutoFit/>
-          </a:bodyPr>
-          <a:lstStyle/>
-          <a:p>
-            <a:r>
-              <a:rPr lang="en-US" dirty="0"/>
-              <a:t>5</a:t>
-            </a:r>
-          </a:p>
-        </p:txBody>
-      </p:sp>
-      <p:sp>
-        <p:nvSpPr>
-          <p:cNvPr id="2" name="TextBox 1">
-            <a:extLst>
-              <a:ext uri="{FF2B5EF4-FFF2-40B4-BE49-F238E27FC236}">
-                <a16:creationId xmlns:a16="http://schemas.microsoft.com/office/drawing/2014/main" id="{FC1646ED-DEAE-614A-8865-A93C98DBF1B3}"/>
-              </a:ext>
-            </a:extLst>
-          </p:cNvPr>
-          <p:cNvSpPr txBox="1"/>
-          <p:nvPr/>
-        </p:nvSpPr>
-        <p:spPr>
-          <a:xfrm>
-            <a:off x="1343025" y="1535318"/>
-            <a:ext cx="6371424" cy="400110"/>
+            <a:off x="4523431" y="795773"/>
+            <a:ext cx="1110304" cy="369332"/>
           </a:xfrm>
           <a:prstGeom prst="rect">
             <a:avLst/>
@@ -10475,9 +12172,71 @@
           <a:lstStyle/>
           <a:p>
             <a:r>
-              <a:rPr lang="en-US" sz="2000" dirty="0"/>
-              <a:t>Source handling of current ingestion workflow – No Change</a:t>
-            </a:r>
+              <a:rPr lang="en-US" dirty="0"/>
+              <a:t>Packaging</a:t>
+            </a:r>
+          </a:p>
+        </p:txBody>
+      </p:sp>
+      <p:sp>
+        <p:nvSpPr>
+          <p:cNvPr id="78" name="Rectangle 77">
+            <a:extLst>
+              <a:ext uri="{FF2B5EF4-FFF2-40B4-BE49-F238E27FC236}">
+                <a16:creationId xmlns:a16="http://schemas.microsoft.com/office/drawing/2014/main" id="{B01EA5CA-3256-0649-B48C-02542A6AA803}"/>
+              </a:ext>
+            </a:extLst>
+          </p:cNvPr>
+          <p:cNvSpPr/>
+          <p:nvPr/>
+        </p:nvSpPr>
+        <p:spPr>
+          <a:xfrm>
+            <a:off x="6091086" y="773355"/>
+            <a:ext cx="1542389" cy="5081171"/>
+          </a:xfrm>
+          <a:prstGeom prst="rect">
+            <a:avLst/>
+          </a:prstGeom>
+          <a:solidFill>
+            <a:schemeClr val="bg2">
+              <a:lumMod val="75000"/>
+              <a:alpha val="73000"/>
+            </a:schemeClr>
+          </a:solidFill>
+          <a:ln w="28575">
+            <a:solidFill>
+              <a:schemeClr val="tx1"/>
+            </a:solidFill>
+          </a:ln>
+        </p:spPr>
+        <p:style>
+          <a:lnRef idx="2">
+            <a:schemeClr val="accent1">
+              <a:shade val="50000"/>
+            </a:schemeClr>
+          </a:lnRef>
+          <a:fillRef idx="1">
+            <a:schemeClr val="accent1"/>
+          </a:fillRef>
+          <a:effectRef idx="0">
+            <a:schemeClr val="accent1"/>
+          </a:effectRef>
+          <a:fontRef idx="minor">
+            <a:schemeClr val="lt1"/>
+          </a:fontRef>
+        </p:style>
+        <p:txBody>
+          <a:bodyPr rot="0" spcFirstLastPara="0" vertOverflow="overflow" horzOverflow="overflow" vert="horz" wrap="square" lIns="91440" tIns="45720" rIns="91440" bIns="45720" numCol="1" spcCol="0" rtlCol="0" fromWordArt="0" anchor="ctr" anchorCtr="0" forceAA="0" compatLnSpc="1">
+            <a:prstTxWarp prst="textNoShape">
+              <a:avLst/>
+            </a:prstTxWarp>
+            <a:noAutofit/>
+          </a:bodyPr>
+          <a:lstStyle/>
+          <a:p>
+            <a:pPr algn="ctr"/>
+            <a:endParaRPr lang="en-US"/>
           </a:p>
         </p:txBody>
       </p:sp>
@@ -10486,7 +12245,7 @@
           <p:cNvPr id="79" name="TextBox 78">
             <a:extLst>
               <a:ext uri="{FF2B5EF4-FFF2-40B4-BE49-F238E27FC236}">
-                <a16:creationId xmlns:a16="http://schemas.microsoft.com/office/drawing/2014/main" id="{8B7A5C6F-0032-3246-94A9-870812F2CED1}"/>
+                <a16:creationId xmlns:a16="http://schemas.microsoft.com/office/drawing/2014/main" id="{79EFF323-24C0-8149-862F-C6C051255167}"/>
               </a:ext>
             </a:extLst>
           </p:cNvPr>
@@ -10495,8 +12254,8 @@
         </p:nvSpPr>
         <p:spPr>
           <a:xfrm>
-            <a:off x="1343025" y="2287228"/>
-            <a:ext cx="9665275" cy="400110"/>
+            <a:off x="6497133" y="828836"/>
+            <a:ext cx="649537" cy="369332"/>
           </a:xfrm>
           <a:prstGeom prst="rect">
             <a:avLst/>
@@ -10510,18 +12269,80 @@
           <a:lstStyle/>
           <a:p>
             <a:r>
-              <a:rPr lang="en-US" sz="2000" dirty="0"/>
-              <a:t>Ingestion backend will require to store streaming URLs and License URL – Change Required </a:t>
-            </a:r>
-          </a:p>
-        </p:txBody>
-      </p:sp>
-      <p:sp>
-        <p:nvSpPr>
-          <p:cNvPr id="81" name="TextBox 80">
-            <a:extLst>
-              <a:ext uri="{FF2B5EF4-FFF2-40B4-BE49-F238E27FC236}">
-                <a16:creationId xmlns:a16="http://schemas.microsoft.com/office/drawing/2014/main" id="{E63F50E7-8541-D240-BA23-A5916883871D}"/>
+              <a:rPr lang="en-US" dirty="0"/>
+              <a:t>DRM</a:t>
+            </a:r>
+          </a:p>
+        </p:txBody>
+      </p:sp>
+      <p:sp>
+        <p:nvSpPr>
+          <p:cNvPr id="81" name="Rectangle 80">
+            <a:extLst>
+              <a:ext uri="{FF2B5EF4-FFF2-40B4-BE49-F238E27FC236}">
+                <a16:creationId xmlns:a16="http://schemas.microsoft.com/office/drawing/2014/main" id="{52943E59-7799-2A41-B981-B5582AA9D21A}"/>
+              </a:ext>
+            </a:extLst>
+          </p:cNvPr>
+          <p:cNvSpPr/>
+          <p:nvPr/>
+        </p:nvSpPr>
+        <p:spPr>
+          <a:xfrm>
+            <a:off x="7934861" y="771886"/>
+            <a:ext cx="1542389" cy="5082640"/>
+          </a:xfrm>
+          <a:prstGeom prst="rect">
+            <a:avLst/>
+          </a:prstGeom>
+          <a:solidFill>
+            <a:schemeClr val="bg2">
+              <a:lumMod val="75000"/>
+              <a:alpha val="73000"/>
+            </a:schemeClr>
+          </a:solidFill>
+          <a:ln w="28575">
+            <a:solidFill>
+              <a:schemeClr val="tx1"/>
+            </a:solidFill>
+          </a:ln>
+        </p:spPr>
+        <p:style>
+          <a:lnRef idx="2">
+            <a:schemeClr val="accent1">
+              <a:shade val="50000"/>
+            </a:schemeClr>
+          </a:lnRef>
+          <a:fillRef idx="1">
+            <a:schemeClr val="accent1"/>
+          </a:fillRef>
+          <a:effectRef idx="0">
+            <a:schemeClr val="accent1"/>
+          </a:effectRef>
+          <a:fontRef idx="minor">
+            <a:schemeClr val="lt1"/>
+          </a:fontRef>
+        </p:style>
+        <p:txBody>
+          <a:bodyPr rot="0" spcFirstLastPara="0" vertOverflow="overflow" horzOverflow="overflow" vert="horz" wrap="square" lIns="91440" tIns="45720" rIns="91440" bIns="45720" numCol="1" spcCol="0" rtlCol="0" fromWordArt="0" anchor="ctr" anchorCtr="0" forceAA="0" compatLnSpc="1">
+            <a:prstTxWarp prst="textNoShape">
+              <a:avLst/>
+            </a:prstTxWarp>
+            <a:noAutofit/>
+          </a:bodyPr>
+          <a:lstStyle/>
+          <a:p>
+            <a:pPr algn="ctr"/>
+            <a:endParaRPr lang="en-US"/>
+          </a:p>
+        </p:txBody>
+      </p:sp>
+      <p:sp>
+        <p:nvSpPr>
+          <p:cNvPr id="82" name="TextBox 81">
+            <a:extLst>
+              <a:ext uri="{FF2B5EF4-FFF2-40B4-BE49-F238E27FC236}">
+                <a16:creationId xmlns:a16="http://schemas.microsoft.com/office/drawing/2014/main" id="{9AE95031-E661-BD42-87DB-163244A93A43}"/>
               </a:ext>
             </a:extLst>
           </p:cNvPr>
@@ -10530,8 +12351,8 @@
         </p:nvSpPr>
         <p:spPr>
           <a:xfrm>
-            <a:off x="1343025" y="3076488"/>
-            <a:ext cx="6301853" cy="400110"/>
+            <a:off x="8104148" y="771886"/>
+            <a:ext cx="1231234" cy="369332"/>
           </a:xfrm>
           <a:prstGeom prst="rect">
             <a:avLst/>
@@ -10545,18 +12366,122 @@
           <a:lstStyle/>
           <a:p>
             <a:r>
-              <a:rPr lang="en-US" sz="2000" dirty="0"/>
-              <a:t>Bitmovin Encoding SDK integration – covered in later slides</a:t>
-            </a:r>
-          </a:p>
-        </p:txBody>
-      </p:sp>
-      <p:sp>
-        <p:nvSpPr>
-          <p:cNvPr id="82" name="TextBox 81">
-            <a:extLst>
-              <a:ext uri="{FF2B5EF4-FFF2-40B4-BE49-F238E27FC236}">
-                <a16:creationId xmlns:a16="http://schemas.microsoft.com/office/drawing/2014/main" id="{D27AAAC5-9E06-204C-8C67-7D99424F2A10}"/>
+              <a:rPr lang="en-US" dirty="0"/>
+              <a:t>Screen Size</a:t>
+            </a:r>
+          </a:p>
+        </p:txBody>
+      </p:sp>
+      <p:sp>
+        <p:nvSpPr>
+          <p:cNvPr id="83" name="Rectangle 82">
+            <a:extLst>
+              <a:ext uri="{FF2B5EF4-FFF2-40B4-BE49-F238E27FC236}">
+                <a16:creationId xmlns:a16="http://schemas.microsoft.com/office/drawing/2014/main" id="{83478AB6-5299-DD4B-9F7F-F742D4D539CA}"/>
+              </a:ext>
+            </a:extLst>
+          </p:cNvPr>
+          <p:cNvSpPr/>
+          <p:nvPr/>
+        </p:nvSpPr>
+        <p:spPr>
+          <a:xfrm>
+            <a:off x="486882" y="3928603"/>
+            <a:ext cx="9518649" cy="593766"/>
+          </a:xfrm>
+          <a:prstGeom prst="rect">
+            <a:avLst/>
+          </a:prstGeom>
+          <a:noFill/>
+          <a:ln w="28575">
+            <a:solidFill>
+              <a:schemeClr val="tx1"/>
+            </a:solidFill>
+          </a:ln>
+        </p:spPr>
+        <p:style>
+          <a:lnRef idx="2">
+            <a:schemeClr val="accent1">
+              <a:shade val="50000"/>
+            </a:schemeClr>
+          </a:lnRef>
+          <a:fillRef idx="1">
+            <a:schemeClr val="accent1"/>
+          </a:fillRef>
+          <a:effectRef idx="0">
+            <a:schemeClr val="accent1"/>
+          </a:effectRef>
+          <a:fontRef idx="minor">
+            <a:schemeClr val="lt1"/>
+          </a:fontRef>
+        </p:style>
+        <p:txBody>
+          <a:bodyPr rtlCol="0" anchor="ctr"/>
+          <a:lstStyle/>
+          <a:p>
+            <a:pPr algn="ctr"/>
+            <a:endParaRPr lang="en-US"/>
+          </a:p>
+        </p:txBody>
+      </p:sp>
+      <p:sp>
+        <p:nvSpPr>
+          <p:cNvPr id="85" name="Rectangle 84">
+            <a:extLst>
+              <a:ext uri="{FF2B5EF4-FFF2-40B4-BE49-F238E27FC236}">
+                <a16:creationId xmlns:a16="http://schemas.microsoft.com/office/drawing/2014/main" id="{4492BAF6-A50D-CC4B-9256-63251BD18389}"/>
+              </a:ext>
+            </a:extLst>
+          </p:cNvPr>
+          <p:cNvSpPr/>
+          <p:nvPr/>
+        </p:nvSpPr>
+        <p:spPr>
+          <a:xfrm>
+            <a:off x="486881" y="4805398"/>
+            <a:ext cx="9518649" cy="593766"/>
+          </a:xfrm>
+          <a:prstGeom prst="rect">
+            <a:avLst/>
+          </a:prstGeom>
+          <a:noFill/>
+          <a:ln w="28575">
+            <a:solidFill>
+              <a:schemeClr val="tx1"/>
+            </a:solidFill>
+          </a:ln>
+        </p:spPr>
+        <p:style>
+          <a:lnRef idx="2">
+            <a:schemeClr val="accent1">
+              <a:shade val="50000"/>
+            </a:schemeClr>
+          </a:lnRef>
+          <a:fillRef idx="1">
+            <a:schemeClr val="accent1"/>
+          </a:fillRef>
+          <a:effectRef idx="0">
+            <a:schemeClr val="accent1"/>
+          </a:effectRef>
+          <a:fontRef idx="minor">
+            <a:schemeClr val="lt1"/>
+          </a:fontRef>
+        </p:style>
+        <p:txBody>
+          <a:bodyPr rtlCol="0" anchor="ctr"/>
+          <a:lstStyle/>
+          <a:p>
+            <a:pPr algn="ctr"/>
+            <a:endParaRPr lang="en-US"/>
+          </a:p>
+        </p:txBody>
+      </p:sp>
+      <p:sp>
+        <p:nvSpPr>
+          <p:cNvPr id="5" name="TextBox 4">
+            <a:extLst>
+              <a:ext uri="{FF2B5EF4-FFF2-40B4-BE49-F238E27FC236}">
+                <a16:creationId xmlns:a16="http://schemas.microsoft.com/office/drawing/2014/main" id="{02A08B10-EFFC-CA4C-9713-B1600EF3E752}"/>
               </a:ext>
             </a:extLst>
           </p:cNvPr>
@@ -10565,8 +12490,8 @@
         </p:nvSpPr>
         <p:spPr>
           <a:xfrm>
-            <a:off x="1343025" y="3785309"/>
-            <a:ext cx="5993115" cy="400110"/>
+            <a:off x="2620940" y="1411957"/>
+            <a:ext cx="1265411" cy="369332"/>
           </a:xfrm>
           <a:prstGeom prst="rect">
             <a:avLst/>
@@ -10580,18 +12505,18 @@
           <a:lstStyle/>
           <a:p>
             <a:r>
-              <a:rPr lang="en-US" sz="2000" dirty="0"/>
-              <a:t>Bitmovin Player SDK integration – covered in later slides</a:t>
-            </a:r>
-          </a:p>
-        </p:txBody>
-      </p:sp>
-      <p:sp>
-        <p:nvSpPr>
-          <p:cNvPr id="83" name="TextBox 82">
-            <a:extLst>
-              <a:ext uri="{FF2B5EF4-FFF2-40B4-BE49-F238E27FC236}">
-                <a16:creationId xmlns:a16="http://schemas.microsoft.com/office/drawing/2014/main" id="{26E447BF-B595-394D-8E88-F893D96C03CF}"/>
+              <a:rPr lang="en-US" dirty="0"/>
+              <a:t>HEVC / AVC</a:t>
+            </a:r>
+          </a:p>
+        </p:txBody>
+      </p:sp>
+      <p:sp>
+        <p:nvSpPr>
+          <p:cNvPr id="86" name="TextBox 85">
+            <a:extLst>
+              <a:ext uri="{FF2B5EF4-FFF2-40B4-BE49-F238E27FC236}">
+                <a16:creationId xmlns:a16="http://schemas.microsoft.com/office/drawing/2014/main" id="{EFFC3544-A487-6E44-ACBA-4C50C94D2C77}"/>
               </a:ext>
             </a:extLst>
           </p:cNvPr>
@@ -10600,8 +12525,8 @@
         </p:nvSpPr>
         <p:spPr>
           <a:xfrm>
-            <a:off x="1343025" y="4538742"/>
-            <a:ext cx="7036285" cy="400110"/>
+            <a:off x="2633705" y="2313546"/>
+            <a:ext cx="1265411" cy="369332"/>
           </a:xfrm>
           <a:prstGeom prst="rect">
             <a:avLst/>
@@ -10615,8 +12540,757 @@
           <a:lstStyle/>
           <a:p>
             <a:r>
-              <a:rPr lang="en-US" sz="2000" dirty="0"/>
-              <a:t>Akamai CDN integration with Amazon S3 Origin – change required</a:t>
+              <a:rPr lang="en-US" dirty="0"/>
+              <a:t>HEVC / AVC</a:t>
+            </a:r>
+          </a:p>
+        </p:txBody>
+      </p:sp>
+      <p:sp>
+        <p:nvSpPr>
+          <p:cNvPr id="87" name="TextBox 86">
+            <a:extLst>
+              <a:ext uri="{FF2B5EF4-FFF2-40B4-BE49-F238E27FC236}">
+                <a16:creationId xmlns:a16="http://schemas.microsoft.com/office/drawing/2014/main" id="{43513397-BDDF-6044-AA2E-EB7C1D535DEE}"/>
+              </a:ext>
+            </a:extLst>
+          </p:cNvPr>
+          <p:cNvSpPr txBox="1"/>
+          <p:nvPr/>
+        </p:nvSpPr>
+        <p:spPr>
+          <a:xfrm>
+            <a:off x="2728298" y="3172426"/>
+            <a:ext cx="1070293" cy="369332"/>
+          </a:xfrm>
+          <a:prstGeom prst="rect">
+            <a:avLst/>
+          </a:prstGeom>
+          <a:noFill/>
+        </p:spPr>
+        <p:txBody>
+          <a:bodyPr wrap="none" rtlCol="0">
+            <a:spAutoFit/>
+          </a:bodyPr>
+          <a:lstStyle/>
+          <a:p>
+            <a:r>
+              <a:rPr lang="en-US" dirty="0"/>
+              <a:t>AVC/ VP9</a:t>
+            </a:r>
+          </a:p>
+        </p:txBody>
+      </p:sp>
+      <p:sp>
+        <p:nvSpPr>
+          <p:cNvPr id="89" name="TextBox 88">
+            <a:extLst>
+              <a:ext uri="{FF2B5EF4-FFF2-40B4-BE49-F238E27FC236}">
+                <a16:creationId xmlns:a16="http://schemas.microsoft.com/office/drawing/2014/main" id="{C0FEAC98-775E-9648-9EE8-6F84B6C52D1D}"/>
+              </a:ext>
+            </a:extLst>
+          </p:cNvPr>
+          <p:cNvSpPr txBox="1"/>
+          <p:nvPr/>
+        </p:nvSpPr>
+        <p:spPr>
+          <a:xfrm>
+            <a:off x="4778148" y="1411957"/>
+            <a:ext cx="532518" cy="369332"/>
+          </a:xfrm>
+          <a:prstGeom prst="rect">
+            <a:avLst/>
+          </a:prstGeom>
+          <a:noFill/>
+        </p:spPr>
+        <p:txBody>
+          <a:bodyPr wrap="none" rtlCol="0">
+            <a:spAutoFit/>
+          </a:bodyPr>
+          <a:lstStyle/>
+          <a:p>
+            <a:r>
+              <a:rPr lang="en-US" dirty="0"/>
+              <a:t>HLS</a:t>
+            </a:r>
+          </a:p>
+        </p:txBody>
+      </p:sp>
+      <p:sp>
+        <p:nvSpPr>
+          <p:cNvPr id="93" name="TextBox 92">
+            <a:extLst>
+              <a:ext uri="{FF2B5EF4-FFF2-40B4-BE49-F238E27FC236}">
+                <a16:creationId xmlns:a16="http://schemas.microsoft.com/office/drawing/2014/main" id="{D170FF7D-AEFF-F343-A528-C24F0DC5679C}"/>
+              </a:ext>
+            </a:extLst>
+          </p:cNvPr>
+          <p:cNvSpPr txBox="1"/>
+          <p:nvPr/>
+        </p:nvSpPr>
+        <p:spPr>
+          <a:xfrm>
+            <a:off x="6405712" y="1411957"/>
+            <a:ext cx="913135" cy="369332"/>
+          </a:xfrm>
+          <a:prstGeom prst="rect">
+            <a:avLst/>
+          </a:prstGeom>
+          <a:noFill/>
+        </p:spPr>
+        <p:txBody>
+          <a:bodyPr wrap="none" rtlCol="0">
+            <a:spAutoFit/>
+          </a:bodyPr>
+          <a:lstStyle/>
+          <a:p>
+            <a:r>
+              <a:rPr lang="en-US" dirty="0" err="1"/>
+              <a:t>Fairplay</a:t>
+            </a:r>
+            <a:endParaRPr lang="en-US" dirty="0"/>
+          </a:p>
+        </p:txBody>
+      </p:sp>
+      <p:sp>
+        <p:nvSpPr>
+          <p:cNvPr id="96" name="TextBox 95">
+            <a:extLst>
+              <a:ext uri="{FF2B5EF4-FFF2-40B4-BE49-F238E27FC236}">
+                <a16:creationId xmlns:a16="http://schemas.microsoft.com/office/drawing/2014/main" id="{422FBD98-54BC-4747-8F5B-DEC4B8F02365}"/>
+              </a:ext>
+            </a:extLst>
+          </p:cNvPr>
+          <p:cNvSpPr txBox="1"/>
+          <p:nvPr/>
+        </p:nvSpPr>
+        <p:spPr>
+          <a:xfrm>
+            <a:off x="8216978" y="1411957"/>
+            <a:ext cx="978153" cy="369332"/>
+          </a:xfrm>
+          <a:prstGeom prst="rect">
+            <a:avLst/>
+          </a:prstGeom>
+          <a:noFill/>
+        </p:spPr>
+        <p:txBody>
+          <a:bodyPr wrap="none" rtlCol="0">
+            <a:spAutoFit/>
+          </a:bodyPr>
+          <a:lstStyle/>
+          <a:p>
+            <a:r>
+              <a:rPr lang="en-US" dirty="0"/>
+              <a:t>Medium</a:t>
+            </a:r>
+          </a:p>
+        </p:txBody>
+      </p:sp>
+      <p:sp>
+        <p:nvSpPr>
+          <p:cNvPr id="98" name="TextBox 97">
+            <a:extLst>
+              <a:ext uri="{FF2B5EF4-FFF2-40B4-BE49-F238E27FC236}">
+                <a16:creationId xmlns:a16="http://schemas.microsoft.com/office/drawing/2014/main" id="{D45F1A5A-E9F3-9845-BC99-A9841AAD9CE2}"/>
+              </a:ext>
+            </a:extLst>
+          </p:cNvPr>
+          <p:cNvSpPr txBox="1"/>
+          <p:nvPr/>
+        </p:nvSpPr>
+        <p:spPr>
+          <a:xfrm>
+            <a:off x="4494957" y="2287230"/>
+            <a:ext cx="1250471" cy="369332"/>
+          </a:xfrm>
+          <a:prstGeom prst="rect">
+            <a:avLst/>
+          </a:prstGeom>
+          <a:noFill/>
+        </p:spPr>
+        <p:txBody>
+          <a:bodyPr wrap="none" rtlCol="0">
+            <a:spAutoFit/>
+          </a:bodyPr>
+          <a:lstStyle/>
+          <a:p>
+            <a:r>
+              <a:rPr lang="en-US" dirty="0"/>
+              <a:t>HLS / DASH</a:t>
+            </a:r>
+          </a:p>
+        </p:txBody>
+      </p:sp>
+      <p:sp>
+        <p:nvSpPr>
+          <p:cNvPr id="100" name="TextBox 99">
+            <a:extLst>
+              <a:ext uri="{FF2B5EF4-FFF2-40B4-BE49-F238E27FC236}">
+                <a16:creationId xmlns:a16="http://schemas.microsoft.com/office/drawing/2014/main" id="{4D3E5589-2BED-6A47-AFBD-21B319F3EDF9}"/>
+              </a:ext>
+            </a:extLst>
+          </p:cNvPr>
+          <p:cNvSpPr txBox="1"/>
+          <p:nvPr/>
+        </p:nvSpPr>
+        <p:spPr>
+          <a:xfrm>
+            <a:off x="4472000" y="3134108"/>
+            <a:ext cx="1250471" cy="369332"/>
+          </a:xfrm>
+          <a:prstGeom prst="rect">
+            <a:avLst/>
+          </a:prstGeom>
+          <a:noFill/>
+        </p:spPr>
+        <p:txBody>
+          <a:bodyPr wrap="none" rtlCol="0">
+            <a:spAutoFit/>
+          </a:bodyPr>
+          <a:lstStyle/>
+          <a:p>
+            <a:r>
+              <a:rPr lang="en-US" dirty="0"/>
+              <a:t>HLS / DASH</a:t>
+            </a:r>
+          </a:p>
+        </p:txBody>
+      </p:sp>
+      <p:sp>
+        <p:nvSpPr>
+          <p:cNvPr id="102" name="TextBox 101">
+            <a:extLst>
+              <a:ext uri="{FF2B5EF4-FFF2-40B4-BE49-F238E27FC236}">
+                <a16:creationId xmlns:a16="http://schemas.microsoft.com/office/drawing/2014/main" id="{237BDAA9-868D-4D43-BF5D-551FBA3A6766}"/>
+              </a:ext>
+            </a:extLst>
+          </p:cNvPr>
+          <p:cNvSpPr txBox="1"/>
+          <p:nvPr/>
+        </p:nvSpPr>
+        <p:spPr>
+          <a:xfrm>
+            <a:off x="6399249" y="2237740"/>
+            <a:ext cx="917944" cy="523220"/>
+          </a:xfrm>
+          <a:prstGeom prst="rect">
+            <a:avLst/>
+          </a:prstGeom>
+          <a:noFill/>
+        </p:spPr>
+        <p:txBody>
+          <a:bodyPr wrap="none" rtlCol="0">
+            <a:spAutoFit/>
+          </a:bodyPr>
+          <a:lstStyle/>
+          <a:p>
+            <a:pPr algn="ctr"/>
+            <a:r>
+              <a:rPr lang="en-US" sz="1400" dirty="0" err="1"/>
+              <a:t>Widevine</a:t>
+            </a:r>
+            <a:r>
+              <a:rPr lang="en-US" sz="1400" dirty="0"/>
+              <a:t> </a:t>
+            </a:r>
+          </a:p>
+          <a:p>
+            <a:pPr algn="ctr"/>
+            <a:r>
+              <a:rPr lang="en-US" sz="1400" dirty="0"/>
+              <a:t>CENC</a:t>
+            </a:r>
+          </a:p>
+        </p:txBody>
+      </p:sp>
+      <p:sp>
+        <p:nvSpPr>
+          <p:cNvPr id="103" name="TextBox 102">
+            <a:extLst>
+              <a:ext uri="{FF2B5EF4-FFF2-40B4-BE49-F238E27FC236}">
+                <a16:creationId xmlns:a16="http://schemas.microsoft.com/office/drawing/2014/main" id="{B3A1B6FE-84AF-B840-8CEC-2CF747F915AF}"/>
+              </a:ext>
+            </a:extLst>
+          </p:cNvPr>
+          <p:cNvSpPr txBox="1"/>
+          <p:nvPr/>
+        </p:nvSpPr>
+        <p:spPr>
+          <a:xfrm>
+            <a:off x="6399249" y="3079262"/>
+            <a:ext cx="917944" cy="523220"/>
+          </a:xfrm>
+          <a:prstGeom prst="rect">
+            <a:avLst/>
+          </a:prstGeom>
+          <a:noFill/>
+        </p:spPr>
+        <p:txBody>
+          <a:bodyPr wrap="none" rtlCol="0">
+            <a:spAutoFit/>
+          </a:bodyPr>
+          <a:lstStyle/>
+          <a:p>
+            <a:pPr algn="ctr"/>
+            <a:r>
+              <a:rPr lang="en-US" sz="1400" dirty="0" err="1"/>
+              <a:t>Widevine</a:t>
+            </a:r>
+            <a:r>
+              <a:rPr lang="en-US" sz="1400" dirty="0"/>
+              <a:t> </a:t>
+            </a:r>
+          </a:p>
+          <a:p>
+            <a:pPr algn="ctr"/>
+            <a:r>
+              <a:rPr lang="en-US" sz="1400" dirty="0"/>
+              <a:t>CENC</a:t>
+            </a:r>
+          </a:p>
+        </p:txBody>
+      </p:sp>
+      <p:sp>
+        <p:nvSpPr>
+          <p:cNvPr id="106" name="TextBox 105">
+            <a:extLst>
+              <a:ext uri="{FF2B5EF4-FFF2-40B4-BE49-F238E27FC236}">
+                <a16:creationId xmlns:a16="http://schemas.microsoft.com/office/drawing/2014/main" id="{84E6D545-D0F0-AD4B-AE72-E5C54DF2D2B4}"/>
+              </a:ext>
+            </a:extLst>
+          </p:cNvPr>
+          <p:cNvSpPr txBox="1"/>
+          <p:nvPr/>
+        </p:nvSpPr>
+        <p:spPr>
+          <a:xfrm>
+            <a:off x="8216977" y="2287573"/>
+            <a:ext cx="978153" cy="369332"/>
+          </a:xfrm>
+          <a:prstGeom prst="rect">
+            <a:avLst/>
+          </a:prstGeom>
+          <a:noFill/>
+        </p:spPr>
+        <p:txBody>
+          <a:bodyPr wrap="none" rtlCol="0">
+            <a:spAutoFit/>
+          </a:bodyPr>
+          <a:lstStyle/>
+          <a:p>
+            <a:r>
+              <a:rPr lang="en-US" dirty="0"/>
+              <a:t>Medium</a:t>
+            </a:r>
+          </a:p>
+        </p:txBody>
+      </p:sp>
+      <p:sp>
+        <p:nvSpPr>
+          <p:cNvPr id="112" name="TextBox 111">
+            <a:extLst>
+              <a:ext uri="{FF2B5EF4-FFF2-40B4-BE49-F238E27FC236}">
+                <a16:creationId xmlns:a16="http://schemas.microsoft.com/office/drawing/2014/main" id="{6271D992-D832-2F49-A43E-42043AFC16BB}"/>
+              </a:ext>
+            </a:extLst>
+          </p:cNvPr>
+          <p:cNvSpPr txBox="1"/>
+          <p:nvPr/>
+        </p:nvSpPr>
+        <p:spPr>
+          <a:xfrm>
+            <a:off x="8216976" y="3059426"/>
+            <a:ext cx="978153" cy="369332"/>
+          </a:xfrm>
+          <a:prstGeom prst="rect">
+            <a:avLst/>
+          </a:prstGeom>
+          <a:noFill/>
+        </p:spPr>
+        <p:txBody>
+          <a:bodyPr wrap="none" rtlCol="0">
+            <a:spAutoFit/>
+          </a:bodyPr>
+          <a:lstStyle/>
+          <a:p>
+            <a:r>
+              <a:rPr lang="en-US" dirty="0"/>
+              <a:t>Medium</a:t>
+            </a:r>
+          </a:p>
+        </p:txBody>
+      </p:sp>
+      <p:sp>
+        <p:nvSpPr>
+          <p:cNvPr id="9" name="TextBox 8">
+            <a:extLst>
+              <a:ext uri="{FF2B5EF4-FFF2-40B4-BE49-F238E27FC236}">
+                <a16:creationId xmlns:a16="http://schemas.microsoft.com/office/drawing/2014/main" id="{428C7FC6-2316-314E-A6BD-1A628C0D55FE}"/>
+              </a:ext>
+            </a:extLst>
+          </p:cNvPr>
+          <p:cNvSpPr txBox="1"/>
+          <p:nvPr/>
+        </p:nvSpPr>
+        <p:spPr>
+          <a:xfrm>
+            <a:off x="579618" y="4040820"/>
+            <a:ext cx="1298561" cy="369332"/>
+          </a:xfrm>
+          <a:prstGeom prst="rect">
+            <a:avLst/>
+          </a:prstGeom>
+          <a:noFill/>
+        </p:spPr>
+        <p:txBody>
+          <a:bodyPr wrap="none" rtlCol="0">
+            <a:spAutoFit/>
+          </a:bodyPr>
+          <a:lstStyle/>
+          <a:p>
+            <a:r>
+              <a:rPr lang="en-US" dirty="0"/>
+              <a:t>Chromecast</a:t>
+            </a:r>
+          </a:p>
+        </p:txBody>
+      </p:sp>
+      <p:sp>
+        <p:nvSpPr>
+          <p:cNvPr id="125" name="TextBox 124">
+            <a:extLst>
+              <a:ext uri="{FF2B5EF4-FFF2-40B4-BE49-F238E27FC236}">
+                <a16:creationId xmlns:a16="http://schemas.microsoft.com/office/drawing/2014/main" id="{B74F642C-6E5E-6A4D-BCBE-D74A101DC371}"/>
+              </a:ext>
+            </a:extLst>
+          </p:cNvPr>
+          <p:cNvSpPr txBox="1"/>
+          <p:nvPr/>
+        </p:nvSpPr>
+        <p:spPr>
+          <a:xfrm>
+            <a:off x="2595681" y="4048584"/>
+            <a:ext cx="1265411" cy="369332"/>
+          </a:xfrm>
+          <a:prstGeom prst="rect">
+            <a:avLst/>
+          </a:prstGeom>
+          <a:noFill/>
+        </p:spPr>
+        <p:txBody>
+          <a:bodyPr wrap="none" rtlCol="0">
+            <a:spAutoFit/>
+          </a:bodyPr>
+          <a:lstStyle/>
+          <a:p>
+            <a:r>
+              <a:rPr lang="en-US" dirty="0"/>
+              <a:t>HEVC / AVC</a:t>
+            </a:r>
+          </a:p>
+        </p:txBody>
+      </p:sp>
+      <p:sp>
+        <p:nvSpPr>
+          <p:cNvPr id="126" name="TextBox 125">
+            <a:extLst>
+              <a:ext uri="{FF2B5EF4-FFF2-40B4-BE49-F238E27FC236}">
+                <a16:creationId xmlns:a16="http://schemas.microsoft.com/office/drawing/2014/main" id="{698D79B7-7746-8144-846B-84F2D7DE881E}"/>
+              </a:ext>
+            </a:extLst>
+          </p:cNvPr>
+          <p:cNvSpPr txBox="1"/>
+          <p:nvPr/>
+        </p:nvSpPr>
+        <p:spPr>
+          <a:xfrm>
+            <a:off x="4419171" y="4015096"/>
+            <a:ext cx="1250471" cy="369332"/>
+          </a:xfrm>
+          <a:prstGeom prst="rect">
+            <a:avLst/>
+          </a:prstGeom>
+          <a:noFill/>
+        </p:spPr>
+        <p:txBody>
+          <a:bodyPr wrap="none" rtlCol="0">
+            <a:spAutoFit/>
+          </a:bodyPr>
+          <a:lstStyle/>
+          <a:p>
+            <a:r>
+              <a:rPr lang="en-US" dirty="0"/>
+              <a:t>HLS / DASH</a:t>
+            </a:r>
+          </a:p>
+        </p:txBody>
+      </p:sp>
+      <p:sp>
+        <p:nvSpPr>
+          <p:cNvPr id="129" name="TextBox 128">
+            <a:extLst>
+              <a:ext uri="{FF2B5EF4-FFF2-40B4-BE49-F238E27FC236}">
+                <a16:creationId xmlns:a16="http://schemas.microsoft.com/office/drawing/2014/main" id="{CBF460E8-EA48-F549-AA17-4EE3F2B2CEE9}"/>
+              </a:ext>
+            </a:extLst>
+          </p:cNvPr>
+          <p:cNvSpPr txBox="1"/>
+          <p:nvPr/>
+        </p:nvSpPr>
+        <p:spPr>
+          <a:xfrm>
+            <a:off x="6399249" y="3971640"/>
+            <a:ext cx="917944" cy="523220"/>
+          </a:xfrm>
+          <a:prstGeom prst="rect">
+            <a:avLst/>
+          </a:prstGeom>
+          <a:noFill/>
+        </p:spPr>
+        <p:txBody>
+          <a:bodyPr wrap="none" rtlCol="0">
+            <a:spAutoFit/>
+          </a:bodyPr>
+          <a:lstStyle/>
+          <a:p>
+            <a:pPr algn="ctr"/>
+            <a:r>
+              <a:rPr lang="en-US" sz="1400" dirty="0" err="1"/>
+              <a:t>Widevine</a:t>
+            </a:r>
+            <a:r>
+              <a:rPr lang="en-US" sz="1400" dirty="0"/>
+              <a:t> </a:t>
+            </a:r>
+          </a:p>
+          <a:p>
+            <a:pPr algn="ctr"/>
+            <a:r>
+              <a:rPr lang="en-US" sz="1400" dirty="0"/>
+              <a:t>CENC</a:t>
+            </a:r>
+          </a:p>
+        </p:txBody>
+      </p:sp>
+      <p:sp>
+        <p:nvSpPr>
+          <p:cNvPr id="130" name="TextBox 129">
+            <a:extLst>
+              <a:ext uri="{FF2B5EF4-FFF2-40B4-BE49-F238E27FC236}">
+                <a16:creationId xmlns:a16="http://schemas.microsoft.com/office/drawing/2014/main" id="{91CA9455-7130-D440-9197-6C4ED5F9ECA7}"/>
+              </a:ext>
+            </a:extLst>
+          </p:cNvPr>
+          <p:cNvSpPr txBox="1"/>
+          <p:nvPr/>
+        </p:nvSpPr>
+        <p:spPr>
+          <a:xfrm>
+            <a:off x="8373484" y="4016342"/>
+            <a:ext cx="692562" cy="369332"/>
+          </a:xfrm>
+          <a:prstGeom prst="rect">
+            <a:avLst/>
+          </a:prstGeom>
+          <a:noFill/>
+        </p:spPr>
+        <p:txBody>
+          <a:bodyPr wrap="none" rtlCol="0">
+            <a:spAutoFit/>
+          </a:bodyPr>
+          <a:lstStyle/>
+          <a:p>
+            <a:r>
+              <a:rPr lang="en-US" dirty="0"/>
+              <a:t>Large</a:t>
+            </a:r>
+          </a:p>
+        </p:txBody>
+      </p:sp>
+      <p:sp>
+        <p:nvSpPr>
+          <p:cNvPr id="131" name="TextBox 130">
+            <a:extLst>
+              <a:ext uri="{FF2B5EF4-FFF2-40B4-BE49-F238E27FC236}">
+                <a16:creationId xmlns:a16="http://schemas.microsoft.com/office/drawing/2014/main" id="{16ADC6B8-6C14-0C47-AB24-30DA2AEEBCB8}"/>
+              </a:ext>
+            </a:extLst>
+          </p:cNvPr>
+          <p:cNvSpPr txBox="1"/>
+          <p:nvPr/>
+        </p:nvSpPr>
+        <p:spPr>
+          <a:xfrm>
+            <a:off x="579617" y="4917615"/>
+            <a:ext cx="1574662" cy="369332"/>
+          </a:xfrm>
+          <a:prstGeom prst="rect">
+            <a:avLst/>
+          </a:prstGeom>
+          <a:noFill/>
+        </p:spPr>
+        <p:txBody>
+          <a:bodyPr wrap="none" rtlCol="0">
+            <a:spAutoFit/>
+          </a:bodyPr>
+          <a:lstStyle/>
+          <a:p>
+            <a:r>
+              <a:rPr lang="en-US" dirty="0"/>
+              <a:t>Connected TVs</a:t>
+            </a:r>
+          </a:p>
+        </p:txBody>
+      </p:sp>
+      <p:sp>
+        <p:nvSpPr>
+          <p:cNvPr id="132" name="TextBox 131">
+            <a:extLst>
+              <a:ext uri="{FF2B5EF4-FFF2-40B4-BE49-F238E27FC236}">
+                <a16:creationId xmlns:a16="http://schemas.microsoft.com/office/drawing/2014/main" id="{DED23165-331E-2E4D-A155-AA2F20D8D5E1}"/>
+              </a:ext>
+            </a:extLst>
+          </p:cNvPr>
+          <p:cNvSpPr txBox="1"/>
+          <p:nvPr/>
+        </p:nvSpPr>
+        <p:spPr>
+          <a:xfrm>
+            <a:off x="2919141" y="4893195"/>
+            <a:ext cx="560538" cy="369332"/>
+          </a:xfrm>
+          <a:prstGeom prst="rect">
+            <a:avLst/>
+          </a:prstGeom>
+          <a:noFill/>
+        </p:spPr>
+        <p:txBody>
+          <a:bodyPr wrap="none" rtlCol="0">
+            <a:spAutoFit/>
+          </a:bodyPr>
+          <a:lstStyle/>
+          <a:p>
+            <a:r>
+              <a:rPr lang="en-US" dirty="0"/>
+              <a:t>AVC</a:t>
+            </a:r>
+          </a:p>
+        </p:txBody>
+      </p:sp>
+      <p:sp>
+        <p:nvSpPr>
+          <p:cNvPr id="135" name="TextBox 134">
+            <a:extLst>
+              <a:ext uri="{FF2B5EF4-FFF2-40B4-BE49-F238E27FC236}">
+                <a16:creationId xmlns:a16="http://schemas.microsoft.com/office/drawing/2014/main" id="{6002A976-9075-774B-B215-0B2BBF755927}"/>
+              </a:ext>
+            </a:extLst>
+          </p:cNvPr>
+          <p:cNvSpPr txBox="1"/>
+          <p:nvPr/>
+        </p:nvSpPr>
+        <p:spPr>
+          <a:xfrm>
+            <a:off x="4415263" y="4868204"/>
+            <a:ext cx="1250471" cy="369332"/>
+          </a:xfrm>
+          <a:prstGeom prst="rect">
+            <a:avLst/>
+          </a:prstGeom>
+          <a:noFill/>
+        </p:spPr>
+        <p:txBody>
+          <a:bodyPr wrap="none" rtlCol="0">
+            <a:spAutoFit/>
+          </a:bodyPr>
+          <a:lstStyle/>
+          <a:p>
+            <a:r>
+              <a:rPr lang="en-US" dirty="0"/>
+              <a:t>HLS / DASH</a:t>
+            </a:r>
+          </a:p>
+        </p:txBody>
+      </p:sp>
+      <p:sp>
+        <p:nvSpPr>
+          <p:cNvPr id="136" name="TextBox 135">
+            <a:extLst>
+              <a:ext uri="{FF2B5EF4-FFF2-40B4-BE49-F238E27FC236}">
+                <a16:creationId xmlns:a16="http://schemas.microsoft.com/office/drawing/2014/main" id="{514109FE-38CB-2A48-BCA4-4722C9F0AE33}"/>
+              </a:ext>
+            </a:extLst>
+          </p:cNvPr>
+          <p:cNvSpPr txBox="1"/>
+          <p:nvPr/>
+        </p:nvSpPr>
+        <p:spPr>
+          <a:xfrm>
+            <a:off x="6399249" y="4801479"/>
+            <a:ext cx="917944" cy="523220"/>
+          </a:xfrm>
+          <a:prstGeom prst="rect">
+            <a:avLst/>
+          </a:prstGeom>
+          <a:noFill/>
+        </p:spPr>
+        <p:txBody>
+          <a:bodyPr wrap="none" rtlCol="0">
+            <a:spAutoFit/>
+          </a:bodyPr>
+          <a:lstStyle/>
+          <a:p>
+            <a:pPr algn="ctr"/>
+            <a:r>
+              <a:rPr lang="en-US" sz="1400" dirty="0" err="1"/>
+              <a:t>Widevine</a:t>
+            </a:r>
+            <a:r>
+              <a:rPr lang="en-US" sz="1400" dirty="0"/>
+              <a:t> </a:t>
+            </a:r>
+          </a:p>
+          <a:p>
+            <a:pPr algn="ctr"/>
+            <a:r>
+              <a:rPr lang="en-US" sz="1400" dirty="0"/>
+              <a:t>CENC</a:t>
+            </a:r>
+          </a:p>
+        </p:txBody>
+      </p:sp>
+      <p:sp>
+        <p:nvSpPr>
+          <p:cNvPr id="137" name="TextBox 136">
+            <a:extLst>
+              <a:ext uri="{FF2B5EF4-FFF2-40B4-BE49-F238E27FC236}">
+                <a16:creationId xmlns:a16="http://schemas.microsoft.com/office/drawing/2014/main" id="{F7B745FA-454A-7C43-A62F-F2D0EDF6372E}"/>
+              </a:ext>
+            </a:extLst>
+          </p:cNvPr>
+          <p:cNvSpPr txBox="1"/>
+          <p:nvPr/>
+        </p:nvSpPr>
+        <p:spPr>
+          <a:xfrm>
+            <a:off x="8373484" y="4899737"/>
+            <a:ext cx="692562" cy="369332"/>
+          </a:xfrm>
+          <a:prstGeom prst="rect">
+            <a:avLst/>
+          </a:prstGeom>
+          <a:noFill/>
+        </p:spPr>
+        <p:txBody>
+          <a:bodyPr wrap="none" rtlCol="0">
+            <a:spAutoFit/>
+          </a:bodyPr>
+          <a:lstStyle/>
+          <a:p>
+            <a:r>
+              <a:rPr lang="en-US" dirty="0"/>
+              <a:t>Large</a:t>
             </a:r>
           </a:p>
         </p:txBody>
@@ -10624,7 +13298,7 @@
     </p:spTree>
     <p:extLst>
       <p:ext uri="{BB962C8B-B14F-4D97-AF65-F5344CB8AC3E}">
-        <p14:creationId xmlns:p14="http://schemas.microsoft.com/office/powerpoint/2010/main" val="1489157708"/>
+        <p14:creationId xmlns:p14="http://schemas.microsoft.com/office/powerpoint/2010/main" val="3153829156"/>
       </p:ext>
     </p:extLst>
   </p:cSld>
@@ -10666,6 +13340,681 @@
         <p:spPr>
           <a:xfrm>
             <a:off x="342819" y="388830"/>
+            <a:ext cx="4380558" cy="523220"/>
+          </a:xfrm>
+          <a:prstGeom prst="rect">
+            <a:avLst/>
+          </a:prstGeom>
+          <a:noFill/>
+        </p:spPr>
+        <p:txBody>
+          <a:bodyPr wrap="none" rtlCol="0">
+            <a:spAutoFit/>
+          </a:bodyPr>
+          <a:lstStyle/>
+          <a:p>
+            <a:r>
+              <a:rPr lang="en-US" sz="2800" dirty="0"/>
+              <a:t>Solution Architecture - Flows</a:t>
+            </a:r>
+          </a:p>
+        </p:txBody>
+      </p:sp>
+      <p:sp>
+        <p:nvSpPr>
+          <p:cNvPr id="66" name="Oval 65">
+            <a:extLst>
+              <a:ext uri="{FF2B5EF4-FFF2-40B4-BE49-F238E27FC236}">
+                <a16:creationId xmlns:a16="http://schemas.microsoft.com/office/drawing/2014/main" id="{891752E2-DEE6-2443-9C0C-53EB24C7FE81}"/>
+              </a:ext>
+            </a:extLst>
+          </p:cNvPr>
+          <p:cNvSpPr/>
+          <p:nvPr/>
+        </p:nvSpPr>
+        <p:spPr>
+          <a:xfrm>
+            <a:off x="629846" y="1523681"/>
+            <a:ext cx="473822" cy="440985"/>
+          </a:xfrm>
+          <a:prstGeom prst="ellipse">
+            <a:avLst/>
+          </a:prstGeom>
+          <a:noFill/>
+          <a:ln w="25400">
+            <a:solidFill>
+              <a:schemeClr val="tx1"/>
+            </a:solidFill>
+          </a:ln>
+        </p:spPr>
+        <p:style>
+          <a:lnRef idx="2">
+            <a:schemeClr val="accent1">
+              <a:shade val="50000"/>
+            </a:schemeClr>
+          </a:lnRef>
+          <a:fillRef idx="1">
+            <a:schemeClr val="accent1"/>
+          </a:fillRef>
+          <a:effectRef idx="0">
+            <a:schemeClr val="accent1"/>
+          </a:effectRef>
+          <a:fontRef idx="minor">
+            <a:schemeClr val="lt1"/>
+          </a:fontRef>
+        </p:style>
+        <p:txBody>
+          <a:bodyPr rtlCol="0" anchor="ctr"/>
+          <a:lstStyle/>
+          <a:p>
+            <a:pPr algn="ctr"/>
+            <a:endParaRPr lang="en-US"/>
+          </a:p>
+        </p:txBody>
+      </p:sp>
+      <p:sp>
+        <p:nvSpPr>
+          <p:cNvPr id="67" name="TextBox 66">
+            <a:extLst>
+              <a:ext uri="{FF2B5EF4-FFF2-40B4-BE49-F238E27FC236}">
+                <a16:creationId xmlns:a16="http://schemas.microsoft.com/office/drawing/2014/main" id="{56FD92C8-8C39-B948-A186-FC4332F9179C}"/>
+              </a:ext>
+            </a:extLst>
+          </p:cNvPr>
+          <p:cNvSpPr txBox="1"/>
+          <p:nvPr/>
+        </p:nvSpPr>
+        <p:spPr>
+          <a:xfrm>
+            <a:off x="715914" y="1578182"/>
+            <a:ext cx="301686" cy="369332"/>
+          </a:xfrm>
+          <a:prstGeom prst="rect">
+            <a:avLst/>
+          </a:prstGeom>
+          <a:noFill/>
+        </p:spPr>
+        <p:txBody>
+          <a:bodyPr wrap="none" rtlCol="0">
+            <a:spAutoFit/>
+          </a:bodyPr>
+          <a:lstStyle/>
+          <a:p>
+            <a:r>
+              <a:rPr lang="en-US" dirty="0"/>
+              <a:t>1</a:t>
+            </a:r>
+          </a:p>
+        </p:txBody>
+      </p:sp>
+      <p:sp>
+        <p:nvSpPr>
+          <p:cNvPr id="68" name="Oval 67">
+            <a:extLst>
+              <a:ext uri="{FF2B5EF4-FFF2-40B4-BE49-F238E27FC236}">
+                <a16:creationId xmlns:a16="http://schemas.microsoft.com/office/drawing/2014/main" id="{E063A5CA-DA70-6B48-B9AA-E9114EBFBE8E}"/>
+              </a:ext>
+            </a:extLst>
+          </p:cNvPr>
+          <p:cNvSpPr/>
+          <p:nvPr/>
+        </p:nvSpPr>
+        <p:spPr>
+          <a:xfrm>
+            <a:off x="633374" y="2294266"/>
+            <a:ext cx="473822" cy="440985"/>
+          </a:xfrm>
+          <a:prstGeom prst="ellipse">
+            <a:avLst/>
+          </a:prstGeom>
+          <a:noFill/>
+          <a:ln w="25400">
+            <a:solidFill>
+              <a:schemeClr val="tx1"/>
+            </a:solidFill>
+          </a:ln>
+        </p:spPr>
+        <p:style>
+          <a:lnRef idx="2">
+            <a:schemeClr val="accent1">
+              <a:shade val="50000"/>
+            </a:schemeClr>
+          </a:lnRef>
+          <a:fillRef idx="1">
+            <a:schemeClr val="accent1"/>
+          </a:fillRef>
+          <a:effectRef idx="0">
+            <a:schemeClr val="accent1"/>
+          </a:effectRef>
+          <a:fontRef idx="minor">
+            <a:schemeClr val="lt1"/>
+          </a:fontRef>
+        </p:style>
+        <p:txBody>
+          <a:bodyPr rtlCol="0" anchor="ctr"/>
+          <a:lstStyle/>
+          <a:p>
+            <a:pPr algn="ctr"/>
+            <a:endParaRPr lang="en-US"/>
+          </a:p>
+        </p:txBody>
+      </p:sp>
+      <p:sp>
+        <p:nvSpPr>
+          <p:cNvPr id="69" name="TextBox 68">
+            <a:extLst>
+              <a:ext uri="{FF2B5EF4-FFF2-40B4-BE49-F238E27FC236}">
+                <a16:creationId xmlns:a16="http://schemas.microsoft.com/office/drawing/2014/main" id="{17471B9A-DC75-2B47-8B27-7DE03A9B92EE}"/>
+              </a:ext>
+            </a:extLst>
+          </p:cNvPr>
+          <p:cNvSpPr txBox="1"/>
+          <p:nvPr/>
+        </p:nvSpPr>
+        <p:spPr>
+          <a:xfrm>
+            <a:off x="719442" y="2348767"/>
+            <a:ext cx="301686" cy="369332"/>
+          </a:xfrm>
+          <a:prstGeom prst="rect">
+            <a:avLst/>
+          </a:prstGeom>
+          <a:noFill/>
+        </p:spPr>
+        <p:txBody>
+          <a:bodyPr wrap="none" rtlCol="0">
+            <a:spAutoFit/>
+          </a:bodyPr>
+          <a:lstStyle/>
+          <a:p>
+            <a:r>
+              <a:rPr lang="en-US" dirty="0"/>
+              <a:t>2</a:t>
+            </a:r>
+          </a:p>
+        </p:txBody>
+      </p:sp>
+      <p:sp>
+        <p:nvSpPr>
+          <p:cNvPr id="70" name="Oval 69">
+            <a:extLst>
+              <a:ext uri="{FF2B5EF4-FFF2-40B4-BE49-F238E27FC236}">
+                <a16:creationId xmlns:a16="http://schemas.microsoft.com/office/drawing/2014/main" id="{62F183B9-FB72-EC4B-9910-E5D637947795}"/>
+              </a:ext>
+            </a:extLst>
+          </p:cNvPr>
+          <p:cNvSpPr/>
+          <p:nvPr/>
+        </p:nvSpPr>
+        <p:spPr>
+          <a:xfrm>
+            <a:off x="629846" y="3064851"/>
+            <a:ext cx="473822" cy="440985"/>
+          </a:xfrm>
+          <a:prstGeom prst="ellipse">
+            <a:avLst/>
+          </a:prstGeom>
+          <a:noFill/>
+          <a:ln w="25400">
+            <a:solidFill>
+              <a:schemeClr val="tx1"/>
+            </a:solidFill>
+          </a:ln>
+        </p:spPr>
+        <p:style>
+          <a:lnRef idx="2">
+            <a:schemeClr val="accent1">
+              <a:shade val="50000"/>
+            </a:schemeClr>
+          </a:lnRef>
+          <a:fillRef idx="1">
+            <a:schemeClr val="accent1"/>
+          </a:fillRef>
+          <a:effectRef idx="0">
+            <a:schemeClr val="accent1"/>
+          </a:effectRef>
+          <a:fontRef idx="minor">
+            <a:schemeClr val="lt1"/>
+          </a:fontRef>
+        </p:style>
+        <p:txBody>
+          <a:bodyPr rtlCol="0" anchor="ctr"/>
+          <a:lstStyle/>
+          <a:p>
+            <a:pPr algn="ctr"/>
+            <a:endParaRPr lang="en-US"/>
+          </a:p>
+        </p:txBody>
+      </p:sp>
+      <p:sp>
+        <p:nvSpPr>
+          <p:cNvPr id="72" name="TextBox 71">
+            <a:extLst>
+              <a:ext uri="{FF2B5EF4-FFF2-40B4-BE49-F238E27FC236}">
+                <a16:creationId xmlns:a16="http://schemas.microsoft.com/office/drawing/2014/main" id="{CDA3C7BC-960C-304E-8823-26204C4B3F0D}"/>
+              </a:ext>
+            </a:extLst>
+          </p:cNvPr>
+          <p:cNvSpPr txBox="1"/>
+          <p:nvPr/>
+        </p:nvSpPr>
+        <p:spPr>
+          <a:xfrm>
+            <a:off x="715914" y="3119352"/>
+            <a:ext cx="301686" cy="369332"/>
+          </a:xfrm>
+          <a:prstGeom prst="rect">
+            <a:avLst/>
+          </a:prstGeom>
+          <a:noFill/>
+        </p:spPr>
+        <p:txBody>
+          <a:bodyPr wrap="none" rtlCol="0">
+            <a:spAutoFit/>
+          </a:bodyPr>
+          <a:lstStyle/>
+          <a:p>
+            <a:r>
+              <a:rPr lang="en-US" dirty="0"/>
+              <a:t>3</a:t>
+            </a:r>
+          </a:p>
+        </p:txBody>
+      </p:sp>
+      <p:sp>
+        <p:nvSpPr>
+          <p:cNvPr id="73" name="Oval 72">
+            <a:extLst>
+              <a:ext uri="{FF2B5EF4-FFF2-40B4-BE49-F238E27FC236}">
+                <a16:creationId xmlns:a16="http://schemas.microsoft.com/office/drawing/2014/main" id="{C53C5A40-CC73-FE40-B139-0206EB9B3A49}"/>
+              </a:ext>
+            </a:extLst>
+          </p:cNvPr>
+          <p:cNvSpPr/>
+          <p:nvPr/>
+        </p:nvSpPr>
+        <p:spPr>
+          <a:xfrm>
+            <a:off x="634225" y="3756520"/>
+            <a:ext cx="473822" cy="440985"/>
+          </a:xfrm>
+          <a:prstGeom prst="ellipse">
+            <a:avLst/>
+          </a:prstGeom>
+          <a:noFill/>
+          <a:ln w="25400">
+            <a:solidFill>
+              <a:schemeClr val="tx1"/>
+            </a:solidFill>
+          </a:ln>
+        </p:spPr>
+        <p:style>
+          <a:lnRef idx="2">
+            <a:schemeClr val="accent1">
+              <a:shade val="50000"/>
+            </a:schemeClr>
+          </a:lnRef>
+          <a:fillRef idx="1">
+            <a:schemeClr val="accent1"/>
+          </a:fillRef>
+          <a:effectRef idx="0">
+            <a:schemeClr val="accent1"/>
+          </a:effectRef>
+          <a:fontRef idx="minor">
+            <a:schemeClr val="lt1"/>
+          </a:fontRef>
+        </p:style>
+        <p:txBody>
+          <a:bodyPr rtlCol="0" anchor="ctr"/>
+          <a:lstStyle/>
+          <a:p>
+            <a:pPr algn="ctr"/>
+            <a:endParaRPr lang="en-US"/>
+          </a:p>
+        </p:txBody>
+      </p:sp>
+      <p:sp>
+        <p:nvSpPr>
+          <p:cNvPr id="75" name="TextBox 74">
+            <a:extLst>
+              <a:ext uri="{FF2B5EF4-FFF2-40B4-BE49-F238E27FC236}">
+                <a16:creationId xmlns:a16="http://schemas.microsoft.com/office/drawing/2014/main" id="{4487912E-54E8-0F40-AF39-805473797043}"/>
+              </a:ext>
+            </a:extLst>
+          </p:cNvPr>
+          <p:cNvSpPr txBox="1"/>
+          <p:nvPr/>
+        </p:nvSpPr>
+        <p:spPr>
+          <a:xfrm>
+            <a:off x="720293" y="3811021"/>
+            <a:ext cx="301686" cy="369332"/>
+          </a:xfrm>
+          <a:prstGeom prst="rect">
+            <a:avLst/>
+          </a:prstGeom>
+          <a:noFill/>
+        </p:spPr>
+        <p:txBody>
+          <a:bodyPr wrap="square" rtlCol="0">
+            <a:spAutoFit/>
+          </a:bodyPr>
+          <a:lstStyle/>
+          <a:p>
+            <a:r>
+              <a:rPr lang="en-US" dirty="0"/>
+              <a:t>4</a:t>
+            </a:r>
+          </a:p>
+        </p:txBody>
+      </p:sp>
+      <p:sp>
+        <p:nvSpPr>
+          <p:cNvPr id="76" name="Oval 75">
+            <a:extLst>
+              <a:ext uri="{FF2B5EF4-FFF2-40B4-BE49-F238E27FC236}">
+                <a16:creationId xmlns:a16="http://schemas.microsoft.com/office/drawing/2014/main" id="{3DC35D3F-82CF-0341-87C9-60A02ABCC1BA}"/>
+              </a:ext>
+            </a:extLst>
+          </p:cNvPr>
+          <p:cNvSpPr/>
+          <p:nvPr/>
+        </p:nvSpPr>
+        <p:spPr>
+          <a:xfrm>
+            <a:off x="629846" y="4509953"/>
+            <a:ext cx="473822" cy="440985"/>
+          </a:xfrm>
+          <a:prstGeom prst="ellipse">
+            <a:avLst/>
+          </a:prstGeom>
+          <a:noFill/>
+          <a:ln w="25400">
+            <a:solidFill>
+              <a:schemeClr val="tx1"/>
+            </a:solidFill>
+          </a:ln>
+        </p:spPr>
+        <p:style>
+          <a:lnRef idx="2">
+            <a:schemeClr val="accent1">
+              <a:shade val="50000"/>
+            </a:schemeClr>
+          </a:lnRef>
+          <a:fillRef idx="1">
+            <a:schemeClr val="accent1"/>
+          </a:fillRef>
+          <a:effectRef idx="0">
+            <a:schemeClr val="accent1"/>
+          </a:effectRef>
+          <a:fontRef idx="minor">
+            <a:schemeClr val="lt1"/>
+          </a:fontRef>
+        </p:style>
+        <p:txBody>
+          <a:bodyPr rtlCol="0" anchor="ctr"/>
+          <a:lstStyle/>
+          <a:p>
+            <a:pPr algn="ctr"/>
+            <a:endParaRPr lang="en-US"/>
+          </a:p>
+        </p:txBody>
+      </p:sp>
+      <p:sp>
+        <p:nvSpPr>
+          <p:cNvPr id="78" name="TextBox 77">
+            <a:extLst>
+              <a:ext uri="{FF2B5EF4-FFF2-40B4-BE49-F238E27FC236}">
+                <a16:creationId xmlns:a16="http://schemas.microsoft.com/office/drawing/2014/main" id="{4666F282-2E5B-914E-908C-ABCC6B38D3E8}"/>
+              </a:ext>
+            </a:extLst>
+          </p:cNvPr>
+          <p:cNvSpPr txBox="1"/>
+          <p:nvPr/>
+        </p:nvSpPr>
+        <p:spPr>
+          <a:xfrm>
+            <a:off x="715914" y="4564454"/>
+            <a:ext cx="301686" cy="369332"/>
+          </a:xfrm>
+          <a:prstGeom prst="rect">
+            <a:avLst/>
+          </a:prstGeom>
+          <a:noFill/>
+        </p:spPr>
+        <p:txBody>
+          <a:bodyPr wrap="square" rtlCol="0">
+            <a:spAutoFit/>
+          </a:bodyPr>
+          <a:lstStyle/>
+          <a:p>
+            <a:r>
+              <a:rPr lang="en-US" dirty="0"/>
+              <a:t>5</a:t>
+            </a:r>
+          </a:p>
+        </p:txBody>
+      </p:sp>
+      <p:sp>
+        <p:nvSpPr>
+          <p:cNvPr id="2" name="TextBox 1">
+            <a:extLst>
+              <a:ext uri="{FF2B5EF4-FFF2-40B4-BE49-F238E27FC236}">
+                <a16:creationId xmlns:a16="http://schemas.microsoft.com/office/drawing/2014/main" id="{FC1646ED-DEAE-614A-8865-A93C98DBF1B3}"/>
+              </a:ext>
+            </a:extLst>
+          </p:cNvPr>
+          <p:cNvSpPr txBox="1"/>
+          <p:nvPr/>
+        </p:nvSpPr>
+        <p:spPr>
+          <a:xfrm>
+            <a:off x="1343025" y="1535318"/>
+            <a:ext cx="6371424" cy="400110"/>
+          </a:xfrm>
+          <a:prstGeom prst="rect">
+            <a:avLst/>
+          </a:prstGeom>
+          <a:noFill/>
+        </p:spPr>
+        <p:txBody>
+          <a:bodyPr wrap="none" rtlCol="0">
+            <a:spAutoFit/>
+          </a:bodyPr>
+          <a:lstStyle/>
+          <a:p>
+            <a:r>
+              <a:rPr lang="en-US" sz="2000" dirty="0"/>
+              <a:t>Source handling of current ingestion workflow – No Change</a:t>
+            </a:r>
+          </a:p>
+        </p:txBody>
+      </p:sp>
+      <p:sp>
+        <p:nvSpPr>
+          <p:cNvPr id="79" name="TextBox 78">
+            <a:extLst>
+              <a:ext uri="{FF2B5EF4-FFF2-40B4-BE49-F238E27FC236}">
+                <a16:creationId xmlns:a16="http://schemas.microsoft.com/office/drawing/2014/main" id="{8B7A5C6F-0032-3246-94A9-870812F2CED1}"/>
+              </a:ext>
+            </a:extLst>
+          </p:cNvPr>
+          <p:cNvSpPr txBox="1"/>
+          <p:nvPr/>
+        </p:nvSpPr>
+        <p:spPr>
+          <a:xfrm>
+            <a:off x="1343025" y="2287228"/>
+            <a:ext cx="9665275" cy="400110"/>
+          </a:xfrm>
+          <a:prstGeom prst="rect">
+            <a:avLst/>
+          </a:prstGeom>
+          <a:noFill/>
+        </p:spPr>
+        <p:txBody>
+          <a:bodyPr wrap="none" rtlCol="0">
+            <a:spAutoFit/>
+          </a:bodyPr>
+          <a:lstStyle/>
+          <a:p>
+            <a:r>
+              <a:rPr lang="en-US" sz="2000" dirty="0"/>
+              <a:t>Ingestion backend will require to store streaming URLs and License URL – Change Required </a:t>
+            </a:r>
+          </a:p>
+        </p:txBody>
+      </p:sp>
+      <p:sp>
+        <p:nvSpPr>
+          <p:cNvPr id="81" name="TextBox 80">
+            <a:extLst>
+              <a:ext uri="{FF2B5EF4-FFF2-40B4-BE49-F238E27FC236}">
+                <a16:creationId xmlns:a16="http://schemas.microsoft.com/office/drawing/2014/main" id="{E63F50E7-8541-D240-BA23-A5916883871D}"/>
+              </a:ext>
+            </a:extLst>
+          </p:cNvPr>
+          <p:cNvSpPr txBox="1"/>
+          <p:nvPr/>
+        </p:nvSpPr>
+        <p:spPr>
+          <a:xfrm>
+            <a:off x="1343025" y="3076488"/>
+            <a:ext cx="6301853" cy="400110"/>
+          </a:xfrm>
+          <a:prstGeom prst="rect">
+            <a:avLst/>
+          </a:prstGeom>
+          <a:noFill/>
+        </p:spPr>
+        <p:txBody>
+          <a:bodyPr wrap="none" rtlCol="0">
+            <a:spAutoFit/>
+          </a:bodyPr>
+          <a:lstStyle/>
+          <a:p>
+            <a:r>
+              <a:rPr lang="en-US" sz="2000" dirty="0"/>
+              <a:t>Bitmovin Encoding SDK integration – covered in later slides</a:t>
+            </a:r>
+          </a:p>
+        </p:txBody>
+      </p:sp>
+      <p:sp>
+        <p:nvSpPr>
+          <p:cNvPr id="82" name="TextBox 81">
+            <a:extLst>
+              <a:ext uri="{FF2B5EF4-FFF2-40B4-BE49-F238E27FC236}">
+                <a16:creationId xmlns:a16="http://schemas.microsoft.com/office/drawing/2014/main" id="{D27AAAC5-9E06-204C-8C67-7D99424F2A10}"/>
+              </a:ext>
+            </a:extLst>
+          </p:cNvPr>
+          <p:cNvSpPr txBox="1"/>
+          <p:nvPr/>
+        </p:nvSpPr>
+        <p:spPr>
+          <a:xfrm>
+            <a:off x="1343025" y="3785309"/>
+            <a:ext cx="5993115" cy="400110"/>
+          </a:xfrm>
+          <a:prstGeom prst="rect">
+            <a:avLst/>
+          </a:prstGeom>
+          <a:noFill/>
+        </p:spPr>
+        <p:txBody>
+          <a:bodyPr wrap="none" rtlCol="0">
+            <a:spAutoFit/>
+          </a:bodyPr>
+          <a:lstStyle/>
+          <a:p>
+            <a:r>
+              <a:rPr lang="en-US" sz="2000" dirty="0"/>
+              <a:t>Bitmovin Player SDK integration – covered in later slides</a:t>
+            </a:r>
+          </a:p>
+        </p:txBody>
+      </p:sp>
+      <p:sp>
+        <p:nvSpPr>
+          <p:cNvPr id="83" name="TextBox 82">
+            <a:extLst>
+              <a:ext uri="{FF2B5EF4-FFF2-40B4-BE49-F238E27FC236}">
+                <a16:creationId xmlns:a16="http://schemas.microsoft.com/office/drawing/2014/main" id="{26E447BF-B595-394D-8E88-F893D96C03CF}"/>
+              </a:ext>
+            </a:extLst>
+          </p:cNvPr>
+          <p:cNvSpPr txBox="1"/>
+          <p:nvPr/>
+        </p:nvSpPr>
+        <p:spPr>
+          <a:xfrm>
+            <a:off x="1343025" y="4538742"/>
+            <a:ext cx="7036285" cy="400110"/>
+          </a:xfrm>
+          <a:prstGeom prst="rect">
+            <a:avLst/>
+          </a:prstGeom>
+          <a:noFill/>
+        </p:spPr>
+        <p:txBody>
+          <a:bodyPr wrap="none" rtlCol="0">
+            <a:spAutoFit/>
+          </a:bodyPr>
+          <a:lstStyle/>
+          <a:p>
+            <a:r>
+              <a:rPr lang="en-US" sz="2000" dirty="0"/>
+              <a:t>Akamai CDN integration with Amazon S3 Origin – change required</a:t>
+            </a:r>
+          </a:p>
+        </p:txBody>
+      </p:sp>
+    </p:spTree>
+    <p:extLst>
+      <p:ext uri="{BB962C8B-B14F-4D97-AF65-F5344CB8AC3E}">
+        <p14:creationId xmlns:p14="http://schemas.microsoft.com/office/powerpoint/2010/main" val="1489157708"/>
+      </p:ext>
+    </p:extLst>
+  </p:cSld>
+  <p:clrMapOvr>
+    <a:masterClrMapping/>
+  </p:clrMapOvr>
+</p:sld>
+</file>
+
+<file path=ppt/slides/slide6.xml><?xml version="1.0" encoding="utf-8"?>
+<p:sld xmlns:a="http://schemas.openxmlformats.org/drawingml/2006/main" xmlns:r="http://schemas.openxmlformats.org/officeDocument/2006/relationships" xmlns:p="http://schemas.openxmlformats.org/presentationml/2006/main">
+  <p:cSld>
+    <p:spTree>
+      <p:nvGrpSpPr>
+        <p:cNvPr id="1" name=""/>
+        <p:cNvGrpSpPr/>
+        <p:nvPr/>
+      </p:nvGrpSpPr>
+      <p:grpSpPr>
+        <a:xfrm>
+          <a:off x="0" y="0"/>
+          <a:ext cx="0" cy="0"/>
+          <a:chOff x="0" y="0"/>
+          <a:chExt cx="0" cy="0"/>
+        </a:xfrm>
+      </p:grpSpPr>
+      <p:sp>
+        <p:nvSpPr>
+          <p:cNvPr id="117" name="TextBox 116">
+            <a:extLst>
+              <a:ext uri="{FF2B5EF4-FFF2-40B4-BE49-F238E27FC236}">
+                <a16:creationId xmlns:a16="http://schemas.microsoft.com/office/drawing/2014/main" id="{0602350F-0B3C-2144-A8F2-C0AE388483C9}"/>
+              </a:ext>
+            </a:extLst>
+          </p:cNvPr>
+          <p:cNvSpPr txBox="1"/>
+          <p:nvPr/>
+        </p:nvSpPr>
+        <p:spPr>
+          <a:xfrm>
+            <a:off x="342819" y="388830"/>
             <a:ext cx="4849404" cy="523220"/>
           </a:xfrm>
           <a:prstGeom prst="rect">
@@ -11309,7 +14658,7 @@
 </p:sld>
 </file>
 
-<file path=ppt/slides/slide6.xml><?xml version="1.0" encoding="utf-8"?>
+<file path=ppt/slides/slide7.xml><?xml version="1.0" encoding="utf-8"?>
 <p:sld xmlns:a="http://schemas.openxmlformats.org/drawingml/2006/main" xmlns:r="http://schemas.openxmlformats.org/officeDocument/2006/relationships" xmlns:p="http://schemas.openxmlformats.org/presentationml/2006/main">
   <p:cSld>
     <p:spTree>

--- a/usecase-1.pptx
+++ b/usecase-1.pptx
@@ -113,6 +113,11 @@
       </a:defRPr>
     </a:lvl9pPr>
   </p:defaultTextStyle>
+  <p:extLst>
+    <p:ext uri="{EFAFB233-063F-42B5-8137-9DF3F51BA10A}">
+      <p15:sldGuideLst xmlns:p15="http://schemas.microsoft.com/office/powerpoint/2012/main"/>
+    </p:ext>
+  </p:extLst>
 </p:presentation>
 </file>
 
@@ -198,7 +203,7 @@
           <a:p>
             <a:fld id="{B4B35D7F-6865-B349-BA2D-E38DE8386276}" type="datetimeFigureOut">
               <a:rPr lang="en-US" smtClean="0"/>
-              <a:t>12/9/19</a:t>
+              <a:t>12/12/19</a:t>
             </a:fld>
             <a:endParaRPr lang="en-US"/>
           </a:p>
@@ -1035,7 +1040,7 @@
           <a:p>
             <a:fld id="{3814B00B-F77A-4045-A4D6-562D1BFF9841}" type="datetimeFigureOut">
               <a:rPr lang="en-US" smtClean="0"/>
-              <a:t>12/9/19</a:t>
+              <a:t>12/12/19</a:t>
             </a:fld>
             <a:endParaRPr lang="en-US"/>
           </a:p>
@@ -1235,7 +1240,7 @@
           <a:p>
             <a:fld id="{3814B00B-F77A-4045-A4D6-562D1BFF9841}" type="datetimeFigureOut">
               <a:rPr lang="en-US" smtClean="0"/>
-              <a:t>12/9/19</a:t>
+              <a:t>12/12/19</a:t>
             </a:fld>
             <a:endParaRPr lang="en-US"/>
           </a:p>
@@ -1445,7 +1450,7 @@
           <a:p>
             <a:fld id="{3814B00B-F77A-4045-A4D6-562D1BFF9841}" type="datetimeFigureOut">
               <a:rPr lang="en-US" smtClean="0"/>
-              <a:t>12/9/19</a:t>
+              <a:t>12/12/19</a:t>
             </a:fld>
             <a:endParaRPr lang="en-US"/>
           </a:p>
@@ -1645,7 +1650,7 @@
           <a:p>
             <a:fld id="{3814B00B-F77A-4045-A4D6-562D1BFF9841}" type="datetimeFigureOut">
               <a:rPr lang="en-US" smtClean="0"/>
-              <a:t>12/9/19</a:t>
+              <a:t>12/12/19</a:t>
             </a:fld>
             <a:endParaRPr lang="en-US"/>
           </a:p>
@@ -1921,7 +1926,7 @@
           <a:p>
             <a:fld id="{3814B00B-F77A-4045-A4D6-562D1BFF9841}" type="datetimeFigureOut">
               <a:rPr lang="en-US" smtClean="0"/>
-              <a:t>12/9/19</a:t>
+              <a:t>12/12/19</a:t>
             </a:fld>
             <a:endParaRPr lang="en-US"/>
           </a:p>
@@ -2189,7 +2194,7 @@
           <a:p>
             <a:fld id="{3814B00B-F77A-4045-A4D6-562D1BFF9841}" type="datetimeFigureOut">
               <a:rPr lang="en-US" smtClean="0"/>
-              <a:t>12/9/19</a:t>
+              <a:t>12/12/19</a:t>
             </a:fld>
             <a:endParaRPr lang="en-US"/>
           </a:p>
@@ -2604,7 +2609,7 @@
           <a:p>
             <a:fld id="{3814B00B-F77A-4045-A4D6-562D1BFF9841}" type="datetimeFigureOut">
               <a:rPr lang="en-US" smtClean="0"/>
-              <a:t>12/9/19</a:t>
+              <a:t>12/12/19</a:t>
             </a:fld>
             <a:endParaRPr lang="en-US"/>
           </a:p>
@@ -2746,7 +2751,7 @@
           <a:p>
             <a:fld id="{3814B00B-F77A-4045-A4D6-562D1BFF9841}" type="datetimeFigureOut">
               <a:rPr lang="en-US" smtClean="0"/>
-              <a:t>12/9/19</a:t>
+              <a:t>12/12/19</a:t>
             </a:fld>
             <a:endParaRPr lang="en-US"/>
           </a:p>
@@ -2859,7 +2864,7 @@
           <a:p>
             <a:fld id="{3814B00B-F77A-4045-A4D6-562D1BFF9841}" type="datetimeFigureOut">
               <a:rPr lang="en-US" smtClean="0"/>
-              <a:t>12/9/19</a:t>
+              <a:t>12/12/19</a:t>
             </a:fld>
             <a:endParaRPr lang="en-US"/>
           </a:p>
@@ -3172,7 +3177,7 @@
           <a:p>
             <a:fld id="{3814B00B-F77A-4045-A4D6-562D1BFF9841}" type="datetimeFigureOut">
               <a:rPr lang="en-US" smtClean="0"/>
-              <a:t>12/9/19</a:t>
+              <a:t>12/12/19</a:t>
             </a:fld>
             <a:endParaRPr lang="en-US"/>
           </a:p>
@@ -3461,7 +3466,7 @@
           <a:p>
             <a:fld id="{3814B00B-F77A-4045-A4D6-562D1BFF9841}" type="datetimeFigureOut">
               <a:rPr lang="en-US" smtClean="0"/>
-              <a:t>12/9/19</a:t>
+              <a:t>12/12/19</a:t>
             </a:fld>
             <a:endParaRPr lang="en-US"/>
           </a:p>
@@ -3704,7 +3709,7 @@
           <a:p>
             <a:fld id="{3814B00B-F77A-4045-A4D6-562D1BFF9841}" type="datetimeFigureOut">
               <a:rPr lang="en-US" smtClean="0"/>
-              <a:t>12/9/19</a:t>
+              <a:t>12/12/19</a:t>
             </a:fld>
             <a:endParaRPr lang="en-US"/>
           </a:p>
@@ -11755,7 +11760,7 @@
         </p:blipFill>
         <p:spPr bwMode="auto">
           <a:xfrm>
-            <a:off x="716218" y="1446253"/>
+            <a:off x="1096218" y="1648128"/>
             <a:ext cx="282135" cy="335036"/>
           </a:xfrm>
           <a:prstGeom prst="rect">
@@ -11795,7 +11800,7 @@
         </p:blipFill>
         <p:spPr>
           <a:xfrm>
-            <a:off x="657766" y="2310003"/>
+            <a:off x="1037766" y="2511878"/>
             <a:ext cx="340587" cy="340587"/>
           </a:xfrm>
           <a:prstGeom prst="rect">
@@ -11825,7 +11830,7 @@
         </p:blipFill>
         <p:spPr>
           <a:xfrm>
-            <a:off x="657767" y="3178398"/>
+            <a:off x="1037767" y="3380273"/>
             <a:ext cx="340586" cy="340586"/>
           </a:xfrm>
           <a:prstGeom prst="rect">
@@ -11847,7 +11852,7 @@
         </p:nvSpPr>
         <p:spPr>
           <a:xfrm>
-            <a:off x="486884" y="1306619"/>
+            <a:off x="866884" y="1508494"/>
             <a:ext cx="9518649" cy="593766"/>
           </a:xfrm>
           <a:prstGeom prst="rect">
@@ -11899,7 +11904,7 @@
         </p:nvSpPr>
         <p:spPr>
           <a:xfrm>
-            <a:off x="486885" y="2183414"/>
+            <a:off x="866885" y="2385289"/>
             <a:ext cx="9518648" cy="593766"/>
           </a:xfrm>
           <a:prstGeom prst="rect">
@@ -11951,7 +11956,7 @@
         </p:nvSpPr>
         <p:spPr>
           <a:xfrm>
-            <a:off x="486883" y="3051808"/>
+            <a:off x="866883" y="3253683"/>
             <a:ext cx="9518649" cy="593766"/>
           </a:xfrm>
           <a:prstGeom prst="rect">
@@ -12003,7 +12008,7 @@
         </p:nvSpPr>
         <p:spPr>
           <a:xfrm>
-            <a:off x="2495217" y="771887"/>
+            <a:off x="2875217" y="973762"/>
             <a:ext cx="1542389" cy="5105060"/>
           </a:xfrm>
           <a:prstGeom prst="rect">
@@ -12060,7 +12065,7 @@
         </p:nvSpPr>
         <p:spPr>
           <a:xfrm>
-            <a:off x="2690453" y="795773"/>
+            <a:off x="3070453" y="997648"/>
             <a:ext cx="1041952" cy="369332"/>
           </a:xfrm>
           <a:prstGeom prst="rect">
@@ -12095,7 +12100,7 @@
         </p:nvSpPr>
         <p:spPr>
           <a:xfrm>
-            <a:off x="4273213" y="795774"/>
+            <a:off x="4653213" y="997649"/>
             <a:ext cx="1542389" cy="5081172"/>
           </a:xfrm>
           <a:prstGeom prst="rect">
@@ -12157,7 +12162,7 @@
         </p:nvSpPr>
         <p:spPr>
           <a:xfrm>
-            <a:off x="4523431" y="795773"/>
+            <a:off x="4903431" y="997648"/>
             <a:ext cx="1110304" cy="369332"/>
           </a:xfrm>
           <a:prstGeom prst="rect">
@@ -12192,7 +12197,7 @@
         </p:nvSpPr>
         <p:spPr>
           <a:xfrm>
-            <a:off x="6091086" y="773355"/>
+            <a:off x="6471086" y="975230"/>
             <a:ext cx="1542389" cy="5081171"/>
           </a:xfrm>
           <a:prstGeom prst="rect">
@@ -12254,7 +12259,7 @@
         </p:nvSpPr>
         <p:spPr>
           <a:xfrm>
-            <a:off x="6497133" y="828836"/>
+            <a:off x="6877133" y="1030711"/>
             <a:ext cx="649537" cy="369332"/>
           </a:xfrm>
           <a:prstGeom prst="rect">
@@ -12289,7 +12294,7 @@
         </p:nvSpPr>
         <p:spPr>
           <a:xfrm>
-            <a:off x="7934861" y="771886"/>
+            <a:off x="8314861" y="973761"/>
             <a:ext cx="1542389" cy="5082640"/>
           </a:xfrm>
           <a:prstGeom prst="rect">
@@ -12351,7 +12356,7 @@
         </p:nvSpPr>
         <p:spPr>
           <a:xfrm>
-            <a:off x="8104148" y="771886"/>
+            <a:off x="8484148" y="973761"/>
             <a:ext cx="1231234" cy="369332"/>
           </a:xfrm>
           <a:prstGeom prst="rect">
@@ -12386,7 +12391,7 @@
         </p:nvSpPr>
         <p:spPr>
           <a:xfrm>
-            <a:off x="486882" y="3928603"/>
+            <a:off x="866882" y="4130478"/>
             <a:ext cx="9518649" cy="593766"/>
           </a:xfrm>
           <a:prstGeom prst="rect">
@@ -12438,7 +12443,7 @@
         </p:nvSpPr>
         <p:spPr>
           <a:xfrm>
-            <a:off x="486881" y="4805398"/>
+            <a:off x="866881" y="5007273"/>
             <a:ext cx="9518649" cy="593766"/>
           </a:xfrm>
           <a:prstGeom prst="rect">
@@ -12490,7 +12495,7 @@
         </p:nvSpPr>
         <p:spPr>
           <a:xfrm>
-            <a:off x="2620940" y="1411957"/>
+            <a:off x="3000940" y="1613832"/>
             <a:ext cx="1265411" cy="369332"/>
           </a:xfrm>
           <a:prstGeom prst="rect">
@@ -12525,7 +12530,7 @@
         </p:nvSpPr>
         <p:spPr>
           <a:xfrm>
-            <a:off x="2633705" y="2313546"/>
+            <a:off x="3013705" y="2515421"/>
             <a:ext cx="1265411" cy="369332"/>
           </a:xfrm>
           <a:prstGeom prst="rect">
@@ -12560,7 +12565,7 @@
         </p:nvSpPr>
         <p:spPr>
           <a:xfrm>
-            <a:off x="2728298" y="3172426"/>
+            <a:off x="3108298" y="3374301"/>
             <a:ext cx="1070293" cy="369332"/>
           </a:xfrm>
           <a:prstGeom prst="rect">
@@ -12595,7 +12600,7 @@
         </p:nvSpPr>
         <p:spPr>
           <a:xfrm>
-            <a:off x="4778148" y="1411957"/>
+            <a:off x="5158148" y="1613832"/>
             <a:ext cx="532518" cy="369332"/>
           </a:xfrm>
           <a:prstGeom prst="rect">
@@ -12630,7 +12635,7 @@
         </p:nvSpPr>
         <p:spPr>
           <a:xfrm>
-            <a:off x="6405712" y="1411957"/>
+            <a:off x="6785712" y="1613832"/>
             <a:ext cx="913135" cy="369332"/>
           </a:xfrm>
           <a:prstGeom prst="rect">
@@ -12666,7 +12671,7 @@
         </p:nvSpPr>
         <p:spPr>
           <a:xfrm>
-            <a:off x="8216978" y="1411957"/>
+            <a:off x="8596978" y="1613832"/>
             <a:ext cx="978153" cy="369332"/>
           </a:xfrm>
           <a:prstGeom prst="rect">
@@ -12701,7 +12706,7 @@
         </p:nvSpPr>
         <p:spPr>
           <a:xfrm>
-            <a:off x="4494957" y="2287230"/>
+            <a:off x="4874957" y="2489105"/>
             <a:ext cx="1250471" cy="369332"/>
           </a:xfrm>
           <a:prstGeom prst="rect">
@@ -12736,7 +12741,7 @@
         </p:nvSpPr>
         <p:spPr>
           <a:xfrm>
-            <a:off x="4472000" y="3134108"/>
+            <a:off x="4852000" y="3335983"/>
             <a:ext cx="1250471" cy="369332"/>
           </a:xfrm>
           <a:prstGeom prst="rect">
@@ -12771,7 +12776,7 @@
         </p:nvSpPr>
         <p:spPr>
           <a:xfrm>
-            <a:off x="6399249" y="2237740"/>
+            <a:off x="6779249" y="2439615"/>
             <a:ext cx="917944" cy="523220"/>
           </a:xfrm>
           <a:prstGeom prst="rect">
@@ -12818,7 +12823,7 @@
         </p:nvSpPr>
         <p:spPr>
           <a:xfrm>
-            <a:off x="6399249" y="3079262"/>
+            <a:off x="6779249" y="3281137"/>
             <a:ext cx="917944" cy="523220"/>
           </a:xfrm>
           <a:prstGeom prst="rect">
@@ -12865,7 +12870,7 @@
         </p:nvSpPr>
         <p:spPr>
           <a:xfrm>
-            <a:off x="8216977" y="2287573"/>
+            <a:off x="8596977" y="2489448"/>
             <a:ext cx="978153" cy="369332"/>
           </a:xfrm>
           <a:prstGeom prst="rect">
@@ -12900,7 +12905,7 @@
         </p:nvSpPr>
         <p:spPr>
           <a:xfrm>
-            <a:off x="8216976" y="3059426"/>
+            <a:off x="8596976" y="3261301"/>
             <a:ext cx="978153" cy="369332"/>
           </a:xfrm>
           <a:prstGeom prst="rect">
@@ -12935,7 +12940,7 @@
         </p:nvSpPr>
         <p:spPr>
           <a:xfrm>
-            <a:off x="579618" y="4040820"/>
+            <a:off x="959618" y="4242695"/>
             <a:ext cx="1298561" cy="369332"/>
           </a:xfrm>
           <a:prstGeom prst="rect">
@@ -12970,7 +12975,7 @@
         </p:nvSpPr>
         <p:spPr>
           <a:xfrm>
-            <a:off x="2595681" y="4048584"/>
+            <a:off x="2975681" y="4250459"/>
             <a:ext cx="1265411" cy="369332"/>
           </a:xfrm>
           <a:prstGeom prst="rect">
@@ -13005,7 +13010,7 @@
         </p:nvSpPr>
         <p:spPr>
           <a:xfrm>
-            <a:off x="4419171" y="4015096"/>
+            <a:off x="4799171" y="4216971"/>
             <a:ext cx="1250471" cy="369332"/>
           </a:xfrm>
           <a:prstGeom prst="rect">
@@ -13040,7 +13045,7 @@
         </p:nvSpPr>
         <p:spPr>
           <a:xfrm>
-            <a:off x="6399249" y="3971640"/>
+            <a:off x="6779249" y="4173515"/>
             <a:ext cx="917944" cy="523220"/>
           </a:xfrm>
           <a:prstGeom prst="rect">
@@ -13087,7 +13092,7 @@
         </p:nvSpPr>
         <p:spPr>
           <a:xfrm>
-            <a:off x="8373484" y="4016342"/>
+            <a:off x="8753484" y="4218217"/>
             <a:ext cx="692562" cy="369332"/>
           </a:xfrm>
           <a:prstGeom prst="rect">
@@ -13122,7 +13127,7 @@
         </p:nvSpPr>
         <p:spPr>
           <a:xfrm>
-            <a:off x="579617" y="4917615"/>
+            <a:off x="959617" y="5119490"/>
             <a:ext cx="1574662" cy="369332"/>
           </a:xfrm>
           <a:prstGeom prst="rect">
@@ -13157,7 +13162,7 @@
         </p:nvSpPr>
         <p:spPr>
           <a:xfrm>
-            <a:off x="2919141" y="4893195"/>
+            <a:off x="3299141" y="5095070"/>
             <a:ext cx="560538" cy="369332"/>
           </a:xfrm>
           <a:prstGeom prst="rect">
@@ -13192,7 +13197,7 @@
         </p:nvSpPr>
         <p:spPr>
           <a:xfrm>
-            <a:off x="4415263" y="4868204"/>
+            <a:off x="4795263" y="5070079"/>
             <a:ext cx="1250471" cy="369332"/>
           </a:xfrm>
           <a:prstGeom prst="rect">
@@ -13227,7 +13232,7 @@
         </p:nvSpPr>
         <p:spPr>
           <a:xfrm>
-            <a:off x="6399249" y="4801479"/>
+            <a:off x="6779249" y="5003354"/>
             <a:ext cx="917944" cy="523220"/>
           </a:xfrm>
           <a:prstGeom prst="rect">
@@ -13274,7 +13279,7 @@
         </p:nvSpPr>
         <p:spPr>
           <a:xfrm>
-            <a:off x="8373484" y="4899737"/>
+            <a:off x="8753484" y="5101612"/>
             <a:ext cx="692562" cy="369332"/>
           </a:xfrm>
           <a:prstGeom prst="rect">
@@ -13292,6 +13297,101 @@
               <a:rPr lang="en-US" dirty="0"/>
               <a:t>Large</a:t>
             </a:r>
+          </a:p>
+        </p:txBody>
+      </p:sp>
+      <p:sp>
+        <p:nvSpPr>
+          <p:cNvPr id="3" name="TextBox 2">
+            <a:extLst>
+              <a:ext uri="{FF2B5EF4-FFF2-40B4-BE49-F238E27FC236}">
+                <a16:creationId xmlns:a16="http://schemas.microsoft.com/office/drawing/2014/main" id="{1C475AB0-1689-9548-93CA-0CB8A8762736}"/>
+              </a:ext>
+            </a:extLst>
+          </p:cNvPr>
+          <p:cNvSpPr txBox="1"/>
+          <p:nvPr/>
+        </p:nvSpPr>
+        <p:spPr>
+          <a:xfrm>
+            <a:off x="2375065" y="344384"/>
+            <a:ext cx="6539932" cy="400110"/>
+          </a:xfrm>
+          <a:prstGeom prst="rect">
+            <a:avLst/>
+          </a:prstGeom>
+          <a:noFill/>
+        </p:spPr>
+        <p:txBody>
+          <a:bodyPr wrap="none" rtlCol="0">
+            <a:spAutoFit/>
+          </a:bodyPr>
+          <a:lstStyle/>
+          <a:p>
+            <a:r>
+              <a:rPr lang="en-US" sz="2000" dirty="0"/>
+              <a:t>Proposed Video Codecs / Packaging format and DRM formats</a:t>
+            </a:r>
+          </a:p>
+        </p:txBody>
+      </p:sp>
+      <p:sp>
+        <p:nvSpPr>
+          <p:cNvPr id="41" name="TextBox 40">
+            <a:extLst>
+              <a:ext uri="{FF2B5EF4-FFF2-40B4-BE49-F238E27FC236}">
+                <a16:creationId xmlns:a16="http://schemas.microsoft.com/office/drawing/2014/main" id="{391F818B-1C70-654B-87ED-9990B5DCBD5F}"/>
+              </a:ext>
+            </a:extLst>
+          </p:cNvPr>
+          <p:cNvSpPr txBox="1"/>
+          <p:nvPr/>
+        </p:nvSpPr>
+        <p:spPr>
+          <a:xfrm>
+            <a:off x="682705" y="6054846"/>
+            <a:ext cx="10329559" cy="1015663"/>
+          </a:xfrm>
+          <a:prstGeom prst="rect">
+            <a:avLst/>
+          </a:prstGeom>
+          <a:noFill/>
+        </p:spPr>
+        <p:txBody>
+          <a:bodyPr wrap="none" rtlCol="0">
+            <a:spAutoFit/>
+          </a:bodyPr>
+          <a:lstStyle/>
+          <a:p>
+            <a:r>
+              <a:rPr lang="en-US" sz="2000" dirty="0"/>
+              <a:t>*For widest device coverage both HLS and DASH packaging is required</a:t>
+            </a:r>
+          </a:p>
+          <a:p>
+            <a:r>
+              <a:rPr lang="en-US" sz="2000" dirty="0"/>
+              <a:t>*To ensure DRM support on Apple and rest of the devices </a:t>
+            </a:r>
+            <a:r>
+              <a:rPr lang="en-US" sz="2000" dirty="0" err="1"/>
+              <a:t>Widevine</a:t>
+            </a:r>
+            <a:r>
+              <a:rPr lang="en-US" sz="2000" dirty="0"/>
+              <a:t> CENC and </a:t>
+            </a:r>
+            <a:r>
+              <a:rPr lang="en-US" sz="2000" dirty="0" err="1"/>
+              <a:t>Fairplay</a:t>
+            </a:r>
+            <a:r>
+              <a:rPr lang="en-US" sz="2000" dirty="0"/>
+              <a:t> is required</a:t>
+            </a:r>
+          </a:p>
+          <a:p>
+            <a:endParaRPr lang="en-US" sz="2000" dirty="0"/>
           </a:p>
         </p:txBody>
       </p:sp>
